--- a/session2/presentation/Python Basics.pptx
+++ b/session2/presentation/Python Basics.pptx
@@ -71,7 +71,25 @@
     <p:sldId id="397" r:id="rId65"/>
     <p:sldId id="395" r:id="rId66"/>
     <p:sldId id="396" r:id="rId67"/>
-    <p:sldId id="267" r:id="rId68"/>
+    <p:sldId id="401" r:id="rId68"/>
+    <p:sldId id="402" r:id="rId69"/>
+    <p:sldId id="403" r:id="rId70"/>
+    <p:sldId id="404" r:id="rId71"/>
+    <p:sldId id="405" r:id="rId72"/>
+    <p:sldId id="406" r:id="rId73"/>
+    <p:sldId id="407" r:id="rId74"/>
+    <p:sldId id="408" r:id="rId75"/>
+    <p:sldId id="409" r:id="rId76"/>
+    <p:sldId id="410" r:id="rId77"/>
+    <p:sldId id="411" r:id="rId78"/>
+    <p:sldId id="412" r:id="rId79"/>
+    <p:sldId id="413" r:id="rId80"/>
+    <p:sldId id="414" r:id="rId81"/>
+    <p:sldId id="415" r:id="rId82"/>
+    <p:sldId id="416" r:id="rId83"/>
+    <p:sldId id="417" r:id="rId84"/>
+    <p:sldId id="418" r:id="rId85"/>
+    <p:sldId id="267" r:id="rId86"/>
   </p:sldIdLst>
   <p:sldSz cx="12192000" cy="6858000"/>
   <p:notesSz cx="6858000" cy="9144000"/>
@@ -311,7 +329,7 @@
           <a:p>
             <a:fld id="{1139FA4A-C808-4981-8BA9-64217A6CCEA7}" type="datetimeFigureOut">
               <a:rPr lang="en-US" smtClean="0"/>
-              <a:t>2/6/2018</a:t>
+              <a:t>2/7/2018</a:t>
             </a:fld>
             <a:endParaRPr lang="en-US"/>
           </a:p>
@@ -479,7 +497,7 @@
           <a:p>
             <a:fld id="{1139FA4A-C808-4981-8BA9-64217A6CCEA7}" type="datetimeFigureOut">
               <a:rPr lang="en-US" smtClean="0"/>
-              <a:t>2/6/2018</a:t>
+              <a:t>2/7/2018</a:t>
             </a:fld>
             <a:endParaRPr lang="en-US"/>
           </a:p>
@@ -657,7 +675,7 @@
           <a:p>
             <a:fld id="{1139FA4A-C808-4981-8BA9-64217A6CCEA7}" type="datetimeFigureOut">
               <a:rPr lang="en-US" smtClean="0"/>
-              <a:t>2/6/2018</a:t>
+              <a:t>2/7/2018</a:t>
             </a:fld>
             <a:endParaRPr lang="en-US"/>
           </a:p>
@@ -825,7 +843,7 @@
           <a:p>
             <a:fld id="{1139FA4A-C808-4981-8BA9-64217A6CCEA7}" type="datetimeFigureOut">
               <a:rPr lang="en-US" smtClean="0"/>
-              <a:t>2/6/2018</a:t>
+              <a:t>2/7/2018</a:t>
             </a:fld>
             <a:endParaRPr lang="en-US"/>
           </a:p>
@@ -1070,7 +1088,7 @@
           <a:p>
             <a:fld id="{1139FA4A-C808-4981-8BA9-64217A6CCEA7}" type="datetimeFigureOut">
               <a:rPr lang="en-US" smtClean="0"/>
-              <a:t>2/6/2018</a:t>
+              <a:t>2/7/2018</a:t>
             </a:fld>
             <a:endParaRPr lang="en-US"/>
           </a:p>
@@ -1299,7 +1317,7 @@
           <a:p>
             <a:fld id="{1139FA4A-C808-4981-8BA9-64217A6CCEA7}" type="datetimeFigureOut">
               <a:rPr lang="en-US" smtClean="0"/>
-              <a:t>2/6/2018</a:t>
+              <a:t>2/7/2018</a:t>
             </a:fld>
             <a:endParaRPr lang="en-US"/>
           </a:p>
@@ -1663,7 +1681,7 @@
           <a:p>
             <a:fld id="{1139FA4A-C808-4981-8BA9-64217A6CCEA7}" type="datetimeFigureOut">
               <a:rPr lang="en-US" smtClean="0"/>
-              <a:t>2/6/2018</a:t>
+              <a:t>2/7/2018</a:t>
             </a:fld>
             <a:endParaRPr lang="en-US"/>
           </a:p>
@@ -1780,7 +1798,7 @@
           <a:p>
             <a:fld id="{1139FA4A-C808-4981-8BA9-64217A6CCEA7}" type="datetimeFigureOut">
               <a:rPr lang="en-US" smtClean="0"/>
-              <a:t>2/6/2018</a:t>
+              <a:t>2/7/2018</a:t>
             </a:fld>
             <a:endParaRPr lang="en-US"/>
           </a:p>
@@ -1875,7 +1893,7 @@
           <a:p>
             <a:fld id="{1139FA4A-C808-4981-8BA9-64217A6CCEA7}" type="datetimeFigureOut">
               <a:rPr lang="en-US" smtClean="0"/>
-              <a:t>2/6/2018</a:t>
+              <a:t>2/7/2018</a:t>
             </a:fld>
             <a:endParaRPr lang="en-US"/>
           </a:p>
@@ -2150,7 +2168,7 @@
           <a:p>
             <a:fld id="{1139FA4A-C808-4981-8BA9-64217A6CCEA7}" type="datetimeFigureOut">
               <a:rPr lang="en-US" smtClean="0"/>
-              <a:t>2/6/2018</a:t>
+              <a:t>2/7/2018</a:t>
             </a:fld>
             <a:endParaRPr lang="en-US"/>
           </a:p>
@@ -2402,7 +2420,7 @@
           <a:p>
             <a:fld id="{1139FA4A-C808-4981-8BA9-64217A6CCEA7}" type="datetimeFigureOut">
               <a:rPr lang="en-US" smtClean="0"/>
-              <a:t>2/6/2018</a:t>
+              <a:t>2/7/2018</a:t>
             </a:fld>
             <a:endParaRPr lang="en-US"/>
           </a:p>
@@ -2613,7 +2631,7 @@
           <a:p>
             <a:fld id="{1139FA4A-C808-4981-8BA9-64217A6CCEA7}" type="datetimeFigureOut">
               <a:rPr lang="en-US" smtClean="0"/>
-              <a:t>2/6/2018</a:t>
+              <a:t>2/7/2018</a:t>
             </a:fld>
             <a:endParaRPr lang="en-US"/>
           </a:p>
@@ -30103,15 +30121,6 @@
               </a:rPr>
               <a:t>Catching Import Errors</a:t>
             </a:r>
-            <a:endParaRPr lang="en-US" b="1" dirty="0">
-              <a:effectLst>
-                <a:outerShdw blurRad="38100" dist="38100" dir="2700000" algn="tl">
-                  <a:srgbClr val="000000">
-                    <a:alpha val="43137"/>
-                  </a:srgbClr>
-                </a:outerShdw>
-              </a:effectLst>
-            </a:endParaRPr>
           </a:p>
         </p:txBody>
       </p:sp>
@@ -30492,15 +30501,6 @@
               </a:rPr>
               <a:t>Catching Import Errors</a:t>
             </a:r>
-            <a:endParaRPr lang="en-US" b="1" dirty="0">
-              <a:effectLst>
-                <a:outerShdw blurRad="38100" dist="38100" dir="2700000" algn="tl">
-                  <a:srgbClr val="000000">
-                    <a:alpha val="43137"/>
-                  </a:srgbClr>
-                </a:outerShdw>
-              </a:effectLst>
-            </a:endParaRPr>
           </a:p>
         </p:txBody>
       </p:sp>
@@ -30795,15 +30795,6 @@
               </a:rPr>
               <a:t>Catching Import Errors</a:t>
             </a:r>
-            <a:endParaRPr lang="en-US" b="1" dirty="0">
-              <a:effectLst>
-                <a:outerShdw blurRad="38100" dist="38100" dir="2700000" algn="tl">
-                  <a:srgbClr val="000000">
-                    <a:alpha val="43137"/>
-                  </a:srgbClr>
-                </a:outerShdw>
-              </a:effectLst>
-            </a:endParaRPr>
           </a:p>
         </p:txBody>
       </p:sp>
@@ -31656,15 +31647,6 @@
               </a:rPr>
               <a:t>Running Scripts</a:t>
             </a:r>
-            <a:endParaRPr lang="en-US" b="1" dirty="0">
-              <a:effectLst>
-                <a:outerShdw blurRad="38100" dist="38100" dir="2700000" algn="tl">
-                  <a:srgbClr val="000000">
-                    <a:alpha val="43137"/>
-                  </a:srgbClr>
-                </a:outerShdw>
-              </a:effectLst>
-            </a:endParaRPr>
           </a:p>
         </p:txBody>
       </p:sp>
@@ -32149,15 +32131,6 @@
               </a:rPr>
               <a:t>Running Scripts</a:t>
             </a:r>
-            <a:endParaRPr lang="en-US" b="1" dirty="0">
-              <a:effectLst>
-                <a:outerShdw blurRad="38100" dist="38100" dir="2700000" algn="tl">
-                  <a:srgbClr val="000000">
-                    <a:alpha val="43137"/>
-                  </a:srgbClr>
-                </a:outerShdw>
-              </a:effectLst>
-            </a:endParaRPr>
           </a:p>
         </p:txBody>
       </p:sp>
@@ -32397,6 +32370,8308 @@
 </file>
 
 <file path=ppt/slides/slide67.xml><?xml version="1.0" encoding="utf-8"?>
+<p:sld xmlns:a="http://schemas.openxmlformats.org/drawingml/2006/main" xmlns:r="http://schemas.openxmlformats.org/officeDocument/2006/relationships" xmlns:p="http://schemas.openxmlformats.org/presentationml/2006/main">
+  <p:cSld>
+    <p:spTree>
+      <p:nvGrpSpPr>
+        <p:cNvPr id="1" name=""/>
+        <p:cNvGrpSpPr/>
+        <p:nvPr/>
+      </p:nvGrpSpPr>
+      <p:grpSpPr>
+        <a:xfrm>
+          <a:off x="0" y="0"/>
+          <a:ext cx="0" cy="0"/>
+          <a:chOff x="0" y="0"/>
+          <a:chExt cx="0" cy="0"/>
+        </a:xfrm>
+      </p:grpSpPr>
+      <p:sp>
+        <p:nvSpPr>
+          <p:cNvPr id="4" name="Title 1"/>
+          <p:cNvSpPr txBox="1">
+            <a:spLocks/>
+          </p:cNvSpPr>
+          <p:nvPr/>
+        </p:nvSpPr>
+        <p:spPr>
+          <a:xfrm>
+            <a:off x="0" y="1"/>
+            <a:ext cx="12192000" cy="721216"/>
+          </a:xfrm>
+          <a:prstGeom prst="rect">
+            <a:avLst/>
+          </a:prstGeom>
+        </p:spPr>
+        <p:style>
+          <a:lnRef idx="0">
+            <a:schemeClr val="accent1"/>
+          </a:lnRef>
+          <a:fillRef idx="3">
+            <a:schemeClr val="accent1"/>
+          </a:fillRef>
+          <a:effectRef idx="3">
+            <a:schemeClr val="accent1"/>
+          </a:effectRef>
+          <a:fontRef idx="minor">
+            <a:schemeClr val="lt1"/>
+          </a:fontRef>
+        </p:style>
+        <p:txBody>
+          <a:bodyPr vert="horz" lIns="91440" tIns="45720" rIns="91440" bIns="45720" rtlCol="0" anchor="ctr">
+            <a:normAutofit/>
+          </a:bodyPr>
+          <a:lstStyle>
+            <a:lvl1pPr algn="l" defTabSz="914400" rtl="0" eaLnBrk="1" latinLnBrk="0" hangingPunct="1">
+              <a:lnSpc>
+                <a:spcPct val="90000"/>
+              </a:lnSpc>
+              <a:spcBef>
+                <a:spcPct val="0"/>
+              </a:spcBef>
+              <a:buNone/>
+              <a:defRPr sz="4400" kern="1200">
+                <a:solidFill>
+                  <a:schemeClr val="lt1"/>
+                </a:solidFill>
+                <a:latin typeface="+mn-lt"/>
+                <a:ea typeface="+mn-ea"/>
+                <a:cs typeface="+mn-cs"/>
+              </a:defRPr>
+            </a:lvl1pPr>
+            <a:lvl2pPr>
+              <a:defRPr>
+                <a:solidFill>
+                  <a:schemeClr val="lt1"/>
+                </a:solidFill>
+                <a:latin typeface="+mn-lt"/>
+                <a:ea typeface="+mn-ea"/>
+                <a:cs typeface="+mn-cs"/>
+              </a:defRPr>
+            </a:lvl2pPr>
+            <a:lvl3pPr>
+              <a:defRPr>
+                <a:solidFill>
+                  <a:schemeClr val="lt1"/>
+                </a:solidFill>
+                <a:latin typeface="+mn-lt"/>
+                <a:ea typeface="+mn-ea"/>
+                <a:cs typeface="+mn-cs"/>
+              </a:defRPr>
+            </a:lvl3pPr>
+            <a:lvl4pPr>
+              <a:defRPr>
+                <a:solidFill>
+                  <a:schemeClr val="lt1"/>
+                </a:solidFill>
+                <a:latin typeface="+mn-lt"/>
+                <a:ea typeface="+mn-ea"/>
+                <a:cs typeface="+mn-cs"/>
+              </a:defRPr>
+            </a:lvl4pPr>
+            <a:lvl5pPr>
+              <a:defRPr>
+                <a:solidFill>
+                  <a:schemeClr val="lt1"/>
+                </a:solidFill>
+                <a:latin typeface="+mn-lt"/>
+                <a:ea typeface="+mn-ea"/>
+                <a:cs typeface="+mn-cs"/>
+              </a:defRPr>
+            </a:lvl5pPr>
+            <a:lvl6pPr>
+              <a:defRPr>
+                <a:solidFill>
+                  <a:schemeClr val="lt1"/>
+                </a:solidFill>
+                <a:latin typeface="+mn-lt"/>
+                <a:ea typeface="+mn-ea"/>
+                <a:cs typeface="+mn-cs"/>
+              </a:defRPr>
+            </a:lvl6pPr>
+            <a:lvl7pPr>
+              <a:defRPr>
+                <a:solidFill>
+                  <a:schemeClr val="lt1"/>
+                </a:solidFill>
+                <a:latin typeface="+mn-lt"/>
+                <a:ea typeface="+mn-ea"/>
+                <a:cs typeface="+mn-cs"/>
+              </a:defRPr>
+            </a:lvl7pPr>
+            <a:lvl8pPr>
+              <a:defRPr>
+                <a:solidFill>
+                  <a:schemeClr val="lt1"/>
+                </a:solidFill>
+                <a:latin typeface="+mn-lt"/>
+                <a:ea typeface="+mn-ea"/>
+                <a:cs typeface="+mn-cs"/>
+              </a:defRPr>
+            </a:lvl8pPr>
+            <a:lvl9pPr>
+              <a:defRPr>
+                <a:solidFill>
+                  <a:schemeClr val="lt1"/>
+                </a:solidFill>
+                <a:latin typeface="+mn-lt"/>
+                <a:ea typeface="+mn-ea"/>
+                <a:cs typeface="+mn-cs"/>
+              </a:defRPr>
+            </a:lvl9pPr>
+          </a:lstStyle>
+          <a:p>
+            <a:r>
+              <a:rPr lang="en-US" dirty="0" smtClean="0"/>
+              <a:t> </a:t>
+            </a:r>
+            <a:r>
+              <a:rPr lang="en-US" b="1" dirty="0" smtClean="0">
+                <a:effectLst>
+                  <a:outerShdw blurRad="38100" dist="38100" dir="2700000" algn="tl">
+                    <a:srgbClr val="000000">
+                      <a:alpha val="43137"/>
+                    </a:srgbClr>
+                  </a:outerShdw>
+                </a:effectLst>
+              </a:rPr>
+              <a:t>Python</a:t>
+            </a:r>
+            <a:r>
+              <a:rPr lang="en-US" dirty="0" smtClean="0"/>
+              <a:t> </a:t>
+            </a:r>
+            <a:r>
+              <a:rPr lang="en-US" b="1" dirty="0" smtClean="0">
+                <a:effectLst>
+                  <a:outerShdw blurRad="38100" dist="38100" dir="2700000" algn="tl">
+                    <a:srgbClr val="000000">
+                      <a:alpha val="43137"/>
+                    </a:srgbClr>
+                  </a:outerShdw>
+                </a:effectLst>
+              </a:rPr>
+              <a:t>DataType</a:t>
+            </a:r>
+            <a:endParaRPr lang="en-US" b="1" i="1" dirty="0">
+              <a:solidFill>
+                <a:srgbClr val="0070C0"/>
+              </a:solidFill>
+              <a:latin typeface="Consolas" panose="020B0609020204030204" pitchFamily="49" charset="0"/>
+              <a:cs typeface="Consolas" panose="020B0609020204030204" pitchFamily="49" charset="0"/>
+            </a:endParaRPr>
+          </a:p>
+        </p:txBody>
+      </p:sp>
+      <p:sp>
+        <p:nvSpPr>
+          <p:cNvPr id="2" name="TextBox 1"/>
+          <p:cNvSpPr txBox="1"/>
+          <p:nvPr/>
+        </p:nvSpPr>
+        <p:spPr>
+          <a:xfrm>
+            <a:off x="417443" y="857743"/>
+            <a:ext cx="11357113" cy="2554545"/>
+          </a:xfrm>
+          <a:prstGeom prst="rect">
+            <a:avLst/>
+          </a:prstGeom>
+          <a:noFill/>
+        </p:spPr>
+        <p:txBody>
+          <a:bodyPr wrap="square" rtlCol="0">
+            <a:spAutoFit/>
+          </a:bodyPr>
+          <a:lstStyle/>
+          <a:p>
+            <a:pPr marL="342900" indent="-342900">
+              <a:buFont typeface="Arial" panose="020B0604020202020204" pitchFamily="34" charset="0"/>
+              <a:buChar char="•"/>
+            </a:pPr>
+            <a:r>
+              <a:rPr lang="en-US" sz="2000" b="1" dirty="0"/>
+              <a:t>In Python</a:t>
+            </a:r>
+            <a:r>
+              <a:rPr lang="en-US" sz="2000" b="1" dirty="0" smtClean="0"/>
+              <a:t>, </a:t>
+            </a:r>
+            <a:r>
+              <a:rPr lang="en-US" sz="2000" b="1" dirty="0" smtClean="0">
+                <a:solidFill>
+                  <a:srgbClr val="FF0000"/>
+                </a:solidFill>
+              </a:rPr>
+              <a:t>every value has a datatype</a:t>
+            </a:r>
+            <a:r>
+              <a:rPr lang="en-US" sz="2000" b="1" dirty="0" smtClean="0"/>
+              <a:t>, </a:t>
+            </a:r>
+            <a:r>
+              <a:rPr lang="en-US" sz="2000" b="1" dirty="0"/>
+              <a:t>but you don’t need to declare the datatype of variables</a:t>
+            </a:r>
+            <a:r>
+              <a:rPr lang="en-US" sz="2000" b="1" dirty="0" smtClean="0"/>
+              <a:t>.</a:t>
+            </a:r>
+          </a:p>
+          <a:p>
+            <a:pPr marL="342900" indent="-342900">
+              <a:buFont typeface="Arial" panose="020B0604020202020204" pitchFamily="34" charset="0"/>
+              <a:buChar char="•"/>
+            </a:pPr>
+            <a:endParaRPr lang="en-US" sz="2000" b="1" dirty="0"/>
+          </a:p>
+          <a:p>
+            <a:pPr marL="342900" indent="-342900">
+              <a:buFont typeface="Arial" panose="020B0604020202020204" pitchFamily="34" charset="0"/>
+              <a:buChar char="•"/>
+            </a:pPr>
+            <a:r>
+              <a:rPr lang="en-US" sz="2000" dirty="0"/>
+              <a:t>How does that work? </a:t>
+            </a:r>
+            <a:endParaRPr lang="en-US" sz="2000" dirty="0" smtClean="0"/>
+          </a:p>
+          <a:p>
+            <a:pPr marL="342900" indent="-342900">
+              <a:buFont typeface="Arial" panose="020B0604020202020204" pitchFamily="34" charset="0"/>
+              <a:buChar char="•"/>
+            </a:pPr>
+            <a:endParaRPr lang="en-US" sz="2000" dirty="0"/>
+          </a:p>
+          <a:p>
+            <a:pPr marL="342900" indent="-342900">
+              <a:buFont typeface="Arial" panose="020B0604020202020204" pitchFamily="34" charset="0"/>
+              <a:buChar char="•"/>
+            </a:pPr>
+            <a:r>
+              <a:rPr lang="en-US" sz="2000" b="1" dirty="0" smtClean="0"/>
+              <a:t>Based </a:t>
+            </a:r>
+            <a:r>
+              <a:rPr lang="en-US" sz="2000" b="1" dirty="0"/>
+              <a:t>on each variable’s original assignment</a:t>
+            </a:r>
+            <a:r>
+              <a:rPr lang="en-US" sz="2000" dirty="0"/>
+              <a:t>, Python figures out what type it is and keeps tracks of that internally. </a:t>
+            </a:r>
+            <a:endParaRPr lang="en-US" sz="2000" dirty="0" smtClean="0"/>
+          </a:p>
+          <a:p>
+            <a:pPr marL="342900" indent="-342900">
+              <a:buFont typeface="Arial" panose="020B0604020202020204" pitchFamily="34" charset="0"/>
+              <a:buChar char="•"/>
+            </a:pPr>
+            <a:endParaRPr lang="en-US" sz="2000" dirty="0"/>
+          </a:p>
+          <a:p>
+            <a:pPr marL="342900" indent="-342900">
+              <a:buFont typeface="Arial" panose="020B0604020202020204" pitchFamily="34" charset="0"/>
+              <a:buChar char="•"/>
+            </a:pPr>
+            <a:endParaRPr lang="en-US" sz="2000" dirty="0"/>
+          </a:p>
+        </p:txBody>
+      </p:sp>
+      <p:sp>
+        <p:nvSpPr>
+          <p:cNvPr id="5" name="AutoShape 2" descr="http://raspberry.piaustralia.com.au/product-images/piwithbox.jpg"/>
+          <p:cNvSpPr>
+            <a:spLocks noChangeAspect="1" noChangeArrowheads="1"/>
+          </p:cNvSpPr>
+          <p:nvPr/>
+        </p:nvSpPr>
+        <p:spPr bwMode="auto">
+          <a:xfrm>
+            <a:off x="63500" y="-136525"/>
+            <a:ext cx="9772650" cy="6343650"/>
+          </a:xfrm>
+          <a:prstGeom prst="rect">
+            <a:avLst/>
+          </a:prstGeom>
+          <a:noFill/>
+          <a:extLst>
+            <a:ext uri="{909E8E84-426E-40DD-AFC4-6F175D3DCCD1}">
+              <a14:hiddenFill xmlns:a14="http://schemas.microsoft.com/office/drawing/2010/main">
+                <a:solidFill>
+                  <a:srgbClr val="FFFFFF"/>
+                </a:solidFill>
+              </a14:hiddenFill>
+            </a:ext>
+          </a:extLst>
+        </p:spPr>
+        <p:txBody>
+          <a:bodyPr vert="horz" wrap="square" lIns="91440" tIns="45720" rIns="91440" bIns="45720" numCol="1" anchor="t" anchorCtr="0" compatLnSpc="1">
+            <a:prstTxWarp prst="textNoShape">
+              <a:avLst/>
+            </a:prstTxWarp>
+          </a:bodyPr>
+          <a:lstStyle/>
+          <a:p>
+            <a:endParaRPr lang="en-US"/>
+          </a:p>
+        </p:txBody>
+      </p:sp>
+    </p:spTree>
+    <p:extLst>
+      <p:ext uri="{BB962C8B-B14F-4D97-AF65-F5344CB8AC3E}">
+        <p14:creationId xmlns:p14="http://schemas.microsoft.com/office/powerpoint/2010/main" val="3894634506"/>
+      </p:ext>
+    </p:extLst>
+  </p:cSld>
+  <p:clrMapOvr>
+    <a:masterClrMapping/>
+  </p:clrMapOvr>
+</p:sld>
+</file>
+
+<file path=ppt/slides/slide68.xml><?xml version="1.0" encoding="utf-8"?>
+<p:sld xmlns:a="http://schemas.openxmlformats.org/drawingml/2006/main" xmlns:r="http://schemas.openxmlformats.org/officeDocument/2006/relationships" xmlns:p="http://schemas.openxmlformats.org/presentationml/2006/main">
+  <p:cSld>
+    <p:spTree>
+      <p:nvGrpSpPr>
+        <p:cNvPr id="1" name=""/>
+        <p:cNvGrpSpPr/>
+        <p:nvPr/>
+      </p:nvGrpSpPr>
+      <p:grpSpPr>
+        <a:xfrm>
+          <a:off x="0" y="0"/>
+          <a:ext cx="0" cy="0"/>
+          <a:chOff x="0" y="0"/>
+          <a:chExt cx="0" cy="0"/>
+        </a:xfrm>
+      </p:grpSpPr>
+      <p:sp>
+        <p:nvSpPr>
+          <p:cNvPr id="4" name="Title 1"/>
+          <p:cNvSpPr txBox="1">
+            <a:spLocks/>
+          </p:cNvSpPr>
+          <p:nvPr/>
+        </p:nvSpPr>
+        <p:spPr>
+          <a:xfrm>
+            <a:off x="0" y="1"/>
+            <a:ext cx="12192000" cy="721216"/>
+          </a:xfrm>
+          <a:prstGeom prst="rect">
+            <a:avLst/>
+          </a:prstGeom>
+        </p:spPr>
+        <p:style>
+          <a:lnRef idx="0">
+            <a:schemeClr val="accent1"/>
+          </a:lnRef>
+          <a:fillRef idx="3">
+            <a:schemeClr val="accent1"/>
+          </a:fillRef>
+          <a:effectRef idx="3">
+            <a:schemeClr val="accent1"/>
+          </a:effectRef>
+          <a:fontRef idx="minor">
+            <a:schemeClr val="lt1"/>
+          </a:fontRef>
+        </p:style>
+        <p:txBody>
+          <a:bodyPr vert="horz" lIns="91440" tIns="45720" rIns="91440" bIns="45720" rtlCol="0" anchor="ctr">
+            <a:normAutofit/>
+          </a:bodyPr>
+          <a:lstStyle>
+            <a:lvl1pPr algn="l" defTabSz="914400" rtl="0" eaLnBrk="1" latinLnBrk="0" hangingPunct="1">
+              <a:lnSpc>
+                <a:spcPct val="90000"/>
+              </a:lnSpc>
+              <a:spcBef>
+                <a:spcPct val="0"/>
+              </a:spcBef>
+              <a:buNone/>
+              <a:defRPr sz="4400" kern="1200">
+                <a:solidFill>
+                  <a:schemeClr val="lt1"/>
+                </a:solidFill>
+                <a:latin typeface="+mn-lt"/>
+                <a:ea typeface="+mn-ea"/>
+                <a:cs typeface="+mn-cs"/>
+              </a:defRPr>
+            </a:lvl1pPr>
+            <a:lvl2pPr>
+              <a:defRPr>
+                <a:solidFill>
+                  <a:schemeClr val="lt1"/>
+                </a:solidFill>
+                <a:latin typeface="+mn-lt"/>
+                <a:ea typeface="+mn-ea"/>
+                <a:cs typeface="+mn-cs"/>
+              </a:defRPr>
+            </a:lvl2pPr>
+            <a:lvl3pPr>
+              <a:defRPr>
+                <a:solidFill>
+                  <a:schemeClr val="lt1"/>
+                </a:solidFill>
+                <a:latin typeface="+mn-lt"/>
+                <a:ea typeface="+mn-ea"/>
+                <a:cs typeface="+mn-cs"/>
+              </a:defRPr>
+            </a:lvl3pPr>
+            <a:lvl4pPr>
+              <a:defRPr>
+                <a:solidFill>
+                  <a:schemeClr val="lt1"/>
+                </a:solidFill>
+                <a:latin typeface="+mn-lt"/>
+                <a:ea typeface="+mn-ea"/>
+                <a:cs typeface="+mn-cs"/>
+              </a:defRPr>
+            </a:lvl4pPr>
+            <a:lvl5pPr>
+              <a:defRPr>
+                <a:solidFill>
+                  <a:schemeClr val="lt1"/>
+                </a:solidFill>
+                <a:latin typeface="+mn-lt"/>
+                <a:ea typeface="+mn-ea"/>
+                <a:cs typeface="+mn-cs"/>
+              </a:defRPr>
+            </a:lvl5pPr>
+            <a:lvl6pPr>
+              <a:defRPr>
+                <a:solidFill>
+                  <a:schemeClr val="lt1"/>
+                </a:solidFill>
+                <a:latin typeface="+mn-lt"/>
+                <a:ea typeface="+mn-ea"/>
+                <a:cs typeface="+mn-cs"/>
+              </a:defRPr>
+            </a:lvl6pPr>
+            <a:lvl7pPr>
+              <a:defRPr>
+                <a:solidFill>
+                  <a:schemeClr val="lt1"/>
+                </a:solidFill>
+                <a:latin typeface="+mn-lt"/>
+                <a:ea typeface="+mn-ea"/>
+                <a:cs typeface="+mn-cs"/>
+              </a:defRPr>
+            </a:lvl7pPr>
+            <a:lvl8pPr>
+              <a:defRPr>
+                <a:solidFill>
+                  <a:schemeClr val="lt1"/>
+                </a:solidFill>
+                <a:latin typeface="+mn-lt"/>
+                <a:ea typeface="+mn-ea"/>
+                <a:cs typeface="+mn-cs"/>
+              </a:defRPr>
+            </a:lvl8pPr>
+            <a:lvl9pPr>
+              <a:defRPr>
+                <a:solidFill>
+                  <a:schemeClr val="lt1"/>
+                </a:solidFill>
+                <a:latin typeface="+mn-lt"/>
+                <a:ea typeface="+mn-ea"/>
+                <a:cs typeface="+mn-cs"/>
+              </a:defRPr>
+            </a:lvl9pPr>
+          </a:lstStyle>
+          <a:p>
+            <a:r>
+              <a:rPr lang="en-US" dirty="0"/>
+              <a:t> </a:t>
+            </a:r>
+            <a:r>
+              <a:rPr lang="en-US" b="1" dirty="0">
+                <a:effectLst>
+                  <a:outerShdw blurRad="38100" dist="38100" dir="2700000" algn="tl">
+                    <a:srgbClr val="000000">
+                      <a:alpha val="43137"/>
+                    </a:srgbClr>
+                  </a:outerShdw>
+                </a:effectLst>
+              </a:rPr>
+              <a:t>Python</a:t>
+            </a:r>
+            <a:r>
+              <a:rPr lang="en-US" dirty="0"/>
+              <a:t> </a:t>
+            </a:r>
+            <a:r>
+              <a:rPr lang="en-US" b="1" dirty="0">
+                <a:effectLst>
+                  <a:outerShdw blurRad="38100" dist="38100" dir="2700000" algn="tl">
+                    <a:srgbClr val="000000">
+                      <a:alpha val="43137"/>
+                    </a:srgbClr>
+                  </a:outerShdw>
+                </a:effectLst>
+              </a:rPr>
+              <a:t>DataType</a:t>
+            </a:r>
+            <a:endParaRPr lang="en-US" b="1" i="1" dirty="0">
+              <a:solidFill>
+                <a:srgbClr val="0070C0"/>
+              </a:solidFill>
+              <a:latin typeface="Consolas" panose="020B0609020204030204" pitchFamily="49" charset="0"/>
+              <a:cs typeface="Consolas" panose="020B0609020204030204" pitchFamily="49" charset="0"/>
+            </a:endParaRPr>
+          </a:p>
+        </p:txBody>
+      </p:sp>
+      <p:sp>
+        <p:nvSpPr>
+          <p:cNvPr id="2" name="TextBox 1"/>
+          <p:cNvSpPr txBox="1"/>
+          <p:nvPr/>
+        </p:nvSpPr>
+        <p:spPr>
+          <a:xfrm>
+            <a:off x="63501" y="857743"/>
+            <a:ext cx="12128500" cy="5324535"/>
+          </a:xfrm>
+          <a:prstGeom prst="rect">
+            <a:avLst/>
+          </a:prstGeom>
+          <a:noFill/>
+        </p:spPr>
+        <p:txBody>
+          <a:bodyPr wrap="square" rtlCol="0">
+            <a:spAutoFit/>
+          </a:bodyPr>
+          <a:lstStyle/>
+          <a:p>
+            <a:pPr marL="342900" indent="-342900">
+              <a:buFont typeface="Arial" panose="020B0604020202020204" pitchFamily="34" charset="0"/>
+              <a:buChar char="•"/>
+            </a:pPr>
+            <a:r>
+              <a:rPr lang="en-US" sz="2000" b="1" dirty="0">
+                <a:solidFill>
+                  <a:srgbClr val="FF0000"/>
+                </a:solidFill>
+              </a:rPr>
+              <a:t>Python has many native datatypes. Here are the important ones: </a:t>
+            </a:r>
+            <a:endParaRPr lang="en-US" sz="2000" b="1" dirty="0" smtClean="0">
+              <a:solidFill>
+                <a:srgbClr val="FF0000"/>
+              </a:solidFill>
+            </a:endParaRPr>
+          </a:p>
+          <a:p>
+            <a:endParaRPr lang="en-US" sz="2000" dirty="0"/>
+          </a:p>
+          <a:p>
+            <a:pPr marL="342900" indent="-342900">
+              <a:buFont typeface="Arial" panose="020B0604020202020204" pitchFamily="34" charset="0"/>
+              <a:buChar char="•"/>
+            </a:pPr>
+            <a:r>
+              <a:rPr lang="en-US" sz="2000" dirty="0"/>
+              <a:t>    </a:t>
+            </a:r>
+            <a:r>
+              <a:rPr lang="en-US" sz="2000" b="1" dirty="0"/>
+              <a:t>Booleans are either </a:t>
+            </a:r>
+            <a:r>
+              <a:rPr lang="en-US" sz="2000" b="1" i="1" dirty="0">
+                <a:solidFill>
+                  <a:srgbClr val="0070C0"/>
+                </a:solidFill>
+                <a:latin typeface="Consolas" panose="020B0609020204030204" pitchFamily="49" charset="0"/>
+                <a:cs typeface="Consolas" panose="020B0609020204030204" pitchFamily="49" charset="0"/>
+              </a:rPr>
+              <a:t>True</a:t>
+            </a:r>
+            <a:r>
+              <a:rPr lang="en-US" sz="2000" b="1" dirty="0"/>
+              <a:t> or </a:t>
+            </a:r>
+            <a:r>
+              <a:rPr lang="en-US" sz="2000" b="1" i="1" dirty="0">
+                <a:solidFill>
+                  <a:srgbClr val="0070C0"/>
+                </a:solidFill>
+                <a:latin typeface="Consolas" panose="020B0609020204030204" pitchFamily="49" charset="0"/>
+                <a:cs typeface="Consolas" panose="020B0609020204030204" pitchFamily="49" charset="0"/>
+              </a:rPr>
+              <a:t>False</a:t>
+            </a:r>
+            <a:r>
+              <a:rPr lang="en-US" sz="2000" b="1" dirty="0"/>
+              <a:t>.</a:t>
+            </a:r>
+          </a:p>
+          <a:p>
+            <a:pPr marL="342900" indent="-342900">
+              <a:buFont typeface="Arial" panose="020B0604020202020204" pitchFamily="34" charset="0"/>
+              <a:buChar char="•"/>
+            </a:pPr>
+            <a:endParaRPr lang="en-US" sz="2000" b="1" dirty="0" smtClean="0"/>
+          </a:p>
+          <a:p>
+            <a:pPr marL="342900" indent="-342900">
+              <a:buFont typeface="Arial" panose="020B0604020202020204" pitchFamily="34" charset="0"/>
+              <a:buChar char="•"/>
+            </a:pPr>
+            <a:r>
+              <a:rPr lang="en-US" sz="2000" b="1" dirty="0" smtClean="0"/>
+              <a:t>    </a:t>
+            </a:r>
+            <a:r>
+              <a:rPr lang="en-US" b="1" dirty="0"/>
+              <a:t>Numbers can be </a:t>
+            </a:r>
+            <a:r>
+              <a:rPr lang="en-US" b="1" i="1" dirty="0">
+                <a:solidFill>
+                  <a:srgbClr val="0070C0"/>
+                </a:solidFill>
+                <a:latin typeface="Consolas" panose="020B0609020204030204" pitchFamily="49" charset="0"/>
+                <a:cs typeface="Consolas" panose="020B0609020204030204" pitchFamily="49" charset="0"/>
+              </a:rPr>
+              <a:t>integers</a:t>
+            </a:r>
+            <a:r>
+              <a:rPr lang="en-US" b="1" dirty="0"/>
+              <a:t> (1 and 2), </a:t>
+            </a:r>
+            <a:r>
+              <a:rPr lang="en-US" b="1" i="1" dirty="0">
+                <a:solidFill>
+                  <a:srgbClr val="0070C0"/>
+                </a:solidFill>
+                <a:latin typeface="Consolas" panose="020B0609020204030204" pitchFamily="49" charset="0"/>
+                <a:cs typeface="Consolas" panose="020B0609020204030204" pitchFamily="49" charset="0"/>
+              </a:rPr>
+              <a:t>floats</a:t>
+            </a:r>
+            <a:r>
+              <a:rPr lang="en-US" b="1" dirty="0"/>
+              <a:t> (1.1 and 1.2), </a:t>
+            </a:r>
+            <a:r>
+              <a:rPr lang="en-US" b="1" i="1" dirty="0">
+                <a:solidFill>
+                  <a:srgbClr val="0070C0"/>
+                </a:solidFill>
+                <a:latin typeface="Consolas" panose="020B0609020204030204" pitchFamily="49" charset="0"/>
+                <a:cs typeface="Consolas" panose="020B0609020204030204" pitchFamily="49" charset="0"/>
+              </a:rPr>
+              <a:t>fractions</a:t>
+            </a:r>
+            <a:r>
+              <a:rPr lang="en-US" b="1" dirty="0"/>
+              <a:t> (1/2 and 2/3), or even </a:t>
+            </a:r>
+            <a:r>
+              <a:rPr lang="en-US" b="1" i="1" dirty="0">
+                <a:solidFill>
+                  <a:srgbClr val="0070C0"/>
+                </a:solidFill>
+                <a:latin typeface="Consolas" panose="020B0609020204030204" pitchFamily="49" charset="0"/>
+                <a:cs typeface="Consolas" panose="020B0609020204030204" pitchFamily="49" charset="0"/>
+              </a:rPr>
+              <a:t>complex</a:t>
+            </a:r>
+            <a:r>
+              <a:rPr lang="en-US" b="1" dirty="0"/>
+              <a:t> </a:t>
+            </a:r>
+            <a:r>
+              <a:rPr lang="en-US" b="1" i="1" dirty="0">
+                <a:solidFill>
+                  <a:srgbClr val="0070C0"/>
+                </a:solidFill>
+                <a:latin typeface="Consolas" panose="020B0609020204030204" pitchFamily="49" charset="0"/>
+                <a:cs typeface="Consolas" panose="020B0609020204030204" pitchFamily="49" charset="0"/>
+              </a:rPr>
+              <a:t>numbers</a:t>
+            </a:r>
+            <a:r>
+              <a:rPr lang="en-US" b="1" dirty="0"/>
+              <a:t>.</a:t>
+            </a:r>
+          </a:p>
+          <a:p>
+            <a:pPr marL="342900" indent="-342900">
+              <a:buFont typeface="Arial" panose="020B0604020202020204" pitchFamily="34" charset="0"/>
+              <a:buChar char="•"/>
+            </a:pPr>
+            <a:endParaRPr lang="en-US" sz="2000" b="1" dirty="0" smtClean="0"/>
+          </a:p>
+          <a:p>
+            <a:pPr marL="342900" indent="-342900">
+              <a:buFont typeface="Arial" panose="020B0604020202020204" pitchFamily="34" charset="0"/>
+              <a:buChar char="•"/>
+            </a:pPr>
+            <a:r>
+              <a:rPr lang="en-US" sz="2000" b="1" dirty="0" smtClean="0"/>
+              <a:t>    </a:t>
+            </a:r>
+            <a:r>
+              <a:rPr lang="en-US" sz="2000" b="1" i="1" dirty="0">
+                <a:solidFill>
+                  <a:srgbClr val="0070C0"/>
+                </a:solidFill>
+                <a:latin typeface="Consolas" panose="020B0609020204030204" pitchFamily="49" charset="0"/>
+                <a:cs typeface="Consolas" panose="020B0609020204030204" pitchFamily="49" charset="0"/>
+              </a:rPr>
+              <a:t>Strings</a:t>
+            </a:r>
+            <a:r>
+              <a:rPr lang="en-US" sz="2000" b="1" dirty="0"/>
+              <a:t> are sequences of Unicode characters, e.g. an HTML document.</a:t>
+            </a:r>
+          </a:p>
+          <a:p>
+            <a:pPr marL="342900" indent="-342900">
+              <a:buFont typeface="Arial" panose="020B0604020202020204" pitchFamily="34" charset="0"/>
+              <a:buChar char="•"/>
+            </a:pPr>
+            <a:endParaRPr lang="en-US" sz="2000" b="1" dirty="0" smtClean="0"/>
+          </a:p>
+          <a:p>
+            <a:pPr marL="342900" indent="-342900">
+              <a:buFont typeface="Arial" panose="020B0604020202020204" pitchFamily="34" charset="0"/>
+              <a:buChar char="•"/>
+            </a:pPr>
+            <a:r>
+              <a:rPr lang="en-US" sz="2000" b="1" dirty="0" smtClean="0"/>
+              <a:t>    </a:t>
+            </a:r>
+            <a:r>
+              <a:rPr lang="en-US" sz="2000" b="1" i="1" dirty="0">
+                <a:solidFill>
+                  <a:srgbClr val="0070C0"/>
+                </a:solidFill>
+                <a:latin typeface="Consolas" panose="020B0609020204030204" pitchFamily="49" charset="0"/>
+                <a:cs typeface="Consolas" panose="020B0609020204030204" pitchFamily="49" charset="0"/>
+              </a:rPr>
+              <a:t>Bytes</a:t>
+            </a:r>
+            <a:r>
+              <a:rPr lang="en-US" sz="2000" b="1" dirty="0"/>
+              <a:t> and byte arrays, e.g. a JPEG image file.</a:t>
+            </a:r>
+          </a:p>
+          <a:p>
+            <a:pPr marL="342900" indent="-342900">
+              <a:buFont typeface="Arial" panose="020B0604020202020204" pitchFamily="34" charset="0"/>
+              <a:buChar char="•"/>
+            </a:pPr>
+            <a:endParaRPr lang="en-US" sz="2000" b="1" dirty="0" smtClean="0"/>
+          </a:p>
+          <a:p>
+            <a:pPr marL="342900" indent="-342900">
+              <a:buFont typeface="Arial" panose="020B0604020202020204" pitchFamily="34" charset="0"/>
+              <a:buChar char="•"/>
+            </a:pPr>
+            <a:r>
+              <a:rPr lang="en-US" sz="2000" b="1" dirty="0" smtClean="0"/>
+              <a:t>    </a:t>
+            </a:r>
+            <a:r>
+              <a:rPr lang="en-US" sz="2000" b="1" i="1" dirty="0">
+                <a:solidFill>
+                  <a:srgbClr val="0070C0"/>
+                </a:solidFill>
+                <a:latin typeface="Consolas" panose="020B0609020204030204" pitchFamily="49" charset="0"/>
+                <a:cs typeface="Consolas" panose="020B0609020204030204" pitchFamily="49" charset="0"/>
+              </a:rPr>
+              <a:t>Lists</a:t>
+            </a:r>
+            <a:r>
+              <a:rPr lang="en-US" sz="2000" b="1" dirty="0"/>
+              <a:t> are ordered sequences of values.</a:t>
+            </a:r>
+          </a:p>
+          <a:p>
+            <a:pPr marL="342900" indent="-342900">
+              <a:buFont typeface="Arial" panose="020B0604020202020204" pitchFamily="34" charset="0"/>
+              <a:buChar char="•"/>
+            </a:pPr>
+            <a:endParaRPr lang="en-US" sz="2000" b="1" dirty="0" smtClean="0"/>
+          </a:p>
+          <a:p>
+            <a:pPr marL="342900" indent="-342900">
+              <a:buFont typeface="Arial" panose="020B0604020202020204" pitchFamily="34" charset="0"/>
+              <a:buChar char="•"/>
+            </a:pPr>
+            <a:r>
+              <a:rPr lang="en-US" sz="2000" b="1" dirty="0" smtClean="0"/>
+              <a:t>    </a:t>
+            </a:r>
+            <a:r>
+              <a:rPr lang="en-US" sz="2000" b="1" i="1" dirty="0">
+                <a:solidFill>
+                  <a:srgbClr val="0070C0"/>
+                </a:solidFill>
+                <a:latin typeface="Consolas" panose="020B0609020204030204" pitchFamily="49" charset="0"/>
+                <a:cs typeface="Consolas" panose="020B0609020204030204" pitchFamily="49" charset="0"/>
+              </a:rPr>
+              <a:t>Tuples</a:t>
+            </a:r>
+            <a:r>
+              <a:rPr lang="en-US" sz="2000" b="1" dirty="0"/>
+              <a:t> are ordered, immutable sequences of values.</a:t>
+            </a:r>
+          </a:p>
+          <a:p>
+            <a:pPr marL="342900" indent="-342900">
+              <a:buFont typeface="Arial" panose="020B0604020202020204" pitchFamily="34" charset="0"/>
+              <a:buChar char="•"/>
+            </a:pPr>
+            <a:endParaRPr lang="en-US" sz="2000" b="1" dirty="0" smtClean="0"/>
+          </a:p>
+          <a:p>
+            <a:pPr marL="342900" indent="-342900">
+              <a:buFont typeface="Arial" panose="020B0604020202020204" pitchFamily="34" charset="0"/>
+              <a:buChar char="•"/>
+            </a:pPr>
+            <a:r>
+              <a:rPr lang="en-US" sz="2000" b="1" dirty="0" smtClean="0"/>
+              <a:t>    </a:t>
+            </a:r>
+            <a:r>
+              <a:rPr lang="en-US" sz="2000" b="1" i="1" dirty="0">
+                <a:solidFill>
+                  <a:srgbClr val="0070C0"/>
+                </a:solidFill>
+                <a:latin typeface="Consolas" panose="020B0609020204030204" pitchFamily="49" charset="0"/>
+                <a:cs typeface="Consolas" panose="020B0609020204030204" pitchFamily="49" charset="0"/>
+              </a:rPr>
+              <a:t>Sets</a:t>
+            </a:r>
+            <a:r>
+              <a:rPr lang="en-US" sz="2000" b="1" dirty="0"/>
+              <a:t> are unordered bags of values.</a:t>
+            </a:r>
+          </a:p>
+          <a:p>
+            <a:pPr marL="342900" indent="-342900">
+              <a:buFont typeface="Arial" panose="020B0604020202020204" pitchFamily="34" charset="0"/>
+              <a:buChar char="•"/>
+            </a:pPr>
+            <a:endParaRPr lang="en-US" sz="2000" b="1" dirty="0" smtClean="0"/>
+          </a:p>
+          <a:p>
+            <a:pPr marL="342900" indent="-342900">
+              <a:buFont typeface="Arial" panose="020B0604020202020204" pitchFamily="34" charset="0"/>
+              <a:buChar char="•"/>
+            </a:pPr>
+            <a:r>
+              <a:rPr lang="en-US" sz="2000" b="1" dirty="0" smtClean="0"/>
+              <a:t>    </a:t>
+            </a:r>
+            <a:r>
+              <a:rPr lang="en-US" sz="2000" b="1" i="1" dirty="0">
+                <a:solidFill>
+                  <a:srgbClr val="0070C0"/>
+                </a:solidFill>
+                <a:latin typeface="Consolas" panose="020B0609020204030204" pitchFamily="49" charset="0"/>
+                <a:cs typeface="Consolas" panose="020B0609020204030204" pitchFamily="49" charset="0"/>
+              </a:rPr>
+              <a:t>Dictionaries</a:t>
+            </a:r>
+            <a:r>
+              <a:rPr lang="en-US" sz="2000" b="1" dirty="0"/>
+              <a:t> are unordered bags of key-value pairs. </a:t>
+            </a:r>
+            <a:endParaRPr lang="en-US" sz="2000" b="1" dirty="0"/>
+          </a:p>
+        </p:txBody>
+      </p:sp>
+      <p:sp>
+        <p:nvSpPr>
+          <p:cNvPr id="5" name="AutoShape 2" descr="http://raspberry.piaustralia.com.au/product-images/piwithbox.jpg"/>
+          <p:cNvSpPr>
+            <a:spLocks noChangeAspect="1" noChangeArrowheads="1"/>
+          </p:cNvSpPr>
+          <p:nvPr/>
+        </p:nvSpPr>
+        <p:spPr bwMode="auto">
+          <a:xfrm>
+            <a:off x="63500" y="-136525"/>
+            <a:ext cx="9772650" cy="6343650"/>
+          </a:xfrm>
+          <a:prstGeom prst="rect">
+            <a:avLst/>
+          </a:prstGeom>
+          <a:noFill/>
+          <a:extLst>
+            <a:ext uri="{909E8E84-426E-40DD-AFC4-6F175D3DCCD1}">
+              <a14:hiddenFill xmlns:a14="http://schemas.microsoft.com/office/drawing/2010/main">
+                <a:solidFill>
+                  <a:srgbClr val="FFFFFF"/>
+                </a:solidFill>
+              </a14:hiddenFill>
+            </a:ext>
+          </a:extLst>
+        </p:spPr>
+        <p:txBody>
+          <a:bodyPr vert="horz" wrap="square" lIns="91440" tIns="45720" rIns="91440" bIns="45720" numCol="1" anchor="t" anchorCtr="0" compatLnSpc="1">
+            <a:prstTxWarp prst="textNoShape">
+              <a:avLst/>
+            </a:prstTxWarp>
+          </a:bodyPr>
+          <a:lstStyle/>
+          <a:p>
+            <a:endParaRPr lang="en-US"/>
+          </a:p>
+        </p:txBody>
+      </p:sp>
+    </p:spTree>
+    <p:extLst>
+      <p:ext uri="{BB962C8B-B14F-4D97-AF65-F5344CB8AC3E}">
+        <p14:creationId xmlns:p14="http://schemas.microsoft.com/office/powerpoint/2010/main" val="2897293756"/>
+      </p:ext>
+    </p:extLst>
+  </p:cSld>
+  <p:clrMapOvr>
+    <a:masterClrMapping/>
+  </p:clrMapOvr>
+</p:sld>
+</file>
+
+<file path=ppt/slides/slide69.xml><?xml version="1.0" encoding="utf-8"?>
+<p:sld xmlns:a="http://schemas.openxmlformats.org/drawingml/2006/main" xmlns:r="http://schemas.openxmlformats.org/officeDocument/2006/relationships" xmlns:p="http://schemas.openxmlformats.org/presentationml/2006/main">
+  <p:cSld>
+    <p:spTree>
+      <p:nvGrpSpPr>
+        <p:cNvPr id="1" name=""/>
+        <p:cNvGrpSpPr/>
+        <p:nvPr/>
+      </p:nvGrpSpPr>
+      <p:grpSpPr>
+        <a:xfrm>
+          <a:off x="0" y="0"/>
+          <a:ext cx="0" cy="0"/>
+          <a:chOff x="0" y="0"/>
+          <a:chExt cx="0" cy="0"/>
+        </a:xfrm>
+      </p:grpSpPr>
+      <p:sp>
+        <p:nvSpPr>
+          <p:cNvPr id="4" name="Title 1"/>
+          <p:cNvSpPr txBox="1">
+            <a:spLocks/>
+          </p:cNvSpPr>
+          <p:nvPr/>
+        </p:nvSpPr>
+        <p:spPr>
+          <a:xfrm>
+            <a:off x="0" y="1"/>
+            <a:ext cx="12192000" cy="721216"/>
+          </a:xfrm>
+          <a:prstGeom prst="rect">
+            <a:avLst/>
+          </a:prstGeom>
+        </p:spPr>
+        <p:style>
+          <a:lnRef idx="0">
+            <a:schemeClr val="accent1"/>
+          </a:lnRef>
+          <a:fillRef idx="3">
+            <a:schemeClr val="accent1"/>
+          </a:fillRef>
+          <a:effectRef idx="3">
+            <a:schemeClr val="accent1"/>
+          </a:effectRef>
+          <a:fontRef idx="minor">
+            <a:schemeClr val="lt1"/>
+          </a:fontRef>
+        </p:style>
+        <p:txBody>
+          <a:bodyPr vert="horz" lIns="91440" tIns="45720" rIns="91440" bIns="45720" rtlCol="0" anchor="ctr">
+            <a:normAutofit/>
+          </a:bodyPr>
+          <a:lstStyle>
+            <a:lvl1pPr algn="l" defTabSz="914400" rtl="0" eaLnBrk="1" latinLnBrk="0" hangingPunct="1">
+              <a:lnSpc>
+                <a:spcPct val="90000"/>
+              </a:lnSpc>
+              <a:spcBef>
+                <a:spcPct val="0"/>
+              </a:spcBef>
+              <a:buNone/>
+              <a:defRPr sz="4400" kern="1200">
+                <a:solidFill>
+                  <a:schemeClr val="lt1"/>
+                </a:solidFill>
+                <a:latin typeface="+mn-lt"/>
+                <a:ea typeface="+mn-ea"/>
+                <a:cs typeface="+mn-cs"/>
+              </a:defRPr>
+            </a:lvl1pPr>
+            <a:lvl2pPr>
+              <a:defRPr>
+                <a:solidFill>
+                  <a:schemeClr val="lt1"/>
+                </a:solidFill>
+                <a:latin typeface="+mn-lt"/>
+                <a:ea typeface="+mn-ea"/>
+                <a:cs typeface="+mn-cs"/>
+              </a:defRPr>
+            </a:lvl2pPr>
+            <a:lvl3pPr>
+              <a:defRPr>
+                <a:solidFill>
+                  <a:schemeClr val="lt1"/>
+                </a:solidFill>
+                <a:latin typeface="+mn-lt"/>
+                <a:ea typeface="+mn-ea"/>
+                <a:cs typeface="+mn-cs"/>
+              </a:defRPr>
+            </a:lvl3pPr>
+            <a:lvl4pPr>
+              <a:defRPr>
+                <a:solidFill>
+                  <a:schemeClr val="lt1"/>
+                </a:solidFill>
+                <a:latin typeface="+mn-lt"/>
+                <a:ea typeface="+mn-ea"/>
+                <a:cs typeface="+mn-cs"/>
+              </a:defRPr>
+            </a:lvl4pPr>
+            <a:lvl5pPr>
+              <a:defRPr>
+                <a:solidFill>
+                  <a:schemeClr val="lt1"/>
+                </a:solidFill>
+                <a:latin typeface="+mn-lt"/>
+                <a:ea typeface="+mn-ea"/>
+                <a:cs typeface="+mn-cs"/>
+              </a:defRPr>
+            </a:lvl5pPr>
+            <a:lvl6pPr>
+              <a:defRPr>
+                <a:solidFill>
+                  <a:schemeClr val="lt1"/>
+                </a:solidFill>
+                <a:latin typeface="+mn-lt"/>
+                <a:ea typeface="+mn-ea"/>
+                <a:cs typeface="+mn-cs"/>
+              </a:defRPr>
+            </a:lvl6pPr>
+            <a:lvl7pPr>
+              <a:defRPr>
+                <a:solidFill>
+                  <a:schemeClr val="lt1"/>
+                </a:solidFill>
+                <a:latin typeface="+mn-lt"/>
+                <a:ea typeface="+mn-ea"/>
+                <a:cs typeface="+mn-cs"/>
+              </a:defRPr>
+            </a:lvl7pPr>
+            <a:lvl8pPr>
+              <a:defRPr>
+                <a:solidFill>
+                  <a:schemeClr val="lt1"/>
+                </a:solidFill>
+                <a:latin typeface="+mn-lt"/>
+                <a:ea typeface="+mn-ea"/>
+                <a:cs typeface="+mn-cs"/>
+              </a:defRPr>
+            </a:lvl8pPr>
+            <a:lvl9pPr>
+              <a:defRPr>
+                <a:solidFill>
+                  <a:schemeClr val="lt1"/>
+                </a:solidFill>
+                <a:latin typeface="+mn-lt"/>
+                <a:ea typeface="+mn-ea"/>
+                <a:cs typeface="+mn-cs"/>
+              </a:defRPr>
+            </a:lvl9pPr>
+          </a:lstStyle>
+          <a:p>
+            <a:r>
+              <a:rPr lang="en-US" dirty="0"/>
+              <a:t> </a:t>
+            </a:r>
+            <a:r>
+              <a:rPr lang="en-US" b="1" dirty="0">
+                <a:effectLst>
+                  <a:outerShdw blurRad="38100" dist="38100" dir="2700000" algn="tl">
+                    <a:srgbClr val="000000">
+                      <a:alpha val="43137"/>
+                    </a:srgbClr>
+                  </a:outerShdw>
+                </a:effectLst>
+              </a:rPr>
+              <a:t>Python</a:t>
+            </a:r>
+            <a:r>
+              <a:rPr lang="en-US" dirty="0"/>
+              <a:t> </a:t>
+            </a:r>
+            <a:r>
+              <a:rPr lang="en-US" b="1" dirty="0">
+                <a:effectLst>
+                  <a:outerShdw blurRad="38100" dist="38100" dir="2700000" algn="tl">
+                    <a:srgbClr val="000000">
+                      <a:alpha val="43137"/>
+                    </a:srgbClr>
+                  </a:outerShdw>
+                </a:effectLst>
+              </a:rPr>
+              <a:t>DataType</a:t>
+            </a:r>
+            <a:endParaRPr lang="en-US" b="1" i="1" dirty="0">
+              <a:solidFill>
+                <a:srgbClr val="0070C0"/>
+              </a:solidFill>
+              <a:latin typeface="Consolas" panose="020B0609020204030204" pitchFamily="49" charset="0"/>
+              <a:cs typeface="Consolas" panose="020B0609020204030204" pitchFamily="49" charset="0"/>
+            </a:endParaRPr>
+          </a:p>
+        </p:txBody>
+      </p:sp>
+      <p:sp>
+        <p:nvSpPr>
+          <p:cNvPr id="2" name="TextBox 1"/>
+          <p:cNvSpPr txBox="1"/>
+          <p:nvPr/>
+        </p:nvSpPr>
+        <p:spPr>
+          <a:xfrm>
+            <a:off x="63501" y="857743"/>
+            <a:ext cx="12128500" cy="1323439"/>
+          </a:xfrm>
+          <a:prstGeom prst="rect">
+            <a:avLst/>
+          </a:prstGeom>
+          <a:noFill/>
+        </p:spPr>
+        <p:txBody>
+          <a:bodyPr wrap="square" rtlCol="0">
+            <a:spAutoFit/>
+          </a:bodyPr>
+          <a:lstStyle/>
+          <a:p>
+            <a:pPr marL="342900" indent="-342900">
+              <a:buFont typeface="Arial" panose="020B0604020202020204" pitchFamily="34" charset="0"/>
+              <a:buChar char="•"/>
+            </a:pPr>
+            <a:r>
+              <a:rPr lang="en-US" sz="2000" dirty="0"/>
+              <a:t>Of course, </a:t>
+            </a:r>
+            <a:r>
+              <a:rPr lang="en-US" sz="2000" b="1" dirty="0"/>
+              <a:t>there are more types than these</a:t>
+            </a:r>
+            <a:r>
+              <a:rPr lang="en-US" sz="2000" dirty="0"/>
+              <a:t>. </a:t>
+            </a:r>
+            <a:endParaRPr lang="en-US" sz="2000" dirty="0" smtClean="0"/>
+          </a:p>
+          <a:p>
+            <a:pPr marL="342900" indent="-342900">
+              <a:buFont typeface="Arial" panose="020B0604020202020204" pitchFamily="34" charset="0"/>
+              <a:buChar char="•"/>
+            </a:pPr>
+            <a:endParaRPr lang="en-US" sz="2000" dirty="0"/>
+          </a:p>
+          <a:p>
+            <a:pPr marL="342900" indent="-342900">
+              <a:buFont typeface="Arial" panose="020B0604020202020204" pitchFamily="34" charset="0"/>
+              <a:buChar char="•"/>
+            </a:pPr>
+            <a:r>
+              <a:rPr lang="en-US" sz="2000" dirty="0" smtClean="0"/>
+              <a:t>Everything </a:t>
+            </a:r>
+            <a:r>
+              <a:rPr lang="en-US" sz="2000" dirty="0"/>
+              <a:t>is an object in Python, so there are types like </a:t>
+            </a:r>
+            <a:r>
+              <a:rPr lang="en-US" sz="2000" b="1" dirty="0">
+                <a:solidFill>
+                  <a:srgbClr val="FF0000"/>
+                </a:solidFill>
+              </a:rPr>
+              <a:t>module</a:t>
+            </a:r>
+            <a:r>
+              <a:rPr lang="en-US" sz="2000" dirty="0"/>
+              <a:t>, </a:t>
+            </a:r>
+            <a:r>
+              <a:rPr lang="en-US" sz="2000" b="1" dirty="0">
+                <a:solidFill>
+                  <a:srgbClr val="FF0000"/>
+                </a:solidFill>
+              </a:rPr>
+              <a:t>function</a:t>
+            </a:r>
+            <a:r>
+              <a:rPr lang="en-US" sz="2000" dirty="0"/>
+              <a:t>, </a:t>
+            </a:r>
+            <a:r>
+              <a:rPr lang="en-US" sz="2000" b="1" dirty="0">
+                <a:solidFill>
+                  <a:srgbClr val="FF0000"/>
+                </a:solidFill>
+              </a:rPr>
+              <a:t>class</a:t>
+            </a:r>
+            <a:r>
+              <a:rPr lang="en-US" sz="2000" dirty="0"/>
+              <a:t>, </a:t>
+            </a:r>
+            <a:r>
+              <a:rPr lang="en-US" sz="2000" b="1" dirty="0">
+                <a:solidFill>
+                  <a:srgbClr val="FF0000"/>
+                </a:solidFill>
+              </a:rPr>
+              <a:t>method</a:t>
+            </a:r>
+            <a:r>
+              <a:rPr lang="en-US" sz="2000" dirty="0"/>
+              <a:t>, </a:t>
+            </a:r>
+            <a:r>
+              <a:rPr lang="en-US" sz="2000" b="1" dirty="0">
+                <a:solidFill>
+                  <a:srgbClr val="FF0000"/>
+                </a:solidFill>
+              </a:rPr>
+              <a:t>file</a:t>
+            </a:r>
+            <a:r>
+              <a:rPr lang="en-US" sz="2000" dirty="0"/>
+              <a:t>, and even </a:t>
+            </a:r>
+            <a:r>
+              <a:rPr lang="en-US" sz="2000" b="1" dirty="0">
+                <a:solidFill>
+                  <a:srgbClr val="FF0000"/>
+                </a:solidFill>
+              </a:rPr>
+              <a:t>compiled</a:t>
+            </a:r>
+            <a:r>
+              <a:rPr lang="en-US" sz="2000" dirty="0"/>
+              <a:t> </a:t>
+            </a:r>
+            <a:r>
+              <a:rPr lang="en-US" sz="2000" b="1" dirty="0">
+                <a:solidFill>
+                  <a:srgbClr val="FF0000"/>
+                </a:solidFill>
+              </a:rPr>
+              <a:t>code</a:t>
+            </a:r>
+            <a:r>
+              <a:rPr lang="en-US" sz="2000" dirty="0"/>
+              <a:t>. You’ve already seen some of these: </a:t>
+            </a:r>
+            <a:r>
+              <a:rPr lang="en-US" sz="2000" b="1" dirty="0"/>
+              <a:t>modules have names</a:t>
+            </a:r>
+            <a:r>
+              <a:rPr lang="en-US" sz="2000" dirty="0"/>
+              <a:t>, </a:t>
+            </a:r>
+            <a:r>
+              <a:rPr lang="en-US" sz="2000" b="1" dirty="0"/>
+              <a:t>functions have docstrings</a:t>
+            </a:r>
+            <a:r>
+              <a:rPr lang="en-US" sz="2000" dirty="0"/>
+              <a:t>,</a:t>
+            </a:r>
+            <a:endParaRPr lang="en-US" sz="2000" dirty="0"/>
+          </a:p>
+        </p:txBody>
+      </p:sp>
+      <p:sp>
+        <p:nvSpPr>
+          <p:cNvPr id="5" name="AutoShape 2" descr="http://raspberry.piaustralia.com.au/product-images/piwithbox.jpg"/>
+          <p:cNvSpPr>
+            <a:spLocks noChangeAspect="1" noChangeArrowheads="1"/>
+          </p:cNvSpPr>
+          <p:nvPr/>
+        </p:nvSpPr>
+        <p:spPr bwMode="auto">
+          <a:xfrm>
+            <a:off x="63500" y="-136525"/>
+            <a:ext cx="9772650" cy="6343650"/>
+          </a:xfrm>
+          <a:prstGeom prst="rect">
+            <a:avLst/>
+          </a:prstGeom>
+          <a:noFill/>
+          <a:extLst>
+            <a:ext uri="{909E8E84-426E-40DD-AFC4-6F175D3DCCD1}">
+              <a14:hiddenFill xmlns:a14="http://schemas.microsoft.com/office/drawing/2010/main">
+                <a:solidFill>
+                  <a:srgbClr val="FFFFFF"/>
+                </a:solidFill>
+              </a14:hiddenFill>
+            </a:ext>
+          </a:extLst>
+        </p:spPr>
+        <p:txBody>
+          <a:bodyPr vert="horz" wrap="square" lIns="91440" tIns="45720" rIns="91440" bIns="45720" numCol="1" anchor="t" anchorCtr="0" compatLnSpc="1">
+            <a:prstTxWarp prst="textNoShape">
+              <a:avLst/>
+            </a:prstTxWarp>
+          </a:bodyPr>
+          <a:lstStyle/>
+          <a:p>
+            <a:endParaRPr lang="en-US"/>
+          </a:p>
+        </p:txBody>
+      </p:sp>
+    </p:spTree>
+    <p:extLst>
+      <p:ext uri="{BB962C8B-B14F-4D97-AF65-F5344CB8AC3E}">
+        <p14:creationId xmlns:p14="http://schemas.microsoft.com/office/powerpoint/2010/main" val="2747160250"/>
+      </p:ext>
+    </p:extLst>
+  </p:cSld>
+  <p:clrMapOvr>
+    <a:masterClrMapping/>
+  </p:clrMapOvr>
+</p:sld>
+</file>
+
+<file path=ppt/slides/slide7.xml><?xml version="1.0" encoding="utf-8"?>
+<p:sld xmlns:a="http://schemas.openxmlformats.org/drawingml/2006/main" xmlns:r="http://schemas.openxmlformats.org/officeDocument/2006/relationships" xmlns:p="http://schemas.openxmlformats.org/presentationml/2006/main">
+  <p:cSld>
+    <p:spTree>
+      <p:nvGrpSpPr>
+        <p:cNvPr id="1" name=""/>
+        <p:cNvGrpSpPr/>
+        <p:nvPr/>
+      </p:nvGrpSpPr>
+      <p:grpSpPr>
+        <a:xfrm>
+          <a:off x="0" y="0"/>
+          <a:ext cx="0" cy="0"/>
+          <a:chOff x="0" y="0"/>
+          <a:chExt cx="0" cy="0"/>
+        </a:xfrm>
+      </p:grpSpPr>
+      <p:sp>
+        <p:nvSpPr>
+          <p:cNvPr id="4" name="Title 1"/>
+          <p:cNvSpPr txBox="1">
+            <a:spLocks/>
+          </p:cNvSpPr>
+          <p:nvPr/>
+        </p:nvSpPr>
+        <p:spPr>
+          <a:xfrm>
+            <a:off x="0" y="1"/>
+            <a:ext cx="12192000" cy="721216"/>
+          </a:xfrm>
+          <a:prstGeom prst="rect">
+            <a:avLst/>
+          </a:prstGeom>
+        </p:spPr>
+        <p:style>
+          <a:lnRef idx="0">
+            <a:schemeClr val="accent1"/>
+          </a:lnRef>
+          <a:fillRef idx="3">
+            <a:schemeClr val="accent1"/>
+          </a:fillRef>
+          <a:effectRef idx="3">
+            <a:schemeClr val="accent1"/>
+          </a:effectRef>
+          <a:fontRef idx="minor">
+            <a:schemeClr val="lt1"/>
+          </a:fontRef>
+        </p:style>
+        <p:txBody>
+          <a:bodyPr vert="horz" lIns="91440" tIns="45720" rIns="91440" bIns="45720" rtlCol="0" anchor="ctr">
+            <a:normAutofit/>
+          </a:bodyPr>
+          <a:lstStyle>
+            <a:lvl1pPr algn="l" defTabSz="914400" rtl="0" eaLnBrk="1" latinLnBrk="0" hangingPunct="1">
+              <a:lnSpc>
+                <a:spcPct val="90000"/>
+              </a:lnSpc>
+              <a:spcBef>
+                <a:spcPct val="0"/>
+              </a:spcBef>
+              <a:buNone/>
+              <a:defRPr sz="4400" kern="1200">
+                <a:solidFill>
+                  <a:schemeClr val="lt1"/>
+                </a:solidFill>
+                <a:latin typeface="+mn-lt"/>
+                <a:ea typeface="+mn-ea"/>
+                <a:cs typeface="+mn-cs"/>
+              </a:defRPr>
+            </a:lvl1pPr>
+            <a:lvl2pPr>
+              <a:defRPr>
+                <a:solidFill>
+                  <a:schemeClr val="lt1"/>
+                </a:solidFill>
+                <a:latin typeface="+mn-lt"/>
+                <a:ea typeface="+mn-ea"/>
+                <a:cs typeface="+mn-cs"/>
+              </a:defRPr>
+            </a:lvl2pPr>
+            <a:lvl3pPr>
+              <a:defRPr>
+                <a:solidFill>
+                  <a:schemeClr val="lt1"/>
+                </a:solidFill>
+                <a:latin typeface="+mn-lt"/>
+                <a:ea typeface="+mn-ea"/>
+                <a:cs typeface="+mn-cs"/>
+              </a:defRPr>
+            </a:lvl3pPr>
+            <a:lvl4pPr>
+              <a:defRPr>
+                <a:solidFill>
+                  <a:schemeClr val="lt1"/>
+                </a:solidFill>
+                <a:latin typeface="+mn-lt"/>
+                <a:ea typeface="+mn-ea"/>
+                <a:cs typeface="+mn-cs"/>
+              </a:defRPr>
+            </a:lvl4pPr>
+            <a:lvl5pPr>
+              <a:defRPr>
+                <a:solidFill>
+                  <a:schemeClr val="lt1"/>
+                </a:solidFill>
+                <a:latin typeface="+mn-lt"/>
+                <a:ea typeface="+mn-ea"/>
+                <a:cs typeface="+mn-cs"/>
+              </a:defRPr>
+            </a:lvl5pPr>
+            <a:lvl6pPr>
+              <a:defRPr>
+                <a:solidFill>
+                  <a:schemeClr val="lt1"/>
+                </a:solidFill>
+                <a:latin typeface="+mn-lt"/>
+                <a:ea typeface="+mn-ea"/>
+                <a:cs typeface="+mn-cs"/>
+              </a:defRPr>
+            </a:lvl6pPr>
+            <a:lvl7pPr>
+              <a:defRPr>
+                <a:solidFill>
+                  <a:schemeClr val="lt1"/>
+                </a:solidFill>
+                <a:latin typeface="+mn-lt"/>
+                <a:ea typeface="+mn-ea"/>
+                <a:cs typeface="+mn-cs"/>
+              </a:defRPr>
+            </a:lvl7pPr>
+            <a:lvl8pPr>
+              <a:defRPr>
+                <a:solidFill>
+                  <a:schemeClr val="lt1"/>
+                </a:solidFill>
+                <a:latin typeface="+mn-lt"/>
+                <a:ea typeface="+mn-ea"/>
+                <a:cs typeface="+mn-cs"/>
+              </a:defRPr>
+            </a:lvl8pPr>
+            <a:lvl9pPr>
+              <a:defRPr>
+                <a:solidFill>
+                  <a:schemeClr val="lt1"/>
+                </a:solidFill>
+                <a:latin typeface="+mn-lt"/>
+                <a:ea typeface="+mn-ea"/>
+                <a:cs typeface="+mn-cs"/>
+              </a:defRPr>
+            </a:lvl9pPr>
+          </a:lstStyle>
+          <a:p>
+            <a:r>
+              <a:rPr lang="en-US" dirty="0"/>
+              <a:t> </a:t>
+            </a:r>
+            <a:r>
+              <a:rPr lang="en-US" b="1" dirty="0">
+                <a:effectLst>
+                  <a:outerShdw blurRad="38100" dist="38100" dir="2700000" algn="tl">
+                    <a:srgbClr val="000000">
+                      <a:alpha val="43137"/>
+                    </a:srgbClr>
+                  </a:outerShdw>
+                </a:effectLst>
+              </a:rPr>
+              <a:t>Variables</a:t>
+            </a:r>
+            <a:r>
+              <a:rPr lang="en-US" dirty="0"/>
+              <a:t> </a:t>
+            </a:r>
+            <a:endParaRPr lang="en-US" b="1" i="1" dirty="0">
+              <a:solidFill>
+                <a:srgbClr val="0070C0"/>
+              </a:solidFill>
+              <a:latin typeface="Consolas" panose="020B0609020204030204" pitchFamily="49" charset="0"/>
+              <a:cs typeface="Consolas" panose="020B0609020204030204" pitchFamily="49" charset="0"/>
+            </a:endParaRPr>
+          </a:p>
+        </p:txBody>
+      </p:sp>
+      <p:sp>
+        <p:nvSpPr>
+          <p:cNvPr id="2" name="TextBox 1"/>
+          <p:cNvSpPr txBox="1"/>
+          <p:nvPr/>
+        </p:nvSpPr>
+        <p:spPr>
+          <a:xfrm>
+            <a:off x="417443" y="857743"/>
+            <a:ext cx="11357113" cy="5786199"/>
+          </a:xfrm>
+          <a:prstGeom prst="rect">
+            <a:avLst/>
+          </a:prstGeom>
+          <a:noFill/>
+        </p:spPr>
+        <p:txBody>
+          <a:bodyPr wrap="square" rtlCol="0">
+            <a:spAutoFit/>
+          </a:bodyPr>
+          <a:lstStyle/>
+          <a:p>
+            <a:pPr marL="342900" indent="-342900">
+              <a:buFont typeface="Arial" panose="020B0604020202020204" pitchFamily="34" charset="0"/>
+              <a:buChar char="•"/>
+            </a:pPr>
+            <a:r>
+              <a:rPr lang="en-US" sz="2000" dirty="0"/>
+              <a:t>Assign a value to a name using =. </a:t>
+            </a:r>
+          </a:p>
+          <a:p>
+            <a:pPr marL="342900" indent="-342900">
+              <a:buFont typeface="Arial" panose="020B0604020202020204" pitchFamily="34" charset="0"/>
+              <a:buChar char="•"/>
+            </a:pPr>
+            <a:endParaRPr lang="en-US" sz="2000" b="1" i="1" dirty="0">
+              <a:solidFill>
+                <a:srgbClr val="0070C0"/>
+              </a:solidFill>
+              <a:latin typeface="Consolas" panose="020B0609020204030204" pitchFamily="49" charset="0"/>
+              <a:cs typeface="Consolas" panose="020B0609020204030204" pitchFamily="49" charset="0"/>
+            </a:endParaRPr>
+          </a:p>
+          <a:p>
+            <a:pPr marL="342900" indent="-342900">
+              <a:buFont typeface="Arial" panose="020B0604020202020204" pitchFamily="34" charset="0"/>
+              <a:buChar char="•"/>
+            </a:pPr>
+            <a:r>
+              <a:rPr lang="en-US" sz="2000" dirty="0"/>
+              <a:t>In Python, you don’t have to declare the type of a variable, you can just assign it a value as shown in the following examples:</a:t>
+            </a:r>
+          </a:p>
+          <a:p>
+            <a:pPr marL="342900" indent="-342900">
+              <a:buFont typeface="Arial" panose="020B0604020202020204" pitchFamily="34" charset="0"/>
+              <a:buChar char="•"/>
+            </a:pPr>
+            <a:endParaRPr lang="en-US" sz="2000" b="1" i="1" dirty="0">
+              <a:solidFill>
+                <a:srgbClr val="0070C0"/>
+              </a:solidFill>
+              <a:latin typeface="Consolas" panose="020B0609020204030204" pitchFamily="49" charset="0"/>
+              <a:cs typeface="Consolas" panose="020B0609020204030204" pitchFamily="49" charset="0"/>
+            </a:endParaRPr>
+          </a:p>
+          <a:p>
+            <a:pPr marL="342900" indent="-342900">
+              <a:buFont typeface="Arial" panose="020B0604020202020204" pitchFamily="34" charset="0"/>
+              <a:buChar char="•"/>
+            </a:pPr>
+            <a:r>
+              <a:rPr lang="en-US" sz="2000" b="1" dirty="0">
+                <a:solidFill>
+                  <a:srgbClr val="FF0000"/>
+                </a:solidFill>
+              </a:rPr>
+              <a:t>Example:</a:t>
+            </a:r>
+          </a:p>
+          <a:p>
+            <a:pPr marL="342900" indent="-342900">
+              <a:buFont typeface="Arial" panose="020B0604020202020204" pitchFamily="34" charset="0"/>
+              <a:buChar char="•"/>
+            </a:pPr>
+            <a:endParaRPr lang="en-US" sz="2000" b="1" i="1" dirty="0">
+              <a:solidFill>
+                <a:srgbClr val="0070C0"/>
+              </a:solidFill>
+              <a:latin typeface="Consolas" panose="020B0609020204030204" pitchFamily="49" charset="0"/>
+              <a:cs typeface="Consolas" panose="020B0609020204030204" pitchFamily="49" charset="0"/>
+            </a:endParaRPr>
+          </a:p>
+          <a:p>
+            <a:pPr marL="342900" indent="-342900">
+              <a:lnSpc>
+                <a:spcPct val="150000"/>
+              </a:lnSpc>
+              <a:buFont typeface="Arial" panose="020B0604020202020204" pitchFamily="34" charset="0"/>
+              <a:buChar char="•"/>
+            </a:pPr>
+            <a:r>
+              <a:rPr lang="en-US" sz="2000" b="1" i="1" dirty="0">
+                <a:solidFill>
+                  <a:srgbClr val="0070C0"/>
+                </a:solidFill>
+                <a:latin typeface="Consolas" panose="020B0609020204030204" pitchFamily="49" charset="0"/>
+                <a:cs typeface="Consolas" panose="020B0609020204030204" pitchFamily="49" charset="0"/>
+              </a:rPr>
+              <a:t>a = 123 </a:t>
+            </a:r>
+          </a:p>
+          <a:p>
+            <a:pPr marL="342900" indent="-342900">
+              <a:lnSpc>
+                <a:spcPct val="150000"/>
+              </a:lnSpc>
+              <a:buFont typeface="Arial" panose="020B0604020202020204" pitchFamily="34" charset="0"/>
+              <a:buChar char="•"/>
+            </a:pPr>
+            <a:r>
+              <a:rPr lang="en-US" sz="2000" b="1" i="1" dirty="0">
+                <a:solidFill>
+                  <a:srgbClr val="0070C0"/>
+                </a:solidFill>
+                <a:latin typeface="Consolas" panose="020B0609020204030204" pitchFamily="49" charset="0"/>
+                <a:cs typeface="Consolas" panose="020B0609020204030204" pitchFamily="49" charset="0"/>
+              </a:rPr>
+              <a:t>b = 12.34 </a:t>
+            </a:r>
+          </a:p>
+          <a:p>
+            <a:pPr marL="342900" indent="-342900">
+              <a:lnSpc>
+                <a:spcPct val="150000"/>
+              </a:lnSpc>
+              <a:buFont typeface="Arial" panose="020B0604020202020204" pitchFamily="34" charset="0"/>
+              <a:buChar char="•"/>
+            </a:pPr>
+            <a:r>
+              <a:rPr lang="en-US" sz="2000" b="1" i="1" dirty="0">
+                <a:solidFill>
+                  <a:srgbClr val="0070C0"/>
+                </a:solidFill>
+                <a:latin typeface="Consolas" panose="020B0609020204030204" pitchFamily="49" charset="0"/>
+                <a:cs typeface="Consolas" panose="020B0609020204030204" pitchFamily="49" charset="0"/>
+              </a:rPr>
+              <a:t>c = "Hello" </a:t>
+            </a:r>
+          </a:p>
+          <a:p>
+            <a:pPr marL="342900" indent="-342900">
+              <a:lnSpc>
+                <a:spcPct val="150000"/>
+              </a:lnSpc>
+              <a:buFont typeface="Arial" panose="020B0604020202020204" pitchFamily="34" charset="0"/>
+              <a:buChar char="•"/>
+            </a:pPr>
+            <a:r>
+              <a:rPr lang="en-US" sz="2000" b="1" i="1" dirty="0">
+                <a:solidFill>
+                  <a:srgbClr val="0070C0"/>
+                </a:solidFill>
+                <a:latin typeface="Consolas" panose="020B0609020204030204" pitchFamily="49" charset="0"/>
+                <a:cs typeface="Consolas" panose="020B0609020204030204" pitchFamily="49" charset="0"/>
+              </a:rPr>
+              <a:t>d = 'Hello' </a:t>
+            </a:r>
+          </a:p>
+          <a:p>
+            <a:pPr marL="342900" indent="-342900">
+              <a:lnSpc>
+                <a:spcPct val="150000"/>
+              </a:lnSpc>
+              <a:buFont typeface="Arial" panose="020B0604020202020204" pitchFamily="34" charset="0"/>
+              <a:buChar char="•"/>
+            </a:pPr>
+            <a:r>
+              <a:rPr lang="en-US" sz="2000" b="1" i="1" dirty="0">
+                <a:solidFill>
+                  <a:srgbClr val="0070C0"/>
+                </a:solidFill>
+                <a:latin typeface="Consolas" panose="020B0609020204030204" pitchFamily="49" charset="0"/>
+                <a:cs typeface="Consolas" panose="020B0609020204030204" pitchFamily="49" charset="0"/>
+              </a:rPr>
+              <a:t>e = True</a:t>
+            </a:r>
+          </a:p>
+          <a:p>
+            <a:pPr marL="342900" indent="-342900">
+              <a:buFont typeface="Arial" panose="020B0604020202020204" pitchFamily="34" charset="0"/>
+              <a:buChar char="•"/>
+            </a:pPr>
+            <a:endParaRPr lang="en-US" sz="2000" b="1" i="1" dirty="0">
+              <a:solidFill>
+                <a:srgbClr val="0070C0"/>
+              </a:solidFill>
+              <a:latin typeface="Consolas" panose="020B0609020204030204" pitchFamily="49" charset="0"/>
+              <a:cs typeface="Consolas" panose="020B0609020204030204" pitchFamily="49" charset="0"/>
+            </a:endParaRPr>
+          </a:p>
+          <a:p>
+            <a:pPr marL="342900" indent="-342900">
+              <a:buFont typeface="Arial" panose="020B0604020202020204" pitchFamily="34" charset="0"/>
+              <a:buChar char="•"/>
+            </a:pPr>
+            <a:r>
+              <a:rPr lang="en-US" sz="2000" b="1" dirty="0">
+                <a:solidFill>
+                  <a:srgbClr val="FF0000"/>
+                </a:solidFill>
+              </a:rPr>
+              <a:t>You can define character string constants using either single or double quotes</a:t>
+            </a:r>
+            <a:r>
+              <a:rPr lang="en-US" sz="2000" dirty="0"/>
+              <a:t>. The logical constants in Python are </a:t>
+            </a:r>
+            <a:r>
+              <a:rPr lang="en-US" sz="2000" b="1" dirty="0"/>
+              <a:t>True</a:t>
+            </a:r>
+            <a:r>
+              <a:rPr lang="en-US" sz="2000" dirty="0"/>
+              <a:t> and </a:t>
+            </a:r>
+            <a:r>
+              <a:rPr lang="en-US" sz="2000" b="1" dirty="0"/>
+              <a:t>False</a:t>
+            </a:r>
+            <a:r>
+              <a:rPr lang="en-US" sz="2000" dirty="0"/>
+              <a:t> and are </a:t>
+            </a:r>
+            <a:r>
+              <a:rPr lang="en-US" sz="2000" b="1" dirty="0">
+                <a:solidFill>
+                  <a:srgbClr val="FF0000"/>
+                </a:solidFill>
+              </a:rPr>
+              <a:t>case-sensitive</a:t>
+            </a:r>
+            <a:r>
+              <a:rPr lang="en-US" sz="2000" dirty="0"/>
+              <a:t>. </a:t>
+            </a:r>
+          </a:p>
+          <a:p>
+            <a:pPr marL="342900" indent="-342900">
+              <a:buFont typeface="Arial" panose="020B0604020202020204" pitchFamily="34" charset="0"/>
+              <a:buChar char="•"/>
+            </a:pPr>
+            <a:endParaRPr lang="en-US" sz="2000" dirty="0"/>
+          </a:p>
+        </p:txBody>
+      </p:sp>
+      <p:sp>
+        <p:nvSpPr>
+          <p:cNvPr id="5" name="AutoShape 2" descr="http://raspberry.piaustralia.com.au/product-images/piwithbox.jpg"/>
+          <p:cNvSpPr>
+            <a:spLocks noChangeAspect="1" noChangeArrowheads="1"/>
+          </p:cNvSpPr>
+          <p:nvPr/>
+        </p:nvSpPr>
+        <p:spPr bwMode="auto">
+          <a:xfrm>
+            <a:off x="63500" y="-136525"/>
+            <a:ext cx="9772650" cy="6343650"/>
+          </a:xfrm>
+          <a:prstGeom prst="rect">
+            <a:avLst/>
+          </a:prstGeom>
+          <a:noFill/>
+          <a:extLst>
+            <a:ext uri="{909E8E84-426E-40DD-AFC4-6F175D3DCCD1}">
+              <a14:hiddenFill xmlns:a14="http://schemas.microsoft.com/office/drawing/2010/main">
+                <a:solidFill>
+                  <a:srgbClr val="FFFFFF"/>
+                </a:solidFill>
+              </a14:hiddenFill>
+            </a:ext>
+          </a:extLst>
+        </p:spPr>
+        <p:txBody>
+          <a:bodyPr vert="horz" wrap="square" lIns="91440" tIns="45720" rIns="91440" bIns="45720" numCol="1" anchor="t" anchorCtr="0" compatLnSpc="1">
+            <a:prstTxWarp prst="textNoShape">
+              <a:avLst/>
+            </a:prstTxWarp>
+          </a:bodyPr>
+          <a:lstStyle/>
+          <a:p>
+            <a:endParaRPr lang="en-US"/>
+          </a:p>
+        </p:txBody>
+      </p:sp>
+    </p:spTree>
+    <p:extLst>
+      <p:ext uri="{BB962C8B-B14F-4D97-AF65-F5344CB8AC3E}">
+        <p14:creationId xmlns:p14="http://schemas.microsoft.com/office/powerpoint/2010/main" val="3462871136"/>
+      </p:ext>
+    </p:extLst>
+  </p:cSld>
+  <p:clrMapOvr>
+    <a:masterClrMapping/>
+  </p:clrMapOvr>
+</p:sld>
+</file>
+
+<file path=ppt/slides/slide70.xml><?xml version="1.0" encoding="utf-8"?>
+<p:sld xmlns:a="http://schemas.openxmlformats.org/drawingml/2006/main" xmlns:r="http://schemas.openxmlformats.org/officeDocument/2006/relationships" xmlns:p="http://schemas.openxmlformats.org/presentationml/2006/main">
+  <p:cSld>
+    <p:spTree>
+      <p:nvGrpSpPr>
+        <p:cNvPr id="1" name=""/>
+        <p:cNvGrpSpPr/>
+        <p:nvPr/>
+      </p:nvGrpSpPr>
+      <p:grpSpPr>
+        <a:xfrm>
+          <a:off x="0" y="0"/>
+          <a:ext cx="0" cy="0"/>
+          <a:chOff x="0" y="0"/>
+          <a:chExt cx="0" cy="0"/>
+        </a:xfrm>
+      </p:grpSpPr>
+      <p:sp>
+        <p:nvSpPr>
+          <p:cNvPr id="4" name="Title 1"/>
+          <p:cNvSpPr txBox="1">
+            <a:spLocks/>
+          </p:cNvSpPr>
+          <p:nvPr/>
+        </p:nvSpPr>
+        <p:spPr>
+          <a:xfrm>
+            <a:off x="0" y="1"/>
+            <a:ext cx="12192000" cy="721216"/>
+          </a:xfrm>
+          <a:prstGeom prst="rect">
+            <a:avLst/>
+          </a:prstGeom>
+        </p:spPr>
+        <p:style>
+          <a:lnRef idx="0">
+            <a:schemeClr val="accent1"/>
+          </a:lnRef>
+          <a:fillRef idx="3">
+            <a:schemeClr val="accent1"/>
+          </a:fillRef>
+          <a:effectRef idx="3">
+            <a:schemeClr val="accent1"/>
+          </a:effectRef>
+          <a:fontRef idx="minor">
+            <a:schemeClr val="lt1"/>
+          </a:fontRef>
+        </p:style>
+        <p:txBody>
+          <a:bodyPr vert="horz" lIns="91440" tIns="45720" rIns="91440" bIns="45720" rtlCol="0" anchor="ctr">
+            <a:normAutofit/>
+          </a:bodyPr>
+          <a:lstStyle>
+            <a:lvl1pPr algn="l" defTabSz="914400" rtl="0" eaLnBrk="1" latinLnBrk="0" hangingPunct="1">
+              <a:lnSpc>
+                <a:spcPct val="90000"/>
+              </a:lnSpc>
+              <a:spcBef>
+                <a:spcPct val="0"/>
+              </a:spcBef>
+              <a:buNone/>
+              <a:defRPr sz="4400" kern="1200">
+                <a:solidFill>
+                  <a:schemeClr val="lt1"/>
+                </a:solidFill>
+                <a:latin typeface="+mn-lt"/>
+                <a:ea typeface="+mn-ea"/>
+                <a:cs typeface="+mn-cs"/>
+              </a:defRPr>
+            </a:lvl1pPr>
+            <a:lvl2pPr>
+              <a:defRPr>
+                <a:solidFill>
+                  <a:schemeClr val="lt1"/>
+                </a:solidFill>
+                <a:latin typeface="+mn-lt"/>
+                <a:ea typeface="+mn-ea"/>
+                <a:cs typeface="+mn-cs"/>
+              </a:defRPr>
+            </a:lvl2pPr>
+            <a:lvl3pPr>
+              <a:defRPr>
+                <a:solidFill>
+                  <a:schemeClr val="lt1"/>
+                </a:solidFill>
+                <a:latin typeface="+mn-lt"/>
+                <a:ea typeface="+mn-ea"/>
+                <a:cs typeface="+mn-cs"/>
+              </a:defRPr>
+            </a:lvl3pPr>
+            <a:lvl4pPr>
+              <a:defRPr>
+                <a:solidFill>
+                  <a:schemeClr val="lt1"/>
+                </a:solidFill>
+                <a:latin typeface="+mn-lt"/>
+                <a:ea typeface="+mn-ea"/>
+                <a:cs typeface="+mn-cs"/>
+              </a:defRPr>
+            </a:lvl4pPr>
+            <a:lvl5pPr>
+              <a:defRPr>
+                <a:solidFill>
+                  <a:schemeClr val="lt1"/>
+                </a:solidFill>
+                <a:latin typeface="+mn-lt"/>
+                <a:ea typeface="+mn-ea"/>
+                <a:cs typeface="+mn-cs"/>
+              </a:defRPr>
+            </a:lvl5pPr>
+            <a:lvl6pPr>
+              <a:defRPr>
+                <a:solidFill>
+                  <a:schemeClr val="lt1"/>
+                </a:solidFill>
+                <a:latin typeface="+mn-lt"/>
+                <a:ea typeface="+mn-ea"/>
+                <a:cs typeface="+mn-cs"/>
+              </a:defRPr>
+            </a:lvl6pPr>
+            <a:lvl7pPr>
+              <a:defRPr>
+                <a:solidFill>
+                  <a:schemeClr val="lt1"/>
+                </a:solidFill>
+                <a:latin typeface="+mn-lt"/>
+                <a:ea typeface="+mn-ea"/>
+                <a:cs typeface="+mn-cs"/>
+              </a:defRPr>
+            </a:lvl7pPr>
+            <a:lvl8pPr>
+              <a:defRPr>
+                <a:solidFill>
+                  <a:schemeClr val="lt1"/>
+                </a:solidFill>
+                <a:latin typeface="+mn-lt"/>
+                <a:ea typeface="+mn-ea"/>
+                <a:cs typeface="+mn-cs"/>
+              </a:defRPr>
+            </a:lvl8pPr>
+            <a:lvl9pPr>
+              <a:defRPr>
+                <a:solidFill>
+                  <a:schemeClr val="lt1"/>
+                </a:solidFill>
+                <a:latin typeface="+mn-lt"/>
+                <a:ea typeface="+mn-ea"/>
+                <a:cs typeface="+mn-cs"/>
+              </a:defRPr>
+            </a:lvl9pPr>
+          </a:lstStyle>
+          <a:p>
+            <a:r>
+              <a:rPr lang="en-US" dirty="0"/>
+              <a:t> </a:t>
+            </a:r>
+            <a:r>
+              <a:rPr lang="en-US" b="1" dirty="0">
+                <a:effectLst>
+                  <a:outerShdw blurRad="38100" dist="38100" dir="2700000" algn="tl">
+                    <a:srgbClr val="000000">
+                      <a:alpha val="43137"/>
+                    </a:srgbClr>
+                  </a:outerShdw>
+                </a:effectLst>
+              </a:rPr>
+              <a:t>Booleans</a:t>
+            </a:r>
+            <a:endParaRPr lang="en-US" b="1" i="1" dirty="0">
+              <a:solidFill>
+                <a:srgbClr val="0070C0"/>
+              </a:solidFill>
+              <a:latin typeface="Consolas" panose="020B0609020204030204" pitchFamily="49" charset="0"/>
+              <a:cs typeface="Consolas" panose="020B0609020204030204" pitchFamily="49" charset="0"/>
+            </a:endParaRPr>
+          </a:p>
+        </p:txBody>
+      </p:sp>
+      <p:sp>
+        <p:nvSpPr>
+          <p:cNvPr id="2" name="TextBox 1"/>
+          <p:cNvSpPr txBox="1"/>
+          <p:nvPr/>
+        </p:nvSpPr>
+        <p:spPr>
+          <a:xfrm>
+            <a:off x="63501" y="857743"/>
+            <a:ext cx="12128500" cy="2862322"/>
+          </a:xfrm>
+          <a:prstGeom prst="rect">
+            <a:avLst/>
+          </a:prstGeom>
+          <a:noFill/>
+        </p:spPr>
+        <p:txBody>
+          <a:bodyPr wrap="square" rtlCol="0">
+            <a:spAutoFit/>
+          </a:bodyPr>
+          <a:lstStyle/>
+          <a:p>
+            <a:pPr marL="342900" indent="-342900">
+              <a:buFont typeface="Arial" panose="020B0604020202020204" pitchFamily="34" charset="0"/>
+              <a:buChar char="•"/>
+            </a:pPr>
+            <a:r>
+              <a:rPr lang="en-US" sz="2000" dirty="0"/>
+              <a:t>Booleans are either true or false. Python has two constants, cleverly named </a:t>
+            </a:r>
+            <a:r>
+              <a:rPr lang="en-US" b="1" i="1" dirty="0">
+                <a:solidFill>
+                  <a:srgbClr val="0070C0"/>
+                </a:solidFill>
+                <a:latin typeface="Consolas" panose="020B0609020204030204" pitchFamily="49" charset="0"/>
+                <a:cs typeface="Consolas" panose="020B0609020204030204" pitchFamily="49" charset="0"/>
+              </a:rPr>
+              <a:t>True</a:t>
+            </a:r>
+            <a:r>
+              <a:rPr lang="en-US" sz="2000" dirty="0"/>
+              <a:t> and </a:t>
+            </a:r>
+            <a:r>
+              <a:rPr lang="en-US" b="1" i="1" dirty="0">
+                <a:solidFill>
+                  <a:srgbClr val="0070C0"/>
+                </a:solidFill>
+                <a:latin typeface="Consolas" panose="020B0609020204030204" pitchFamily="49" charset="0"/>
+                <a:cs typeface="Consolas" panose="020B0609020204030204" pitchFamily="49" charset="0"/>
+              </a:rPr>
+              <a:t>False</a:t>
+            </a:r>
+            <a:r>
+              <a:rPr lang="en-US" sz="2000" dirty="0"/>
+              <a:t>, which can be used to assign boolean values directly. </a:t>
+            </a:r>
+            <a:endParaRPr lang="en-US" sz="2000" dirty="0" smtClean="0"/>
+          </a:p>
+          <a:p>
+            <a:pPr marL="342900" indent="-342900">
+              <a:buFont typeface="Arial" panose="020B0604020202020204" pitchFamily="34" charset="0"/>
+              <a:buChar char="•"/>
+            </a:pPr>
+            <a:endParaRPr lang="en-US" sz="2000" dirty="0"/>
+          </a:p>
+          <a:p>
+            <a:pPr marL="342900" indent="-342900">
+              <a:buFont typeface="Arial" panose="020B0604020202020204" pitchFamily="34" charset="0"/>
+              <a:buChar char="•"/>
+            </a:pPr>
+            <a:r>
+              <a:rPr lang="en-US" sz="2000" b="1" dirty="0" smtClean="0"/>
+              <a:t>Expressions </a:t>
+            </a:r>
+            <a:r>
+              <a:rPr lang="en-US" sz="2000" b="1" dirty="0"/>
+              <a:t>can also evaluate to a boolean value</a:t>
+            </a:r>
+            <a:r>
+              <a:rPr lang="en-US" sz="2000" dirty="0"/>
+              <a:t>. In certain places (like if statements), Python expects an expression to evaluate to a boolean value. </a:t>
+            </a:r>
+            <a:r>
+              <a:rPr lang="en-US" sz="2000" b="1" dirty="0">
+                <a:solidFill>
+                  <a:srgbClr val="FF0000"/>
+                </a:solidFill>
+              </a:rPr>
+              <a:t>These places are called boolean contexts. </a:t>
+            </a:r>
+            <a:endParaRPr lang="en-US" sz="2000" b="1" dirty="0" smtClean="0">
+              <a:solidFill>
+                <a:srgbClr val="FF0000"/>
+              </a:solidFill>
+            </a:endParaRPr>
+          </a:p>
+          <a:p>
+            <a:pPr marL="342900" indent="-342900">
+              <a:buFont typeface="Arial" panose="020B0604020202020204" pitchFamily="34" charset="0"/>
+              <a:buChar char="•"/>
+            </a:pPr>
+            <a:endParaRPr lang="en-US" sz="2000" b="1" dirty="0">
+              <a:solidFill>
+                <a:srgbClr val="FF0000"/>
+              </a:solidFill>
+            </a:endParaRPr>
+          </a:p>
+          <a:p>
+            <a:pPr marL="342900" indent="-342900">
+              <a:buFont typeface="Arial" panose="020B0604020202020204" pitchFamily="34" charset="0"/>
+              <a:buChar char="•"/>
+            </a:pPr>
+            <a:r>
+              <a:rPr lang="en-US" sz="2000" dirty="0" smtClean="0"/>
+              <a:t>You </a:t>
+            </a:r>
+            <a:r>
+              <a:rPr lang="en-US" sz="2000" dirty="0"/>
+              <a:t>can use virtually any expression in a boolean context, and Python will try to determine its truth value. </a:t>
+            </a:r>
+            <a:r>
+              <a:rPr lang="en-US" sz="2000" b="1" dirty="0"/>
+              <a:t>Different datatypes have different rules about which values are true or false in a boolean context. </a:t>
+            </a:r>
+            <a:r>
+              <a:rPr lang="en-US" sz="2000" dirty="0"/>
+              <a:t>(This will make more sense once you see some concrete examples later in this chapter</a:t>
+            </a:r>
+            <a:r>
+              <a:rPr lang="en-US" sz="2000" dirty="0" smtClean="0"/>
+              <a:t>.)</a:t>
+            </a:r>
+          </a:p>
+        </p:txBody>
+      </p:sp>
+      <p:sp>
+        <p:nvSpPr>
+          <p:cNvPr id="5" name="AutoShape 2" descr="http://raspberry.piaustralia.com.au/product-images/piwithbox.jpg"/>
+          <p:cNvSpPr>
+            <a:spLocks noChangeAspect="1" noChangeArrowheads="1"/>
+          </p:cNvSpPr>
+          <p:nvPr/>
+        </p:nvSpPr>
+        <p:spPr bwMode="auto">
+          <a:xfrm>
+            <a:off x="63500" y="-136525"/>
+            <a:ext cx="9772650" cy="6343650"/>
+          </a:xfrm>
+          <a:prstGeom prst="rect">
+            <a:avLst/>
+          </a:prstGeom>
+          <a:noFill/>
+          <a:extLst>
+            <a:ext uri="{909E8E84-426E-40DD-AFC4-6F175D3DCCD1}">
+              <a14:hiddenFill xmlns:a14="http://schemas.microsoft.com/office/drawing/2010/main">
+                <a:solidFill>
+                  <a:srgbClr val="FFFFFF"/>
+                </a:solidFill>
+              </a14:hiddenFill>
+            </a:ext>
+          </a:extLst>
+        </p:spPr>
+        <p:txBody>
+          <a:bodyPr vert="horz" wrap="square" lIns="91440" tIns="45720" rIns="91440" bIns="45720" numCol="1" anchor="t" anchorCtr="0" compatLnSpc="1">
+            <a:prstTxWarp prst="textNoShape">
+              <a:avLst/>
+            </a:prstTxWarp>
+          </a:bodyPr>
+          <a:lstStyle/>
+          <a:p>
+            <a:endParaRPr lang="en-US"/>
+          </a:p>
+        </p:txBody>
+      </p:sp>
+    </p:spTree>
+    <p:extLst>
+      <p:ext uri="{BB962C8B-B14F-4D97-AF65-F5344CB8AC3E}">
+        <p14:creationId xmlns:p14="http://schemas.microsoft.com/office/powerpoint/2010/main" val="1584128126"/>
+      </p:ext>
+    </p:extLst>
+  </p:cSld>
+  <p:clrMapOvr>
+    <a:masterClrMapping/>
+  </p:clrMapOvr>
+</p:sld>
+</file>
+
+<file path=ppt/slides/slide71.xml><?xml version="1.0" encoding="utf-8"?>
+<p:sld xmlns:a="http://schemas.openxmlformats.org/drawingml/2006/main" xmlns:r="http://schemas.openxmlformats.org/officeDocument/2006/relationships" xmlns:p="http://schemas.openxmlformats.org/presentationml/2006/main">
+  <p:cSld>
+    <p:spTree>
+      <p:nvGrpSpPr>
+        <p:cNvPr id="1" name=""/>
+        <p:cNvGrpSpPr/>
+        <p:nvPr/>
+      </p:nvGrpSpPr>
+      <p:grpSpPr>
+        <a:xfrm>
+          <a:off x="0" y="0"/>
+          <a:ext cx="0" cy="0"/>
+          <a:chOff x="0" y="0"/>
+          <a:chExt cx="0" cy="0"/>
+        </a:xfrm>
+      </p:grpSpPr>
+      <p:sp>
+        <p:nvSpPr>
+          <p:cNvPr id="4" name="Title 1"/>
+          <p:cNvSpPr txBox="1">
+            <a:spLocks/>
+          </p:cNvSpPr>
+          <p:nvPr/>
+        </p:nvSpPr>
+        <p:spPr>
+          <a:xfrm>
+            <a:off x="0" y="1"/>
+            <a:ext cx="12192000" cy="721216"/>
+          </a:xfrm>
+          <a:prstGeom prst="rect">
+            <a:avLst/>
+          </a:prstGeom>
+        </p:spPr>
+        <p:style>
+          <a:lnRef idx="0">
+            <a:schemeClr val="accent1"/>
+          </a:lnRef>
+          <a:fillRef idx="3">
+            <a:schemeClr val="accent1"/>
+          </a:fillRef>
+          <a:effectRef idx="3">
+            <a:schemeClr val="accent1"/>
+          </a:effectRef>
+          <a:fontRef idx="minor">
+            <a:schemeClr val="lt1"/>
+          </a:fontRef>
+        </p:style>
+        <p:txBody>
+          <a:bodyPr vert="horz" lIns="91440" tIns="45720" rIns="91440" bIns="45720" rtlCol="0" anchor="ctr">
+            <a:normAutofit/>
+          </a:bodyPr>
+          <a:lstStyle>
+            <a:lvl1pPr algn="l" defTabSz="914400" rtl="0" eaLnBrk="1" latinLnBrk="0" hangingPunct="1">
+              <a:lnSpc>
+                <a:spcPct val="90000"/>
+              </a:lnSpc>
+              <a:spcBef>
+                <a:spcPct val="0"/>
+              </a:spcBef>
+              <a:buNone/>
+              <a:defRPr sz="4400" kern="1200">
+                <a:solidFill>
+                  <a:schemeClr val="lt1"/>
+                </a:solidFill>
+                <a:latin typeface="+mn-lt"/>
+                <a:ea typeface="+mn-ea"/>
+                <a:cs typeface="+mn-cs"/>
+              </a:defRPr>
+            </a:lvl1pPr>
+            <a:lvl2pPr>
+              <a:defRPr>
+                <a:solidFill>
+                  <a:schemeClr val="lt1"/>
+                </a:solidFill>
+                <a:latin typeface="+mn-lt"/>
+                <a:ea typeface="+mn-ea"/>
+                <a:cs typeface="+mn-cs"/>
+              </a:defRPr>
+            </a:lvl2pPr>
+            <a:lvl3pPr>
+              <a:defRPr>
+                <a:solidFill>
+                  <a:schemeClr val="lt1"/>
+                </a:solidFill>
+                <a:latin typeface="+mn-lt"/>
+                <a:ea typeface="+mn-ea"/>
+                <a:cs typeface="+mn-cs"/>
+              </a:defRPr>
+            </a:lvl3pPr>
+            <a:lvl4pPr>
+              <a:defRPr>
+                <a:solidFill>
+                  <a:schemeClr val="lt1"/>
+                </a:solidFill>
+                <a:latin typeface="+mn-lt"/>
+                <a:ea typeface="+mn-ea"/>
+                <a:cs typeface="+mn-cs"/>
+              </a:defRPr>
+            </a:lvl4pPr>
+            <a:lvl5pPr>
+              <a:defRPr>
+                <a:solidFill>
+                  <a:schemeClr val="lt1"/>
+                </a:solidFill>
+                <a:latin typeface="+mn-lt"/>
+                <a:ea typeface="+mn-ea"/>
+                <a:cs typeface="+mn-cs"/>
+              </a:defRPr>
+            </a:lvl5pPr>
+            <a:lvl6pPr>
+              <a:defRPr>
+                <a:solidFill>
+                  <a:schemeClr val="lt1"/>
+                </a:solidFill>
+                <a:latin typeface="+mn-lt"/>
+                <a:ea typeface="+mn-ea"/>
+                <a:cs typeface="+mn-cs"/>
+              </a:defRPr>
+            </a:lvl6pPr>
+            <a:lvl7pPr>
+              <a:defRPr>
+                <a:solidFill>
+                  <a:schemeClr val="lt1"/>
+                </a:solidFill>
+                <a:latin typeface="+mn-lt"/>
+                <a:ea typeface="+mn-ea"/>
+                <a:cs typeface="+mn-cs"/>
+              </a:defRPr>
+            </a:lvl7pPr>
+            <a:lvl8pPr>
+              <a:defRPr>
+                <a:solidFill>
+                  <a:schemeClr val="lt1"/>
+                </a:solidFill>
+                <a:latin typeface="+mn-lt"/>
+                <a:ea typeface="+mn-ea"/>
+                <a:cs typeface="+mn-cs"/>
+              </a:defRPr>
+            </a:lvl8pPr>
+            <a:lvl9pPr>
+              <a:defRPr>
+                <a:solidFill>
+                  <a:schemeClr val="lt1"/>
+                </a:solidFill>
+                <a:latin typeface="+mn-lt"/>
+                <a:ea typeface="+mn-ea"/>
+                <a:cs typeface="+mn-cs"/>
+              </a:defRPr>
+            </a:lvl9pPr>
+          </a:lstStyle>
+          <a:p>
+            <a:r>
+              <a:rPr lang="en-US" dirty="0"/>
+              <a:t> </a:t>
+            </a:r>
+            <a:r>
+              <a:rPr lang="en-US" b="1" dirty="0">
+                <a:effectLst>
+                  <a:outerShdw blurRad="38100" dist="38100" dir="2700000" algn="tl">
+                    <a:srgbClr val="000000">
+                      <a:alpha val="43137"/>
+                    </a:srgbClr>
+                  </a:outerShdw>
+                </a:effectLst>
+              </a:rPr>
+              <a:t>Booleans</a:t>
+            </a:r>
+            <a:endParaRPr lang="en-US" b="1" i="1" dirty="0">
+              <a:solidFill>
+                <a:srgbClr val="0070C0"/>
+              </a:solidFill>
+              <a:latin typeface="Consolas" panose="020B0609020204030204" pitchFamily="49" charset="0"/>
+              <a:cs typeface="Consolas" panose="020B0609020204030204" pitchFamily="49" charset="0"/>
+            </a:endParaRPr>
+          </a:p>
+        </p:txBody>
+      </p:sp>
+      <p:sp>
+        <p:nvSpPr>
+          <p:cNvPr id="2" name="TextBox 1"/>
+          <p:cNvSpPr txBox="1"/>
+          <p:nvPr/>
+        </p:nvSpPr>
+        <p:spPr>
+          <a:xfrm>
+            <a:off x="63501" y="857743"/>
+            <a:ext cx="12128500" cy="400110"/>
+          </a:xfrm>
+          <a:prstGeom prst="rect">
+            <a:avLst/>
+          </a:prstGeom>
+          <a:noFill/>
+        </p:spPr>
+        <p:txBody>
+          <a:bodyPr wrap="square" rtlCol="0">
+            <a:spAutoFit/>
+          </a:bodyPr>
+          <a:lstStyle/>
+          <a:p>
+            <a:pPr marL="342900" indent="-342900">
+              <a:buFont typeface="Arial" panose="020B0604020202020204" pitchFamily="34" charset="0"/>
+              <a:buChar char="•"/>
+            </a:pPr>
+            <a:r>
+              <a:rPr lang="en-US" sz="2000" b="1" dirty="0"/>
+              <a:t>Due to some </a:t>
+            </a:r>
+            <a:r>
+              <a:rPr lang="en-US" sz="2000" b="1" dirty="0">
+                <a:solidFill>
+                  <a:srgbClr val="FF0000"/>
+                </a:solidFill>
+              </a:rPr>
+              <a:t>legacy issues </a:t>
+            </a:r>
+            <a:r>
+              <a:rPr lang="en-US" sz="2000" b="1" dirty="0"/>
+              <a:t>left over from Python 2, booleans can be treated as numbers</a:t>
+            </a:r>
+            <a:r>
+              <a:rPr lang="en-US" sz="2000" dirty="0"/>
+              <a:t>. </a:t>
+            </a:r>
+            <a:r>
+              <a:rPr lang="en-US" b="1" i="1" dirty="0">
+                <a:solidFill>
+                  <a:srgbClr val="0070C0"/>
+                </a:solidFill>
+                <a:latin typeface="Consolas" panose="020B0609020204030204" pitchFamily="49" charset="0"/>
+                <a:cs typeface="Consolas" panose="020B0609020204030204" pitchFamily="49" charset="0"/>
+              </a:rPr>
+              <a:t>True</a:t>
+            </a:r>
+            <a:r>
+              <a:rPr lang="en-US" sz="2000" dirty="0"/>
+              <a:t> is </a:t>
+            </a:r>
+            <a:r>
+              <a:rPr lang="en-US" b="1" i="1" dirty="0">
+                <a:solidFill>
+                  <a:srgbClr val="0070C0"/>
+                </a:solidFill>
+                <a:latin typeface="Consolas" panose="020B0609020204030204" pitchFamily="49" charset="0"/>
+                <a:cs typeface="Consolas" panose="020B0609020204030204" pitchFamily="49" charset="0"/>
+              </a:rPr>
+              <a:t>1</a:t>
+            </a:r>
+            <a:r>
+              <a:rPr lang="en-US" sz="2000" dirty="0"/>
+              <a:t>; </a:t>
+            </a:r>
+            <a:r>
+              <a:rPr lang="en-US" b="1" i="1" dirty="0">
+                <a:solidFill>
+                  <a:srgbClr val="0070C0"/>
+                </a:solidFill>
+                <a:latin typeface="Consolas" panose="020B0609020204030204" pitchFamily="49" charset="0"/>
+                <a:cs typeface="Consolas" panose="020B0609020204030204" pitchFamily="49" charset="0"/>
+              </a:rPr>
+              <a:t>False</a:t>
+            </a:r>
+            <a:r>
+              <a:rPr lang="en-US" sz="2000" dirty="0"/>
+              <a:t> is </a:t>
+            </a:r>
+            <a:r>
+              <a:rPr lang="en-US" b="1" i="1" dirty="0">
+                <a:solidFill>
+                  <a:srgbClr val="0070C0"/>
+                </a:solidFill>
+                <a:latin typeface="Consolas" panose="020B0609020204030204" pitchFamily="49" charset="0"/>
+                <a:cs typeface="Consolas" panose="020B0609020204030204" pitchFamily="49" charset="0"/>
+              </a:rPr>
+              <a:t>0</a:t>
+            </a:r>
+            <a:r>
+              <a:rPr lang="en-US" sz="2000" dirty="0" smtClean="0"/>
+              <a:t>.</a:t>
+            </a:r>
+          </a:p>
+        </p:txBody>
+      </p:sp>
+      <p:sp>
+        <p:nvSpPr>
+          <p:cNvPr id="5" name="AutoShape 2" descr="http://raspberry.piaustralia.com.au/product-images/piwithbox.jpg"/>
+          <p:cNvSpPr>
+            <a:spLocks noChangeAspect="1" noChangeArrowheads="1"/>
+          </p:cNvSpPr>
+          <p:nvPr/>
+        </p:nvSpPr>
+        <p:spPr bwMode="auto">
+          <a:xfrm>
+            <a:off x="63500" y="-136525"/>
+            <a:ext cx="9772650" cy="6343650"/>
+          </a:xfrm>
+          <a:prstGeom prst="rect">
+            <a:avLst/>
+          </a:prstGeom>
+          <a:noFill/>
+          <a:extLst>
+            <a:ext uri="{909E8E84-426E-40DD-AFC4-6F175D3DCCD1}">
+              <a14:hiddenFill xmlns:a14="http://schemas.microsoft.com/office/drawing/2010/main">
+                <a:solidFill>
+                  <a:srgbClr val="FFFFFF"/>
+                </a:solidFill>
+              </a14:hiddenFill>
+            </a:ext>
+          </a:extLst>
+        </p:spPr>
+        <p:txBody>
+          <a:bodyPr vert="horz" wrap="square" lIns="91440" tIns="45720" rIns="91440" bIns="45720" numCol="1" anchor="t" anchorCtr="0" compatLnSpc="1">
+            <a:prstTxWarp prst="textNoShape">
+              <a:avLst/>
+            </a:prstTxWarp>
+          </a:bodyPr>
+          <a:lstStyle/>
+          <a:p>
+            <a:endParaRPr lang="en-US"/>
+          </a:p>
+        </p:txBody>
+      </p:sp>
+      <p:pic>
+        <p:nvPicPr>
+          <p:cNvPr id="6" name="Picture 5"/>
+          <p:cNvPicPr>
+            <a:picLocks noChangeAspect="1"/>
+          </p:cNvPicPr>
+          <p:nvPr/>
+        </p:nvPicPr>
+        <p:blipFill>
+          <a:blip r:embed="rId2"/>
+          <a:stretch>
+            <a:fillRect/>
+          </a:stretch>
+        </p:blipFill>
+        <p:spPr>
+          <a:xfrm>
+            <a:off x="1070658" y="1573077"/>
+            <a:ext cx="6628945" cy="4770574"/>
+          </a:xfrm>
+          <a:prstGeom prst="rect">
+            <a:avLst/>
+          </a:prstGeom>
+        </p:spPr>
+      </p:pic>
+    </p:spTree>
+    <p:extLst>
+      <p:ext uri="{BB962C8B-B14F-4D97-AF65-F5344CB8AC3E}">
+        <p14:creationId xmlns:p14="http://schemas.microsoft.com/office/powerpoint/2010/main" val="374770904"/>
+      </p:ext>
+    </p:extLst>
+  </p:cSld>
+  <p:clrMapOvr>
+    <a:masterClrMapping/>
+  </p:clrMapOvr>
+</p:sld>
+</file>
+
+<file path=ppt/slides/slide72.xml><?xml version="1.0" encoding="utf-8"?>
+<p:sld xmlns:a="http://schemas.openxmlformats.org/drawingml/2006/main" xmlns:r="http://schemas.openxmlformats.org/officeDocument/2006/relationships" xmlns:p="http://schemas.openxmlformats.org/presentationml/2006/main">
+  <p:cSld>
+    <p:spTree>
+      <p:nvGrpSpPr>
+        <p:cNvPr id="1" name=""/>
+        <p:cNvGrpSpPr/>
+        <p:nvPr/>
+      </p:nvGrpSpPr>
+      <p:grpSpPr>
+        <a:xfrm>
+          <a:off x="0" y="0"/>
+          <a:ext cx="0" cy="0"/>
+          <a:chOff x="0" y="0"/>
+          <a:chExt cx="0" cy="0"/>
+        </a:xfrm>
+      </p:grpSpPr>
+      <p:sp>
+        <p:nvSpPr>
+          <p:cNvPr id="4" name="Title 1"/>
+          <p:cNvSpPr txBox="1">
+            <a:spLocks/>
+          </p:cNvSpPr>
+          <p:nvPr/>
+        </p:nvSpPr>
+        <p:spPr>
+          <a:xfrm>
+            <a:off x="0" y="1"/>
+            <a:ext cx="12192000" cy="721216"/>
+          </a:xfrm>
+          <a:prstGeom prst="rect">
+            <a:avLst/>
+          </a:prstGeom>
+        </p:spPr>
+        <p:style>
+          <a:lnRef idx="0">
+            <a:schemeClr val="accent1"/>
+          </a:lnRef>
+          <a:fillRef idx="3">
+            <a:schemeClr val="accent1"/>
+          </a:fillRef>
+          <a:effectRef idx="3">
+            <a:schemeClr val="accent1"/>
+          </a:effectRef>
+          <a:fontRef idx="minor">
+            <a:schemeClr val="lt1"/>
+          </a:fontRef>
+        </p:style>
+        <p:txBody>
+          <a:bodyPr vert="horz" lIns="91440" tIns="45720" rIns="91440" bIns="45720" rtlCol="0" anchor="ctr">
+            <a:normAutofit/>
+          </a:bodyPr>
+          <a:lstStyle>
+            <a:lvl1pPr algn="l" defTabSz="914400" rtl="0" eaLnBrk="1" latinLnBrk="0" hangingPunct="1">
+              <a:lnSpc>
+                <a:spcPct val="90000"/>
+              </a:lnSpc>
+              <a:spcBef>
+                <a:spcPct val="0"/>
+              </a:spcBef>
+              <a:buNone/>
+              <a:defRPr sz="4400" kern="1200">
+                <a:solidFill>
+                  <a:schemeClr val="lt1"/>
+                </a:solidFill>
+                <a:latin typeface="+mn-lt"/>
+                <a:ea typeface="+mn-ea"/>
+                <a:cs typeface="+mn-cs"/>
+              </a:defRPr>
+            </a:lvl1pPr>
+            <a:lvl2pPr>
+              <a:defRPr>
+                <a:solidFill>
+                  <a:schemeClr val="lt1"/>
+                </a:solidFill>
+                <a:latin typeface="+mn-lt"/>
+                <a:ea typeface="+mn-ea"/>
+                <a:cs typeface="+mn-cs"/>
+              </a:defRPr>
+            </a:lvl2pPr>
+            <a:lvl3pPr>
+              <a:defRPr>
+                <a:solidFill>
+                  <a:schemeClr val="lt1"/>
+                </a:solidFill>
+                <a:latin typeface="+mn-lt"/>
+                <a:ea typeface="+mn-ea"/>
+                <a:cs typeface="+mn-cs"/>
+              </a:defRPr>
+            </a:lvl3pPr>
+            <a:lvl4pPr>
+              <a:defRPr>
+                <a:solidFill>
+                  <a:schemeClr val="lt1"/>
+                </a:solidFill>
+                <a:latin typeface="+mn-lt"/>
+                <a:ea typeface="+mn-ea"/>
+                <a:cs typeface="+mn-cs"/>
+              </a:defRPr>
+            </a:lvl4pPr>
+            <a:lvl5pPr>
+              <a:defRPr>
+                <a:solidFill>
+                  <a:schemeClr val="lt1"/>
+                </a:solidFill>
+                <a:latin typeface="+mn-lt"/>
+                <a:ea typeface="+mn-ea"/>
+                <a:cs typeface="+mn-cs"/>
+              </a:defRPr>
+            </a:lvl5pPr>
+            <a:lvl6pPr>
+              <a:defRPr>
+                <a:solidFill>
+                  <a:schemeClr val="lt1"/>
+                </a:solidFill>
+                <a:latin typeface="+mn-lt"/>
+                <a:ea typeface="+mn-ea"/>
+                <a:cs typeface="+mn-cs"/>
+              </a:defRPr>
+            </a:lvl6pPr>
+            <a:lvl7pPr>
+              <a:defRPr>
+                <a:solidFill>
+                  <a:schemeClr val="lt1"/>
+                </a:solidFill>
+                <a:latin typeface="+mn-lt"/>
+                <a:ea typeface="+mn-ea"/>
+                <a:cs typeface="+mn-cs"/>
+              </a:defRPr>
+            </a:lvl7pPr>
+            <a:lvl8pPr>
+              <a:defRPr>
+                <a:solidFill>
+                  <a:schemeClr val="lt1"/>
+                </a:solidFill>
+                <a:latin typeface="+mn-lt"/>
+                <a:ea typeface="+mn-ea"/>
+                <a:cs typeface="+mn-cs"/>
+              </a:defRPr>
+            </a:lvl8pPr>
+            <a:lvl9pPr>
+              <a:defRPr>
+                <a:solidFill>
+                  <a:schemeClr val="lt1"/>
+                </a:solidFill>
+                <a:latin typeface="+mn-lt"/>
+                <a:ea typeface="+mn-ea"/>
+                <a:cs typeface="+mn-cs"/>
+              </a:defRPr>
+            </a:lvl9pPr>
+          </a:lstStyle>
+          <a:p>
+            <a:r>
+              <a:rPr lang="en-US" dirty="0"/>
+              <a:t> </a:t>
+            </a:r>
+            <a:r>
+              <a:rPr lang="en-US" b="1" dirty="0">
+                <a:effectLst>
+                  <a:outerShdw blurRad="38100" dist="38100" dir="2700000" algn="tl">
+                    <a:srgbClr val="000000">
+                      <a:alpha val="43137"/>
+                    </a:srgbClr>
+                  </a:outerShdw>
+                </a:effectLst>
+              </a:rPr>
+              <a:t>Numbers</a:t>
+            </a:r>
+            <a:endParaRPr lang="en-US" b="1" i="1" dirty="0">
+              <a:solidFill>
+                <a:srgbClr val="0070C0"/>
+              </a:solidFill>
+              <a:latin typeface="Consolas" panose="020B0609020204030204" pitchFamily="49" charset="0"/>
+              <a:cs typeface="Consolas" panose="020B0609020204030204" pitchFamily="49" charset="0"/>
+            </a:endParaRPr>
+          </a:p>
+        </p:txBody>
+      </p:sp>
+      <p:sp>
+        <p:nvSpPr>
+          <p:cNvPr id="2" name="TextBox 1"/>
+          <p:cNvSpPr txBox="1"/>
+          <p:nvPr/>
+        </p:nvSpPr>
+        <p:spPr>
+          <a:xfrm>
+            <a:off x="63501" y="857743"/>
+            <a:ext cx="12128500" cy="1015663"/>
+          </a:xfrm>
+          <a:prstGeom prst="rect">
+            <a:avLst/>
+          </a:prstGeom>
+          <a:noFill/>
+        </p:spPr>
+        <p:txBody>
+          <a:bodyPr wrap="square" rtlCol="0">
+            <a:spAutoFit/>
+          </a:bodyPr>
+          <a:lstStyle/>
+          <a:p>
+            <a:pPr marL="342900" indent="-342900">
+              <a:buFont typeface="Arial" panose="020B0604020202020204" pitchFamily="34" charset="0"/>
+              <a:buChar char="•"/>
+            </a:pPr>
+            <a:r>
+              <a:rPr lang="en-US" sz="2000" dirty="0"/>
+              <a:t>Numbers are awesome. There are so many to choose from. Python supports both integers and floating point numbers. There’s no type declaration to distinguish them; </a:t>
+            </a:r>
+            <a:r>
+              <a:rPr lang="en-US" sz="2000" b="1" dirty="0"/>
+              <a:t>Python tells them apart by the presence or absence of a decimal point. </a:t>
+            </a:r>
+            <a:endParaRPr lang="en-US" sz="2000" b="1" dirty="0" smtClean="0"/>
+          </a:p>
+        </p:txBody>
+      </p:sp>
+      <p:sp>
+        <p:nvSpPr>
+          <p:cNvPr id="5" name="AutoShape 2" descr="http://raspberry.piaustralia.com.au/product-images/piwithbox.jpg"/>
+          <p:cNvSpPr>
+            <a:spLocks noChangeAspect="1" noChangeArrowheads="1"/>
+          </p:cNvSpPr>
+          <p:nvPr/>
+        </p:nvSpPr>
+        <p:spPr bwMode="auto">
+          <a:xfrm>
+            <a:off x="63500" y="-136525"/>
+            <a:ext cx="9772650" cy="6343650"/>
+          </a:xfrm>
+          <a:prstGeom prst="rect">
+            <a:avLst/>
+          </a:prstGeom>
+          <a:noFill/>
+          <a:extLst>
+            <a:ext uri="{909E8E84-426E-40DD-AFC4-6F175D3DCCD1}">
+              <a14:hiddenFill xmlns:a14="http://schemas.microsoft.com/office/drawing/2010/main">
+                <a:solidFill>
+                  <a:srgbClr val="FFFFFF"/>
+                </a:solidFill>
+              </a14:hiddenFill>
+            </a:ext>
+          </a:extLst>
+        </p:spPr>
+        <p:txBody>
+          <a:bodyPr vert="horz" wrap="square" lIns="91440" tIns="45720" rIns="91440" bIns="45720" numCol="1" anchor="t" anchorCtr="0" compatLnSpc="1">
+            <a:prstTxWarp prst="textNoShape">
+              <a:avLst/>
+            </a:prstTxWarp>
+          </a:bodyPr>
+          <a:lstStyle/>
+          <a:p>
+            <a:endParaRPr lang="en-US"/>
+          </a:p>
+        </p:txBody>
+      </p:sp>
+      <p:pic>
+        <p:nvPicPr>
+          <p:cNvPr id="3" name="Picture 2"/>
+          <p:cNvPicPr>
+            <a:picLocks noChangeAspect="1"/>
+          </p:cNvPicPr>
+          <p:nvPr/>
+        </p:nvPicPr>
+        <p:blipFill>
+          <a:blip r:embed="rId2"/>
+          <a:stretch>
+            <a:fillRect/>
+          </a:stretch>
+        </p:blipFill>
+        <p:spPr>
+          <a:xfrm>
+            <a:off x="718593" y="1949528"/>
+            <a:ext cx="5603830" cy="4910342"/>
+          </a:xfrm>
+          <a:prstGeom prst="rect">
+            <a:avLst/>
+          </a:prstGeom>
+        </p:spPr>
+      </p:pic>
+    </p:spTree>
+    <p:extLst>
+      <p:ext uri="{BB962C8B-B14F-4D97-AF65-F5344CB8AC3E}">
+        <p14:creationId xmlns:p14="http://schemas.microsoft.com/office/powerpoint/2010/main" val="2402898301"/>
+      </p:ext>
+    </p:extLst>
+  </p:cSld>
+  <p:clrMapOvr>
+    <a:masterClrMapping/>
+  </p:clrMapOvr>
+</p:sld>
+</file>
+
+<file path=ppt/slides/slide73.xml><?xml version="1.0" encoding="utf-8"?>
+<p:sld xmlns:a="http://schemas.openxmlformats.org/drawingml/2006/main" xmlns:r="http://schemas.openxmlformats.org/officeDocument/2006/relationships" xmlns:p="http://schemas.openxmlformats.org/presentationml/2006/main">
+  <p:cSld>
+    <p:spTree>
+      <p:nvGrpSpPr>
+        <p:cNvPr id="1" name=""/>
+        <p:cNvGrpSpPr/>
+        <p:nvPr/>
+      </p:nvGrpSpPr>
+      <p:grpSpPr>
+        <a:xfrm>
+          <a:off x="0" y="0"/>
+          <a:ext cx="0" cy="0"/>
+          <a:chOff x="0" y="0"/>
+          <a:chExt cx="0" cy="0"/>
+        </a:xfrm>
+      </p:grpSpPr>
+      <p:sp>
+        <p:nvSpPr>
+          <p:cNvPr id="4" name="Title 1"/>
+          <p:cNvSpPr txBox="1">
+            <a:spLocks/>
+          </p:cNvSpPr>
+          <p:nvPr/>
+        </p:nvSpPr>
+        <p:spPr>
+          <a:xfrm>
+            <a:off x="0" y="1"/>
+            <a:ext cx="12192000" cy="721216"/>
+          </a:xfrm>
+          <a:prstGeom prst="rect">
+            <a:avLst/>
+          </a:prstGeom>
+        </p:spPr>
+        <p:style>
+          <a:lnRef idx="0">
+            <a:schemeClr val="accent1"/>
+          </a:lnRef>
+          <a:fillRef idx="3">
+            <a:schemeClr val="accent1"/>
+          </a:fillRef>
+          <a:effectRef idx="3">
+            <a:schemeClr val="accent1"/>
+          </a:effectRef>
+          <a:fontRef idx="minor">
+            <a:schemeClr val="lt1"/>
+          </a:fontRef>
+        </p:style>
+        <p:txBody>
+          <a:bodyPr vert="horz" lIns="91440" tIns="45720" rIns="91440" bIns="45720" rtlCol="0" anchor="ctr">
+            <a:normAutofit/>
+          </a:bodyPr>
+          <a:lstStyle>
+            <a:lvl1pPr algn="l" defTabSz="914400" rtl="0" eaLnBrk="1" latinLnBrk="0" hangingPunct="1">
+              <a:lnSpc>
+                <a:spcPct val="90000"/>
+              </a:lnSpc>
+              <a:spcBef>
+                <a:spcPct val="0"/>
+              </a:spcBef>
+              <a:buNone/>
+              <a:defRPr sz="4400" kern="1200">
+                <a:solidFill>
+                  <a:schemeClr val="lt1"/>
+                </a:solidFill>
+                <a:latin typeface="+mn-lt"/>
+                <a:ea typeface="+mn-ea"/>
+                <a:cs typeface="+mn-cs"/>
+              </a:defRPr>
+            </a:lvl1pPr>
+            <a:lvl2pPr>
+              <a:defRPr>
+                <a:solidFill>
+                  <a:schemeClr val="lt1"/>
+                </a:solidFill>
+                <a:latin typeface="+mn-lt"/>
+                <a:ea typeface="+mn-ea"/>
+                <a:cs typeface="+mn-cs"/>
+              </a:defRPr>
+            </a:lvl2pPr>
+            <a:lvl3pPr>
+              <a:defRPr>
+                <a:solidFill>
+                  <a:schemeClr val="lt1"/>
+                </a:solidFill>
+                <a:latin typeface="+mn-lt"/>
+                <a:ea typeface="+mn-ea"/>
+                <a:cs typeface="+mn-cs"/>
+              </a:defRPr>
+            </a:lvl3pPr>
+            <a:lvl4pPr>
+              <a:defRPr>
+                <a:solidFill>
+                  <a:schemeClr val="lt1"/>
+                </a:solidFill>
+                <a:latin typeface="+mn-lt"/>
+                <a:ea typeface="+mn-ea"/>
+                <a:cs typeface="+mn-cs"/>
+              </a:defRPr>
+            </a:lvl4pPr>
+            <a:lvl5pPr>
+              <a:defRPr>
+                <a:solidFill>
+                  <a:schemeClr val="lt1"/>
+                </a:solidFill>
+                <a:latin typeface="+mn-lt"/>
+                <a:ea typeface="+mn-ea"/>
+                <a:cs typeface="+mn-cs"/>
+              </a:defRPr>
+            </a:lvl5pPr>
+            <a:lvl6pPr>
+              <a:defRPr>
+                <a:solidFill>
+                  <a:schemeClr val="lt1"/>
+                </a:solidFill>
+                <a:latin typeface="+mn-lt"/>
+                <a:ea typeface="+mn-ea"/>
+                <a:cs typeface="+mn-cs"/>
+              </a:defRPr>
+            </a:lvl6pPr>
+            <a:lvl7pPr>
+              <a:defRPr>
+                <a:solidFill>
+                  <a:schemeClr val="lt1"/>
+                </a:solidFill>
+                <a:latin typeface="+mn-lt"/>
+                <a:ea typeface="+mn-ea"/>
+                <a:cs typeface="+mn-cs"/>
+              </a:defRPr>
+            </a:lvl7pPr>
+            <a:lvl8pPr>
+              <a:defRPr>
+                <a:solidFill>
+                  <a:schemeClr val="lt1"/>
+                </a:solidFill>
+                <a:latin typeface="+mn-lt"/>
+                <a:ea typeface="+mn-ea"/>
+                <a:cs typeface="+mn-cs"/>
+              </a:defRPr>
+            </a:lvl8pPr>
+            <a:lvl9pPr>
+              <a:defRPr>
+                <a:solidFill>
+                  <a:schemeClr val="lt1"/>
+                </a:solidFill>
+                <a:latin typeface="+mn-lt"/>
+                <a:ea typeface="+mn-ea"/>
+                <a:cs typeface="+mn-cs"/>
+              </a:defRPr>
+            </a:lvl9pPr>
+          </a:lstStyle>
+          <a:p>
+            <a:r>
+              <a:rPr lang="en-US" dirty="0"/>
+              <a:t> </a:t>
+            </a:r>
+            <a:r>
+              <a:rPr lang="en-US" b="1" dirty="0">
+                <a:effectLst>
+                  <a:outerShdw blurRad="38100" dist="38100" dir="2700000" algn="tl">
+                    <a:srgbClr val="000000">
+                      <a:alpha val="43137"/>
+                    </a:srgbClr>
+                  </a:outerShdw>
+                </a:effectLst>
+              </a:rPr>
+              <a:t>Numbers</a:t>
+            </a:r>
+            <a:endParaRPr lang="en-US" b="1" i="1" dirty="0">
+              <a:solidFill>
+                <a:srgbClr val="0070C0"/>
+              </a:solidFill>
+              <a:latin typeface="Consolas" panose="020B0609020204030204" pitchFamily="49" charset="0"/>
+              <a:cs typeface="Consolas" panose="020B0609020204030204" pitchFamily="49" charset="0"/>
+            </a:endParaRPr>
+          </a:p>
+        </p:txBody>
+      </p:sp>
+      <p:sp>
+        <p:nvSpPr>
+          <p:cNvPr id="2" name="TextBox 1"/>
+          <p:cNvSpPr txBox="1"/>
+          <p:nvPr/>
+        </p:nvSpPr>
+        <p:spPr>
+          <a:xfrm>
+            <a:off x="63501" y="857743"/>
+            <a:ext cx="12128500" cy="2862322"/>
+          </a:xfrm>
+          <a:prstGeom prst="rect">
+            <a:avLst/>
+          </a:prstGeom>
+          <a:noFill/>
+        </p:spPr>
+        <p:txBody>
+          <a:bodyPr wrap="square" rtlCol="0">
+            <a:spAutoFit/>
+          </a:bodyPr>
+          <a:lstStyle/>
+          <a:p>
+            <a:pPr marL="342900" indent="-342900">
+              <a:buFont typeface="Arial" panose="020B0604020202020204" pitchFamily="34" charset="0"/>
+              <a:buChar char="•"/>
+            </a:pPr>
+            <a:r>
+              <a:rPr lang="en-US" sz="2000" dirty="0"/>
+              <a:t>①	You can use the </a:t>
+            </a:r>
+            <a:r>
+              <a:rPr lang="en-US" b="1" i="1" dirty="0">
+                <a:solidFill>
+                  <a:srgbClr val="0070C0"/>
+                </a:solidFill>
+                <a:latin typeface="Consolas" panose="020B0609020204030204" pitchFamily="49" charset="0"/>
+                <a:cs typeface="Consolas" panose="020B0609020204030204" pitchFamily="49" charset="0"/>
+              </a:rPr>
+              <a:t>type() </a:t>
+            </a:r>
+            <a:r>
+              <a:rPr lang="en-US" sz="2000" dirty="0"/>
+              <a:t>function to check the type of any value or variable. As you might expect, </a:t>
+            </a:r>
+            <a:r>
+              <a:rPr lang="en-US" b="1" i="1" dirty="0">
+                <a:solidFill>
+                  <a:srgbClr val="0070C0"/>
+                </a:solidFill>
+                <a:latin typeface="Consolas" panose="020B0609020204030204" pitchFamily="49" charset="0"/>
+                <a:cs typeface="Consolas" panose="020B0609020204030204" pitchFamily="49" charset="0"/>
+              </a:rPr>
+              <a:t>1</a:t>
+            </a:r>
+            <a:r>
+              <a:rPr lang="en-US" sz="2000" dirty="0"/>
+              <a:t> is an </a:t>
+            </a:r>
+            <a:r>
+              <a:rPr lang="en-US" b="1" i="1" dirty="0">
+                <a:solidFill>
+                  <a:srgbClr val="0070C0"/>
+                </a:solidFill>
+                <a:latin typeface="Consolas" panose="020B0609020204030204" pitchFamily="49" charset="0"/>
+                <a:cs typeface="Consolas" panose="020B0609020204030204" pitchFamily="49" charset="0"/>
+              </a:rPr>
+              <a:t>int</a:t>
+            </a:r>
+            <a:r>
+              <a:rPr lang="en-US" sz="2000" dirty="0" smtClean="0"/>
+              <a:t>.</a:t>
+            </a:r>
+          </a:p>
+          <a:p>
+            <a:pPr marL="342900" indent="-342900">
+              <a:buFont typeface="Arial" panose="020B0604020202020204" pitchFamily="34" charset="0"/>
+              <a:buChar char="•"/>
+            </a:pPr>
+            <a:endParaRPr lang="en-US" sz="2000" b="1" dirty="0"/>
+          </a:p>
+          <a:p>
+            <a:pPr marL="342900" indent="-342900">
+              <a:buFont typeface="Arial" panose="020B0604020202020204" pitchFamily="34" charset="0"/>
+              <a:buChar char="•"/>
+            </a:pPr>
+            <a:r>
+              <a:rPr lang="en-US" sz="2000" dirty="0"/>
+              <a:t>②	Similarly, you can use the </a:t>
+            </a:r>
+            <a:r>
+              <a:rPr lang="en-US" b="1" i="1" dirty="0">
+                <a:solidFill>
+                  <a:srgbClr val="0070C0"/>
+                </a:solidFill>
+                <a:latin typeface="Consolas" panose="020B0609020204030204" pitchFamily="49" charset="0"/>
+                <a:cs typeface="Consolas" panose="020B0609020204030204" pitchFamily="49" charset="0"/>
+              </a:rPr>
+              <a:t>isinstance() </a:t>
+            </a:r>
+            <a:r>
+              <a:rPr lang="en-US" sz="2000" dirty="0"/>
+              <a:t>function to check whether a value or variable is of a given type</a:t>
+            </a:r>
+            <a:r>
+              <a:rPr lang="en-US" sz="2000" dirty="0" smtClean="0"/>
+              <a:t>.</a:t>
+            </a:r>
+          </a:p>
+          <a:p>
+            <a:pPr marL="342900" indent="-342900">
+              <a:buFont typeface="Arial" panose="020B0604020202020204" pitchFamily="34" charset="0"/>
+              <a:buChar char="•"/>
+            </a:pPr>
+            <a:endParaRPr lang="en-US" sz="2000" dirty="0"/>
+          </a:p>
+          <a:p>
+            <a:pPr marL="342900" indent="-342900">
+              <a:buFont typeface="Arial" panose="020B0604020202020204" pitchFamily="34" charset="0"/>
+              <a:buChar char="•"/>
+            </a:pPr>
+            <a:r>
+              <a:rPr lang="en-US" sz="2000" dirty="0" smtClean="0"/>
+              <a:t>③</a:t>
+            </a:r>
+            <a:r>
+              <a:rPr lang="en-US" sz="2000" dirty="0"/>
+              <a:t>	Adding an </a:t>
+            </a:r>
+            <a:r>
+              <a:rPr lang="en-US" b="1" i="1" dirty="0">
+                <a:solidFill>
+                  <a:srgbClr val="0070C0"/>
+                </a:solidFill>
+                <a:latin typeface="Consolas" panose="020B0609020204030204" pitchFamily="49" charset="0"/>
+                <a:cs typeface="Consolas" panose="020B0609020204030204" pitchFamily="49" charset="0"/>
+              </a:rPr>
+              <a:t>int</a:t>
+            </a:r>
+            <a:r>
+              <a:rPr lang="en-US" sz="2000" dirty="0"/>
+              <a:t> to an int yields an </a:t>
+            </a:r>
+            <a:r>
+              <a:rPr lang="en-US" b="1" i="1" dirty="0">
+                <a:solidFill>
+                  <a:srgbClr val="0070C0"/>
+                </a:solidFill>
+                <a:latin typeface="Consolas" panose="020B0609020204030204" pitchFamily="49" charset="0"/>
+                <a:cs typeface="Consolas" panose="020B0609020204030204" pitchFamily="49" charset="0"/>
+              </a:rPr>
+              <a:t>int</a:t>
+            </a:r>
+            <a:r>
+              <a:rPr lang="en-US" sz="2000" dirty="0"/>
+              <a:t>. </a:t>
+            </a:r>
+            <a:endParaRPr lang="en-US" sz="2000" dirty="0" smtClean="0"/>
+          </a:p>
+          <a:p>
+            <a:pPr marL="342900" indent="-342900">
+              <a:buFont typeface="Arial" panose="020B0604020202020204" pitchFamily="34" charset="0"/>
+              <a:buChar char="•"/>
+            </a:pPr>
+            <a:endParaRPr lang="en-US" sz="2000" dirty="0"/>
+          </a:p>
+          <a:p>
+            <a:pPr marL="342900" indent="-342900">
+              <a:buFont typeface="Arial" panose="020B0604020202020204" pitchFamily="34" charset="0"/>
+              <a:buChar char="•"/>
+            </a:pPr>
+            <a:r>
+              <a:rPr lang="en-US" sz="2000" dirty="0"/>
+              <a:t>④	Adding an </a:t>
+            </a:r>
+            <a:r>
+              <a:rPr lang="en-US" b="1" i="1" dirty="0">
+                <a:solidFill>
+                  <a:srgbClr val="0070C0"/>
+                </a:solidFill>
+                <a:latin typeface="Consolas" panose="020B0609020204030204" pitchFamily="49" charset="0"/>
+                <a:cs typeface="Consolas" panose="020B0609020204030204" pitchFamily="49" charset="0"/>
+              </a:rPr>
+              <a:t>int</a:t>
+            </a:r>
+            <a:r>
+              <a:rPr lang="en-US" sz="2000" dirty="0"/>
+              <a:t> to a </a:t>
+            </a:r>
+            <a:r>
+              <a:rPr lang="en-US" b="1" i="1" dirty="0">
+                <a:solidFill>
+                  <a:srgbClr val="0070C0"/>
+                </a:solidFill>
+                <a:latin typeface="Consolas" panose="020B0609020204030204" pitchFamily="49" charset="0"/>
+                <a:cs typeface="Consolas" panose="020B0609020204030204" pitchFamily="49" charset="0"/>
+              </a:rPr>
+              <a:t>float</a:t>
+            </a:r>
+            <a:r>
+              <a:rPr lang="en-US" sz="2000" dirty="0"/>
+              <a:t> yields a float. Python coerces the </a:t>
+            </a:r>
+            <a:r>
+              <a:rPr lang="en-US" b="1" i="1" dirty="0">
+                <a:solidFill>
+                  <a:srgbClr val="0070C0"/>
+                </a:solidFill>
+                <a:latin typeface="Consolas" panose="020B0609020204030204" pitchFamily="49" charset="0"/>
+                <a:cs typeface="Consolas" panose="020B0609020204030204" pitchFamily="49" charset="0"/>
+              </a:rPr>
+              <a:t>int</a:t>
+            </a:r>
+            <a:r>
+              <a:rPr lang="en-US" sz="2000" dirty="0"/>
+              <a:t> into a </a:t>
+            </a:r>
+            <a:r>
+              <a:rPr lang="en-US" b="1" i="1" dirty="0">
+                <a:solidFill>
+                  <a:srgbClr val="0070C0"/>
+                </a:solidFill>
+                <a:latin typeface="Consolas" panose="020B0609020204030204" pitchFamily="49" charset="0"/>
+                <a:cs typeface="Consolas" panose="020B0609020204030204" pitchFamily="49" charset="0"/>
+              </a:rPr>
+              <a:t>float</a:t>
+            </a:r>
+            <a:r>
+              <a:rPr lang="en-US" sz="2000" dirty="0"/>
+              <a:t> to perform the addition, then returns a </a:t>
+            </a:r>
+            <a:r>
+              <a:rPr lang="en-US" b="1" i="1" dirty="0">
+                <a:solidFill>
+                  <a:srgbClr val="0070C0"/>
+                </a:solidFill>
+                <a:latin typeface="Consolas" panose="020B0609020204030204" pitchFamily="49" charset="0"/>
+                <a:cs typeface="Consolas" panose="020B0609020204030204" pitchFamily="49" charset="0"/>
+              </a:rPr>
+              <a:t>float</a:t>
+            </a:r>
+            <a:r>
+              <a:rPr lang="en-US" sz="2000" dirty="0"/>
+              <a:t> as the result. </a:t>
+            </a:r>
+          </a:p>
+        </p:txBody>
+      </p:sp>
+      <p:sp>
+        <p:nvSpPr>
+          <p:cNvPr id="5" name="AutoShape 2" descr="http://raspberry.piaustralia.com.au/product-images/piwithbox.jpg"/>
+          <p:cNvSpPr>
+            <a:spLocks noChangeAspect="1" noChangeArrowheads="1"/>
+          </p:cNvSpPr>
+          <p:nvPr/>
+        </p:nvSpPr>
+        <p:spPr bwMode="auto">
+          <a:xfrm>
+            <a:off x="63500" y="-136525"/>
+            <a:ext cx="9772650" cy="6343650"/>
+          </a:xfrm>
+          <a:prstGeom prst="rect">
+            <a:avLst/>
+          </a:prstGeom>
+          <a:noFill/>
+          <a:extLst>
+            <a:ext uri="{909E8E84-426E-40DD-AFC4-6F175D3DCCD1}">
+              <a14:hiddenFill xmlns:a14="http://schemas.microsoft.com/office/drawing/2010/main">
+                <a:solidFill>
+                  <a:srgbClr val="FFFFFF"/>
+                </a:solidFill>
+              </a14:hiddenFill>
+            </a:ext>
+          </a:extLst>
+        </p:spPr>
+        <p:txBody>
+          <a:bodyPr vert="horz" wrap="square" lIns="91440" tIns="45720" rIns="91440" bIns="45720" numCol="1" anchor="t" anchorCtr="0" compatLnSpc="1">
+            <a:prstTxWarp prst="textNoShape">
+              <a:avLst/>
+            </a:prstTxWarp>
+          </a:bodyPr>
+          <a:lstStyle/>
+          <a:p>
+            <a:endParaRPr lang="en-US"/>
+          </a:p>
+        </p:txBody>
+      </p:sp>
+    </p:spTree>
+    <p:extLst>
+      <p:ext uri="{BB962C8B-B14F-4D97-AF65-F5344CB8AC3E}">
+        <p14:creationId xmlns:p14="http://schemas.microsoft.com/office/powerpoint/2010/main" val="2181045255"/>
+      </p:ext>
+    </p:extLst>
+  </p:cSld>
+  <p:clrMapOvr>
+    <a:masterClrMapping/>
+  </p:clrMapOvr>
+</p:sld>
+</file>
+
+<file path=ppt/slides/slide74.xml><?xml version="1.0" encoding="utf-8"?>
+<p:sld xmlns:a="http://schemas.openxmlformats.org/drawingml/2006/main" xmlns:r="http://schemas.openxmlformats.org/officeDocument/2006/relationships" xmlns:p="http://schemas.openxmlformats.org/presentationml/2006/main">
+  <p:cSld>
+    <p:spTree>
+      <p:nvGrpSpPr>
+        <p:cNvPr id="1" name=""/>
+        <p:cNvGrpSpPr/>
+        <p:nvPr/>
+      </p:nvGrpSpPr>
+      <p:grpSpPr>
+        <a:xfrm>
+          <a:off x="0" y="0"/>
+          <a:ext cx="0" cy="0"/>
+          <a:chOff x="0" y="0"/>
+          <a:chExt cx="0" cy="0"/>
+        </a:xfrm>
+      </p:grpSpPr>
+      <p:sp>
+        <p:nvSpPr>
+          <p:cNvPr id="4" name="Title 1"/>
+          <p:cNvSpPr txBox="1">
+            <a:spLocks/>
+          </p:cNvSpPr>
+          <p:nvPr/>
+        </p:nvSpPr>
+        <p:spPr>
+          <a:xfrm>
+            <a:off x="0" y="1"/>
+            <a:ext cx="12192000" cy="721216"/>
+          </a:xfrm>
+          <a:prstGeom prst="rect">
+            <a:avLst/>
+          </a:prstGeom>
+        </p:spPr>
+        <p:style>
+          <a:lnRef idx="0">
+            <a:schemeClr val="accent1"/>
+          </a:lnRef>
+          <a:fillRef idx="3">
+            <a:schemeClr val="accent1"/>
+          </a:fillRef>
+          <a:effectRef idx="3">
+            <a:schemeClr val="accent1"/>
+          </a:effectRef>
+          <a:fontRef idx="minor">
+            <a:schemeClr val="lt1"/>
+          </a:fontRef>
+        </p:style>
+        <p:txBody>
+          <a:bodyPr vert="horz" lIns="91440" tIns="45720" rIns="91440" bIns="45720" rtlCol="0" anchor="ctr">
+            <a:normAutofit/>
+          </a:bodyPr>
+          <a:lstStyle>
+            <a:lvl1pPr algn="l" defTabSz="914400" rtl="0" eaLnBrk="1" latinLnBrk="0" hangingPunct="1">
+              <a:lnSpc>
+                <a:spcPct val="90000"/>
+              </a:lnSpc>
+              <a:spcBef>
+                <a:spcPct val="0"/>
+              </a:spcBef>
+              <a:buNone/>
+              <a:defRPr sz="4400" kern="1200">
+                <a:solidFill>
+                  <a:schemeClr val="lt1"/>
+                </a:solidFill>
+                <a:latin typeface="+mn-lt"/>
+                <a:ea typeface="+mn-ea"/>
+                <a:cs typeface="+mn-cs"/>
+              </a:defRPr>
+            </a:lvl1pPr>
+            <a:lvl2pPr>
+              <a:defRPr>
+                <a:solidFill>
+                  <a:schemeClr val="lt1"/>
+                </a:solidFill>
+                <a:latin typeface="+mn-lt"/>
+                <a:ea typeface="+mn-ea"/>
+                <a:cs typeface="+mn-cs"/>
+              </a:defRPr>
+            </a:lvl2pPr>
+            <a:lvl3pPr>
+              <a:defRPr>
+                <a:solidFill>
+                  <a:schemeClr val="lt1"/>
+                </a:solidFill>
+                <a:latin typeface="+mn-lt"/>
+                <a:ea typeface="+mn-ea"/>
+                <a:cs typeface="+mn-cs"/>
+              </a:defRPr>
+            </a:lvl3pPr>
+            <a:lvl4pPr>
+              <a:defRPr>
+                <a:solidFill>
+                  <a:schemeClr val="lt1"/>
+                </a:solidFill>
+                <a:latin typeface="+mn-lt"/>
+                <a:ea typeface="+mn-ea"/>
+                <a:cs typeface="+mn-cs"/>
+              </a:defRPr>
+            </a:lvl4pPr>
+            <a:lvl5pPr>
+              <a:defRPr>
+                <a:solidFill>
+                  <a:schemeClr val="lt1"/>
+                </a:solidFill>
+                <a:latin typeface="+mn-lt"/>
+                <a:ea typeface="+mn-ea"/>
+                <a:cs typeface="+mn-cs"/>
+              </a:defRPr>
+            </a:lvl5pPr>
+            <a:lvl6pPr>
+              <a:defRPr>
+                <a:solidFill>
+                  <a:schemeClr val="lt1"/>
+                </a:solidFill>
+                <a:latin typeface="+mn-lt"/>
+                <a:ea typeface="+mn-ea"/>
+                <a:cs typeface="+mn-cs"/>
+              </a:defRPr>
+            </a:lvl6pPr>
+            <a:lvl7pPr>
+              <a:defRPr>
+                <a:solidFill>
+                  <a:schemeClr val="lt1"/>
+                </a:solidFill>
+                <a:latin typeface="+mn-lt"/>
+                <a:ea typeface="+mn-ea"/>
+                <a:cs typeface="+mn-cs"/>
+              </a:defRPr>
+            </a:lvl7pPr>
+            <a:lvl8pPr>
+              <a:defRPr>
+                <a:solidFill>
+                  <a:schemeClr val="lt1"/>
+                </a:solidFill>
+                <a:latin typeface="+mn-lt"/>
+                <a:ea typeface="+mn-ea"/>
+                <a:cs typeface="+mn-cs"/>
+              </a:defRPr>
+            </a:lvl8pPr>
+            <a:lvl9pPr>
+              <a:defRPr>
+                <a:solidFill>
+                  <a:schemeClr val="lt1"/>
+                </a:solidFill>
+                <a:latin typeface="+mn-lt"/>
+                <a:ea typeface="+mn-ea"/>
+                <a:cs typeface="+mn-cs"/>
+              </a:defRPr>
+            </a:lvl9pPr>
+          </a:lstStyle>
+          <a:p>
+            <a:r>
+              <a:rPr lang="en-US" dirty="0"/>
+              <a:t> </a:t>
+            </a:r>
+            <a:r>
+              <a:rPr lang="en-US" b="1" dirty="0">
+                <a:effectLst>
+                  <a:outerShdw blurRad="38100" dist="38100" dir="2700000" algn="tl">
+                    <a:srgbClr val="000000">
+                      <a:alpha val="43137"/>
+                    </a:srgbClr>
+                  </a:outerShdw>
+                </a:effectLst>
+              </a:rPr>
+              <a:t>Coercing Integers To Floats And Vice-Versa</a:t>
+            </a:r>
+            <a:endParaRPr lang="en-US" b="1" i="1" dirty="0">
+              <a:solidFill>
+                <a:srgbClr val="0070C0"/>
+              </a:solidFill>
+              <a:latin typeface="Consolas" panose="020B0609020204030204" pitchFamily="49" charset="0"/>
+              <a:cs typeface="Consolas" panose="020B0609020204030204" pitchFamily="49" charset="0"/>
+            </a:endParaRPr>
+          </a:p>
+        </p:txBody>
+      </p:sp>
+      <p:sp>
+        <p:nvSpPr>
+          <p:cNvPr id="2" name="TextBox 1"/>
+          <p:cNvSpPr txBox="1"/>
+          <p:nvPr/>
+        </p:nvSpPr>
+        <p:spPr>
+          <a:xfrm>
+            <a:off x="63501" y="857743"/>
+            <a:ext cx="12128500" cy="707886"/>
+          </a:xfrm>
+          <a:prstGeom prst="rect">
+            <a:avLst/>
+          </a:prstGeom>
+          <a:noFill/>
+        </p:spPr>
+        <p:txBody>
+          <a:bodyPr wrap="square" rtlCol="0">
+            <a:spAutoFit/>
+          </a:bodyPr>
+          <a:lstStyle/>
+          <a:p>
+            <a:pPr marL="342900" indent="-342900">
+              <a:buFont typeface="Arial" panose="020B0604020202020204" pitchFamily="34" charset="0"/>
+              <a:buChar char="•"/>
+            </a:pPr>
+            <a:r>
+              <a:rPr lang="en-US" sz="2000" dirty="0" smtClean="0"/>
+              <a:t>As </a:t>
+            </a:r>
+            <a:r>
+              <a:rPr lang="en-US" sz="2000" dirty="0"/>
+              <a:t>you just saw, some operators (like addition) will coerce integers to floating point numbers as needed. You can also coerce them by yourself</a:t>
+            </a:r>
+            <a:r>
+              <a:rPr lang="en-US" sz="2000" dirty="0" smtClean="0"/>
+              <a:t>.</a:t>
+            </a:r>
+          </a:p>
+        </p:txBody>
+      </p:sp>
+      <p:sp>
+        <p:nvSpPr>
+          <p:cNvPr id="5" name="AutoShape 2" descr="http://raspberry.piaustralia.com.au/product-images/piwithbox.jpg"/>
+          <p:cNvSpPr>
+            <a:spLocks noChangeAspect="1" noChangeArrowheads="1"/>
+          </p:cNvSpPr>
+          <p:nvPr/>
+        </p:nvSpPr>
+        <p:spPr bwMode="auto">
+          <a:xfrm>
+            <a:off x="63500" y="-136525"/>
+            <a:ext cx="9772650" cy="6343650"/>
+          </a:xfrm>
+          <a:prstGeom prst="rect">
+            <a:avLst/>
+          </a:prstGeom>
+          <a:noFill/>
+          <a:extLst>
+            <a:ext uri="{909E8E84-426E-40DD-AFC4-6F175D3DCCD1}">
+              <a14:hiddenFill xmlns:a14="http://schemas.microsoft.com/office/drawing/2010/main">
+                <a:solidFill>
+                  <a:srgbClr val="FFFFFF"/>
+                </a:solidFill>
+              </a14:hiddenFill>
+            </a:ext>
+          </a:extLst>
+        </p:spPr>
+        <p:txBody>
+          <a:bodyPr vert="horz" wrap="square" lIns="91440" tIns="45720" rIns="91440" bIns="45720" numCol="1" anchor="t" anchorCtr="0" compatLnSpc="1">
+            <a:prstTxWarp prst="textNoShape">
+              <a:avLst/>
+            </a:prstTxWarp>
+          </a:bodyPr>
+          <a:lstStyle/>
+          <a:p>
+            <a:endParaRPr lang="en-US"/>
+          </a:p>
+        </p:txBody>
+      </p:sp>
+      <p:pic>
+        <p:nvPicPr>
+          <p:cNvPr id="3" name="Picture 2"/>
+          <p:cNvPicPr>
+            <a:picLocks noChangeAspect="1"/>
+          </p:cNvPicPr>
+          <p:nvPr/>
+        </p:nvPicPr>
+        <p:blipFill>
+          <a:blip r:embed="rId2"/>
+          <a:stretch>
+            <a:fillRect/>
+          </a:stretch>
+        </p:blipFill>
+        <p:spPr>
+          <a:xfrm>
+            <a:off x="795202" y="1702155"/>
+            <a:ext cx="3390900" cy="4991100"/>
+          </a:xfrm>
+          <a:prstGeom prst="rect">
+            <a:avLst/>
+          </a:prstGeom>
+        </p:spPr>
+      </p:pic>
+      <p:graphicFrame>
+        <p:nvGraphicFramePr>
+          <p:cNvPr id="6" name="Table 5"/>
+          <p:cNvGraphicFramePr>
+            <a:graphicFrameLocks noGrp="1"/>
+          </p:cNvGraphicFramePr>
+          <p:nvPr>
+            <p:extLst>
+              <p:ext uri="{D42A27DB-BD31-4B8C-83A1-F6EECF244321}">
+                <p14:modId xmlns:p14="http://schemas.microsoft.com/office/powerpoint/2010/main" val="3662570804"/>
+              </p:ext>
+            </p:extLst>
+          </p:nvPr>
+        </p:nvGraphicFramePr>
+        <p:xfrm>
+          <a:off x="3868056" y="3403050"/>
+          <a:ext cx="6181636" cy="365760"/>
+        </p:xfrm>
+        <a:graphic>
+          <a:graphicData uri="http://schemas.openxmlformats.org/drawingml/2006/table">
+            <a:tbl>
+              <a:tblPr/>
+              <a:tblGrid>
+                <a:gridCol w="208280">
+                  <a:extLst>
+                    <a:ext uri="{9D8B030D-6E8A-4147-A177-3AD203B41FA5}">
+                      <a16:colId xmlns:a16="http://schemas.microsoft.com/office/drawing/2014/main" val="2214285226"/>
+                    </a:ext>
+                  </a:extLst>
+                </a:gridCol>
+                <a:gridCol w="5973356">
+                  <a:extLst>
+                    <a:ext uri="{9D8B030D-6E8A-4147-A177-3AD203B41FA5}">
+                      <a16:colId xmlns:a16="http://schemas.microsoft.com/office/drawing/2014/main" val="2762914313"/>
+                    </a:ext>
+                  </a:extLst>
+                </a:gridCol>
+              </a:tblGrid>
+              <a:tr h="0">
+                <a:tc>
+                  <a:txBody>
+                    <a:bodyPr/>
+                    <a:lstStyle/>
+                    <a:p>
+                      <a:pPr marL="0" marR="0" algn="ctr" fontAlgn="base">
+                        <a:spcBef>
+                          <a:spcPts val="0"/>
+                        </a:spcBef>
+                        <a:spcAft>
+                          <a:spcPts val="0"/>
+                        </a:spcAft>
+                      </a:pPr>
+                      <a:endParaRPr lang="en-US" b="1" dirty="0">
+                        <a:effectLst/>
+                      </a:endParaRPr>
+                    </a:p>
+                  </a:txBody>
+                  <a:tcPr anchor="ctr">
+                    <a:lnL>
+                      <a:noFill/>
+                    </a:lnL>
+                    <a:lnR>
+                      <a:noFill/>
+                    </a:lnR>
+                    <a:lnT>
+                      <a:noFill/>
+                    </a:lnT>
+                    <a:lnB>
+                      <a:noFill/>
+                    </a:lnB>
+                  </a:tcPr>
+                </a:tc>
+                <a:tc>
+                  <a:txBody>
+                    <a:bodyPr/>
+                    <a:lstStyle/>
+                    <a:p>
+                      <a:pPr fontAlgn="t"/>
+                      <a:r>
+                        <a:rPr lang="en-US" b="1" dirty="0" smtClean="0">
+                          <a:effectLst/>
+                        </a:rPr>
+                        <a:t>The </a:t>
+                      </a:r>
+                      <a:r>
+                        <a:rPr lang="en-US" sz="1800" b="1" i="1" kern="1200" dirty="0" smtClean="0">
+                          <a:solidFill>
+                            <a:srgbClr val="0070C0"/>
+                          </a:solidFill>
+                          <a:latin typeface="Consolas" panose="020B0609020204030204" pitchFamily="49" charset="0"/>
+                          <a:ea typeface="+mn-ea"/>
+                          <a:cs typeface="Consolas" panose="020B0609020204030204" pitchFamily="49" charset="0"/>
+                        </a:rPr>
+                        <a:t>int() </a:t>
+                      </a:r>
+                      <a:r>
+                        <a:rPr lang="en-US" b="1" dirty="0" smtClean="0">
+                          <a:effectLst/>
+                        </a:rPr>
+                        <a:t>function will truncate, not round.</a:t>
+                      </a:r>
+                      <a:endParaRPr lang="en-US" b="1" dirty="0">
+                        <a:effectLst/>
+                      </a:endParaRPr>
+                    </a:p>
+                  </a:txBody>
+                  <a:tcPr>
+                    <a:lnL>
+                      <a:noFill/>
+                    </a:lnL>
+                    <a:lnR>
+                      <a:noFill/>
+                    </a:lnR>
+                    <a:lnT>
+                      <a:noFill/>
+                    </a:lnT>
+                    <a:lnB>
+                      <a:noFill/>
+                    </a:lnB>
+                  </a:tcPr>
+                </a:tc>
+                <a:extLst>
+                  <a:ext uri="{0D108BD9-81ED-4DB2-BD59-A6C34878D82A}">
+                    <a16:rowId xmlns:a16="http://schemas.microsoft.com/office/drawing/2014/main" val="1861997688"/>
+                  </a:ext>
+                </a:extLst>
+              </a:tr>
+            </a:tbl>
+          </a:graphicData>
+        </a:graphic>
+      </p:graphicFrame>
+      <p:sp>
+        <p:nvSpPr>
+          <p:cNvPr id="7" name="Rectangle 6"/>
+          <p:cNvSpPr/>
+          <p:nvPr/>
+        </p:nvSpPr>
+        <p:spPr>
+          <a:xfrm>
+            <a:off x="4200613" y="5100373"/>
+            <a:ext cx="5621026" cy="369332"/>
+          </a:xfrm>
+          <a:prstGeom prst="rect">
+            <a:avLst/>
+          </a:prstGeom>
+        </p:spPr>
+        <p:txBody>
+          <a:bodyPr wrap="none">
+            <a:spAutoFit/>
+          </a:bodyPr>
+          <a:lstStyle/>
+          <a:p>
+            <a:r>
+              <a:rPr lang="en-US" b="1" smtClean="0"/>
+              <a:t>Floating point numbers are accurate to 15 decimal places</a:t>
+            </a:r>
+            <a:endParaRPr lang="en-US" b="1" dirty="0"/>
+          </a:p>
+        </p:txBody>
+      </p:sp>
+      <p:sp>
+        <p:nvSpPr>
+          <p:cNvPr id="8" name="Rectangle 7"/>
+          <p:cNvSpPr/>
+          <p:nvPr/>
+        </p:nvSpPr>
+        <p:spPr>
+          <a:xfrm>
+            <a:off x="4200613" y="5906056"/>
+            <a:ext cx="3214919" cy="369332"/>
+          </a:xfrm>
+          <a:prstGeom prst="rect">
+            <a:avLst/>
+          </a:prstGeom>
+        </p:spPr>
+        <p:txBody>
+          <a:bodyPr wrap="none">
+            <a:spAutoFit/>
+          </a:bodyPr>
+          <a:lstStyle/>
+          <a:p>
+            <a:r>
+              <a:rPr lang="en-US" b="1" dirty="0"/>
+              <a:t>Integers can be arbitrarily large.</a:t>
+            </a:r>
+          </a:p>
+        </p:txBody>
+      </p:sp>
+    </p:spTree>
+    <p:extLst>
+      <p:ext uri="{BB962C8B-B14F-4D97-AF65-F5344CB8AC3E}">
+        <p14:creationId xmlns:p14="http://schemas.microsoft.com/office/powerpoint/2010/main" val="2003138293"/>
+      </p:ext>
+    </p:extLst>
+  </p:cSld>
+  <p:clrMapOvr>
+    <a:masterClrMapping/>
+  </p:clrMapOvr>
+</p:sld>
+</file>
+
+<file path=ppt/slides/slide75.xml><?xml version="1.0" encoding="utf-8"?>
+<p:sld xmlns:a="http://schemas.openxmlformats.org/drawingml/2006/main" xmlns:r="http://schemas.openxmlformats.org/officeDocument/2006/relationships" xmlns:p="http://schemas.openxmlformats.org/presentationml/2006/main">
+  <p:cSld>
+    <p:spTree>
+      <p:nvGrpSpPr>
+        <p:cNvPr id="1" name=""/>
+        <p:cNvGrpSpPr/>
+        <p:nvPr/>
+      </p:nvGrpSpPr>
+      <p:grpSpPr>
+        <a:xfrm>
+          <a:off x="0" y="0"/>
+          <a:ext cx="0" cy="0"/>
+          <a:chOff x="0" y="0"/>
+          <a:chExt cx="0" cy="0"/>
+        </a:xfrm>
+      </p:grpSpPr>
+      <p:sp>
+        <p:nvSpPr>
+          <p:cNvPr id="4" name="Title 1"/>
+          <p:cNvSpPr txBox="1">
+            <a:spLocks/>
+          </p:cNvSpPr>
+          <p:nvPr/>
+        </p:nvSpPr>
+        <p:spPr>
+          <a:xfrm>
+            <a:off x="0" y="1"/>
+            <a:ext cx="12192000" cy="721216"/>
+          </a:xfrm>
+          <a:prstGeom prst="rect">
+            <a:avLst/>
+          </a:prstGeom>
+        </p:spPr>
+        <p:style>
+          <a:lnRef idx="0">
+            <a:schemeClr val="accent1"/>
+          </a:lnRef>
+          <a:fillRef idx="3">
+            <a:schemeClr val="accent1"/>
+          </a:fillRef>
+          <a:effectRef idx="3">
+            <a:schemeClr val="accent1"/>
+          </a:effectRef>
+          <a:fontRef idx="minor">
+            <a:schemeClr val="lt1"/>
+          </a:fontRef>
+        </p:style>
+        <p:txBody>
+          <a:bodyPr vert="horz" lIns="91440" tIns="45720" rIns="91440" bIns="45720" rtlCol="0" anchor="ctr">
+            <a:normAutofit/>
+          </a:bodyPr>
+          <a:lstStyle>
+            <a:lvl1pPr algn="l" defTabSz="914400" rtl="0" eaLnBrk="1" latinLnBrk="0" hangingPunct="1">
+              <a:lnSpc>
+                <a:spcPct val="90000"/>
+              </a:lnSpc>
+              <a:spcBef>
+                <a:spcPct val="0"/>
+              </a:spcBef>
+              <a:buNone/>
+              <a:defRPr sz="4400" kern="1200">
+                <a:solidFill>
+                  <a:schemeClr val="lt1"/>
+                </a:solidFill>
+                <a:latin typeface="+mn-lt"/>
+                <a:ea typeface="+mn-ea"/>
+                <a:cs typeface="+mn-cs"/>
+              </a:defRPr>
+            </a:lvl1pPr>
+            <a:lvl2pPr>
+              <a:defRPr>
+                <a:solidFill>
+                  <a:schemeClr val="lt1"/>
+                </a:solidFill>
+                <a:latin typeface="+mn-lt"/>
+                <a:ea typeface="+mn-ea"/>
+                <a:cs typeface="+mn-cs"/>
+              </a:defRPr>
+            </a:lvl2pPr>
+            <a:lvl3pPr>
+              <a:defRPr>
+                <a:solidFill>
+                  <a:schemeClr val="lt1"/>
+                </a:solidFill>
+                <a:latin typeface="+mn-lt"/>
+                <a:ea typeface="+mn-ea"/>
+                <a:cs typeface="+mn-cs"/>
+              </a:defRPr>
+            </a:lvl3pPr>
+            <a:lvl4pPr>
+              <a:defRPr>
+                <a:solidFill>
+                  <a:schemeClr val="lt1"/>
+                </a:solidFill>
+                <a:latin typeface="+mn-lt"/>
+                <a:ea typeface="+mn-ea"/>
+                <a:cs typeface="+mn-cs"/>
+              </a:defRPr>
+            </a:lvl4pPr>
+            <a:lvl5pPr>
+              <a:defRPr>
+                <a:solidFill>
+                  <a:schemeClr val="lt1"/>
+                </a:solidFill>
+                <a:latin typeface="+mn-lt"/>
+                <a:ea typeface="+mn-ea"/>
+                <a:cs typeface="+mn-cs"/>
+              </a:defRPr>
+            </a:lvl5pPr>
+            <a:lvl6pPr>
+              <a:defRPr>
+                <a:solidFill>
+                  <a:schemeClr val="lt1"/>
+                </a:solidFill>
+                <a:latin typeface="+mn-lt"/>
+                <a:ea typeface="+mn-ea"/>
+                <a:cs typeface="+mn-cs"/>
+              </a:defRPr>
+            </a:lvl6pPr>
+            <a:lvl7pPr>
+              <a:defRPr>
+                <a:solidFill>
+                  <a:schemeClr val="lt1"/>
+                </a:solidFill>
+                <a:latin typeface="+mn-lt"/>
+                <a:ea typeface="+mn-ea"/>
+                <a:cs typeface="+mn-cs"/>
+              </a:defRPr>
+            </a:lvl7pPr>
+            <a:lvl8pPr>
+              <a:defRPr>
+                <a:solidFill>
+                  <a:schemeClr val="lt1"/>
+                </a:solidFill>
+                <a:latin typeface="+mn-lt"/>
+                <a:ea typeface="+mn-ea"/>
+                <a:cs typeface="+mn-cs"/>
+              </a:defRPr>
+            </a:lvl8pPr>
+            <a:lvl9pPr>
+              <a:defRPr>
+                <a:solidFill>
+                  <a:schemeClr val="lt1"/>
+                </a:solidFill>
+                <a:latin typeface="+mn-lt"/>
+                <a:ea typeface="+mn-ea"/>
+                <a:cs typeface="+mn-cs"/>
+              </a:defRPr>
+            </a:lvl9pPr>
+          </a:lstStyle>
+          <a:p>
+            <a:r>
+              <a:rPr lang="en-US" dirty="0"/>
+              <a:t> </a:t>
+            </a:r>
+            <a:r>
+              <a:rPr lang="en-US" b="1" dirty="0">
+                <a:effectLst>
+                  <a:outerShdw blurRad="38100" dist="38100" dir="2700000" algn="tl">
+                    <a:srgbClr val="000000">
+                      <a:alpha val="43137"/>
+                    </a:srgbClr>
+                  </a:outerShdw>
+                </a:effectLst>
+              </a:rPr>
+              <a:t>Coercing Integers To Floats And Vice-Versa</a:t>
+            </a:r>
+            <a:endParaRPr lang="en-US" b="1" i="1" dirty="0">
+              <a:solidFill>
+                <a:srgbClr val="0070C0"/>
+              </a:solidFill>
+              <a:latin typeface="Consolas" panose="020B0609020204030204" pitchFamily="49" charset="0"/>
+              <a:cs typeface="Consolas" panose="020B0609020204030204" pitchFamily="49" charset="0"/>
+            </a:endParaRPr>
+          </a:p>
+        </p:txBody>
+      </p:sp>
+      <p:sp>
+        <p:nvSpPr>
+          <p:cNvPr id="2" name="TextBox 1"/>
+          <p:cNvSpPr txBox="1"/>
+          <p:nvPr/>
+        </p:nvSpPr>
+        <p:spPr>
+          <a:xfrm>
+            <a:off x="63501" y="857743"/>
+            <a:ext cx="12128500" cy="707886"/>
+          </a:xfrm>
+          <a:prstGeom prst="rect">
+            <a:avLst/>
+          </a:prstGeom>
+          <a:noFill/>
+        </p:spPr>
+        <p:txBody>
+          <a:bodyPr wrap="square" rtlCol="0">
+            <a:spAutoFit/>
+          </a:bodyPr>
+          <a:lstStyle/>
+          <a:p>
+            <a:pPr marL="342900" indent="-342900">
+              <a:buFont typeface="Arial" panose="020B0604020202020204" pitchFamily="34" charset="0"/>
+              <a:buChar char="•"/>
+            </a:pPr>
+            <a:r>
+              <a:rPr lang="en-US" sz="2000" dirty="0" smtClean="0"/>
+              <a:t>As </a:t>
+            </a:r>
+            <a:r>
+              <a:rPr lang="en-US" sz="2000" dirty="0"/>
+              <a:t>you just saw, some operators (like addition) will coerce integers to floating point numbers as needed. You can also coerce them by yourself</a:t>
+            </a:r>
+            <a:r>
+              <a:rPr lang="en-US" sz="2000" dirty="0" smtClean="0"/>
+              <a:t>.</a:t>
+            </a:r>
+          </a:p>
+        </p:txBody>
+      </p:sp>
+      <p:sp>
+        <p:nvSpPr>
+          <p:cNvPr id="5" name="AutoShape 2" descr="http://raspberry.piaustralia.com.au/product-images/piwithbox.jpg"/>
+          <p:cNvSpPr>
+            <a:spLocks noChangeAspect="1" noChangeArrowheads="1"/>
+          </p:cNvSpPr>
+          <p:nvPr/>
+        </p:nvSpPr>
+        <p:spPr bwMode="auto">
+          <a:xfrm>
+            <a:off x="63500" y="-136525"/>
+            <a:ext cx="9772650" cy="6343650"/>
+          </a:xfrm>
+          <a:prstGeom prst="rect">
+            <a:avLst/>
+          </a:prstGeom>
+          <a:noFill/>
+          <a:extLst>
+            <a:ext uri="{909E8E84-426E-40DD-AFC4-6F175D3DCCD1}">
+              <a14:hiddenFill xmlns:a14="http://schemas.microsoft.com/office/drawing/2010/main">
+                <a:solidFill>
+                  <a:srgbClr val="FFFFFF"/>
+                </a:solidFill>
+              </a14:hiddenFill>
+            </a:ext>
+          </a:extLst>
+        </p:spPr>
+        <p:txBody>
+          <a:bodyPr vert="horz" wrap="square" lIns="91440" tIns="45720" rIns="91440" bIns="45720" numCol="1" anchor="t" anchorCtr="0" compatLnSpc="1">
+            <a:prstTxWarp prst="textNoShape">
+              <a:avLst/>
+            </a:prstTxWarp>
+          </a:bodyPr>
+          <a:lstStyle/>
+          <a:p>
+            <a:endParaRPr lang="en-US"/>
+          </a:p>
+        </p:txBody>
+      </p:sp>
+      <p:pic>
+        <p:nvPicPr>
+          <p:cNvPr id="3" name="Picture 2"/>
+          <p:cNvPicPr>
+            <a:picLocks noChangeAspect="1"/>
+          </p:cNvPicPr>
+          <p:nvPr/>
+        </p:nvPicPr>
+        <p:blipFill>
+          <a:blip r:embed="rId2"/>
+          <a:stretch>
+            <a:fillRect/>
+          </a:stretch>
+        </p:blipFill>
+        <p:spPr>
+          <a:xfrm>
+            <a:off x="795202" y="1702155"/>
+            <a:ext cx="3390900" cy="4991100"/>
+          </a:xfrm>
+          <a:prstGeom prst="rect">
+            <a:avLst/>
+          </a:prstGeom>
+        </p:spPr>
+      </p:pic>
+      <p:graphicFrame>
+        <p:nvGraphicFramePr>
+          <p:cNvPr id="6" name="Table 5"/>
+          <p:cNvGraphicFramePr>
+            <a:graphicFrameLocks noGrp="1"/>
+          </p:cNvGraphicFramePr>
+          <p:nvPr>
+            <p:extLst>
+              <p:ext uri="{D42A27DB-BD31-4B8C-83A1-F6EECF244321}">
+                <p14:modId xmlns:p14="http://schemas.microsoft.com/office/powerpoint/2010/main" val="3120219072"/>
+              </p:ext>
+            </p:extLst>
+          </p:nvPr>
+        </p:nvGraphicFramePr>
+        <p:xfrm>
+          <a:off x="3868056" y="3403050"/>
+          <a:ext cx="6181636" cy="365760"/>
+        </p:xfrm>
+        <a:graphic>
+          <a:graphicData uri="http://schemas.openxmlformats.org/drawingml/2006/table">
+            <a:tbl>
+              <a:tblPr/>
+              <a:tblGrid>
+                <a:gridCol w="208280">
+                  <a:extLst>
+                    <a:ext uri="{9D8B030D-6E8A-4147-A177-3AD203B41FA5}">
+                      <a16:colId xmlns:a16="http://schemas.microsoft.com/office/drawing/2014/main" val="2214285226"/>
+                    </a:ext>
+                  </a:extLst>
+                </a:gridCol>
+                <a:gridCol w="5973356">
+                  <a:extLst>
+                    <a:ext uri="{9D8B030D-6E8A-4147-A177-3AD203B41FA5}">
+                      <a16:colId xmlns:a16="http://schemas.microsoft.com/office/drawing/2014/main" val="2762914313"/>
+                    </a:ext>
+                  </a:extLst>
+                </a:gridCol>
+              </a:tblGrid>
+              <a:tr h="0">
+                <a:tc>
+                  <a:txBody>
+                    <a:bodyPr/>
+                    <a:lstStyle/>
+                    <a:p>
+                      <a:pPr marL="0" marR="0" algn="ctr" fontAlgn="base">
+                        <a:spcBef>
+                          <a:spcPts val="0"/>
+                        </a:spcBef>
+                        <a:spcAft>
+                          <a:spcPts val="0"/>
+                        </a:spcAft>
+                      </a:pPr>
+                      <a:endParaRPr lang="en-US" b="1" dirty="0">
+                        <a:effectLst/>
+                      </a:endParaRPr>
+                    </a:p>
+                  </a:txBody>
+                  <a:tcPr anchor="ctr">
+                    <a:lnL>
+                      <a:noFill/>
+                    </a:lnL>
+                    <a:lnR>
+                      <a:noFill/>
+                    </a:lnR>
+                    <a:lnT>
+                      <a:noFill/>
+                    </a:lnT>
+                    <a:lnB>
+                      <a:noFill/>
+                    </a:lnB>
+                  </a:tcPr>
+                </a:tc>
+                <a:tc>
+                  <a:txBody>
+                    <a:bodyPr/>
+                    <a:lstStyle/>
+                    <a:p>
+                      <a:pPr fontAlgn="t"/>
+                      <a:r>
+                        <a:rPr lang="en-US" b="1" dirty="0" smtClean="0">
+                          <a:effectLst/>
+                        </a:rPr>
+                        <a:t>The </a:t>
+                      </a:r>
+                      <a:r>
+                        <a:rPr lang="en-US" sz="1800" b="1" i="1" kern="1200" dirty="0" smtClean="0">
+                          <a:solidFill>
+                            <a:srgbClr val="0070C0"/>
+                          </a:solidFill>
+                          <a:latin typeface="Consolas" panose="020B0609020204030204" pitchFamily="49" charset="0"/>
+                          <a:ea typeface="+mn-ea"/>
+                          <a:cs typeface="Consolas" panose="020B0609020204030204" pitchFamily="49" charset="0"/>
+                        </a:rPr>
+                        <a:t>int() </a:t>
+                      </a:r>
+                      <a:r>
+                        <a:rPr lang="en-US" b="1" dirty="0" smtClean="0">
+                          <a:effectLst/>
+                        </a:rPr>
+                        <a:t>function will truncate, not round.</a:t>
+                      </a:r>
+                      <a:endParaRPr lang="en-US" b="1" dirty="0">
+                        <a:effectLst/>
+                      </a:endParaRPr>
+                    </a:p>
+                  </a:txBody>
+                  <a:tcPr>
+                    <a:lnL>
+                      <a:noFill/>
+                    </a:lnL>
+                    <a:lnR>
+                      <a:noFill/>
+                    </a:lnR>
+                    <a:lnT>
+                      <a:noFill/>
+                    </a:lnT>
+                    <a:lnB>
+                      <a:noFill/>
+                    </a:lnB>
+                  </a:tcPr>
+                </a:tc>
+                <a:extLst>
+                  <a:ext uri="{0D108BD9-81ED-4DB2-BD59-A6C34878D82A}">
+                    <a16:rowId xmlns:a16="http://schemas.microsoft.com/office/drawing/2014/main" val="1861997688"/>
+                  </a:ext>
+                </a:extLst>
+              </a:tr>
+            </a:tbl>
+          </a:graphicData>
+        </a:graphic>
+      </p:graphicFrame>
+      <p:sp>
+        <p:nvSpPr>
+          <p:cNvPr id="7" name="Rectangle 6"/>
+          <p:cNvSpPr/>
+          <p:nvPr/>
+        </p:nvSpPr>
+        <p:spPr>
+          <a:xfrm>
+            <a:off x="4200613" y="5100373"/>
+            <a:ext cx="5621026" cy="369332"/>
+          </a:xfrm>
+          <a:prstGeom prst="rect">
+            <a:avLst/>
+          </a:prstGeom>
+        </p:spPr>
+        <p:txBody>
+          <a:bodyPr wrap="none">
+            <a:spAutoFit/>
+          </a:bodyPr>
+          <a:lstStyle/>
+          <a:p>
+            <a:r>
+              <a:rPr lang="en-US" b="1" smtClean="0"/>
+              <a:t>Floating point numbers are accurate to 15 decimal places</a:t>
+            </a:r>
+            <a:endParaRPr lang="en-US" b="1" dirty="0"/>
+          </a:p>
+        </p:txBody>
+      </p:sp>
+      <p:sp>
+        <p:nvSpPr>
+          <p:cNvPr id="8" name="Rectangle 7"/>
+          <p:cNvSpPr/>
+          <p:nvPr/>
+        </p:nvSpPr>
+        <p:spPr>
+          <a:xfrm>
+            <a:off x="4200613" y="5906056"/>
+            <a:ext cx="3214919" cy="369332"/>
+          </a:xfrm>
+          <a:prstGeom prst="rect">
+            <a:avLst/>
+          </a:prstGeom>
+        </p:spPr>
+        <p:txBody>
+          <a:bodyPr wrap="none">
+            <a:spAutoFit/>
+          </a:bodyPr>
+          <a:lstStyle/>
+          <a:p>
+            <a:r>
+              <a:rPr lang="en-US" b="1" dirty="0"/>
+              <a:t>Integers can be arbitrarily large.</a:t>
+            </a:r>
+          </a:p>
+        </p:txBody>
+      </p:sp>
+    </p:spTree>
+    <p:extLst>
+      <p:ext uri="{BB962C8B-B14F-4D97-AF65-F5344CB8AC3E}">
+        <p14:creationId xmlns:p14="http://schemas.microsoft.com/office/powerpoint/2010/main" val="1787556048"/>
+      </p:ext>
+    </p:extLst>
+  </p:cSld>
+  <p:clrMapOvr>
+    <a:masterClrMapping/>
+  </p:clrMapOvr>
+</p:sld>
+</file>
+
+<file path=ppt/slides/slide76.xml><?xml version="1.0" encoding="utf-8"?>
+<p:sld xmlns:a="http://schemas.openxmlformats.org/drawingml/2006/main" xmlns:r="http://schemas.openxmlformats.org/officeDocument/2006/relationships" xmlns:p="http://schemas.openxmlformats.org/presentationml/2006/main">
+  <p:cSld>
+    <p:spTree>
+      <p:nvGrpSpPr>
+        <p:cNvPr id="1" name=""/>
+        <p:cNvGrpSpPr/>
+        <p:nvPr/>
+      </p:nvGrpSpPr>
+      <p:grpSpPr>
+        <a:xfrm>
+          <a:off x="0" y="0"/>
+          <a:ext cx="0" cy="0"/>
+          <a:chOff x="0" y="0"/>
+          <a:chExt cx="0" cy="0"/>
+        </a:xfrm>
+      </p:grpSpPr>
+      <p:sp>
+        <p:nvSpPr>
+          <p:cNvPr id="4" name="Title 1"/>
+          <p:cNvSpPr txBox="1">
+            <a:spLocks/>
+          </p:cNvSpPr>
+          <p:nvPr/>
+        </p:nvSpPr>
+        <p:spPr>
+          <a:xfrm>
+            <a:off x="0" y="1"/>
+            <a:ext cx="12192000" cy="721216"/>
+          </a:xfrm>
+          <a:prstGeom prst="rect">
+            <a:avLst/>
+          </a:prstGeom>
+        </p:spPr>
+        <p:style>
+          <a:lnRef idx="0">
+            <a:schemeClr val="accent1"/>
+          </a:lnRef>
+          <a:fillRef idx="3">
+            <a:schemeClr val="accent1"/>
+          </a:fillRef>
+          <a:effectRef idx="3">
+            <a:schemeClr val="accent1"/>
+          </a:effectRef>
+          <a:fontRef idx="minor">
+            <a:schemeClr val="lt1"/>
+          </a:fontRef>
+        </p:style>
+        <p:txBody>
+          <a:bodyPr vert="horz" lIns="91440" tIns="45720" rIns="91440" bIns="45720" rtlCol="0" anchor="ctr">
+            <a:normAutofit/>
+          </a:bodyPr>
+          <a:lstStyle>
+            <a:lvl1pPr algn="l" defTabSz="914400" rtl="0" eaLnBrk="1" latinLnBrk="0" hangingPunct="1">
+              <a:lnSpc>
+                <a:spcPct val="90000"/>
+              </a:lnSpc>
+              <a:spcBef>
+                <a:spcPct val="0"/>
+              </a:spcBef>
+              <a:buNone/>
+              <a:defRPr sz="4400" kern="1200">
+                <a:solidFill>
+                  <a:schemeClr val="lt1"/>
+                </a:solidFill>
+                <a:latin typeface="+mn-lt"/>
+                <a:ea typeface="+mn-ea"/>
+                <a:cs typeface="+mn-cs"/>
+              </a:defRPr>
+            </a:lvl1pPr>
+            <a:lvl2pPr>
+              <a:defRPr>
+                <a:solidFill>
+                  <a:schemeClr val="lt1"/>
+                </a:solidFill>
+                <a:latin typeface="+mn-lt"/>
+                <a:ea typeface="+mn-ea"/>
+                <a:cs typeface="+mn-cs"/>
+              </a:defRPr>
+            </a:lvl2pPr>
+            <a:lvl3pPr>
+              <a:defRPr>
+                <a:solidFill>
+                  <a:schemeClr val="lt1"/>
+                </a:solidFill>
+                <a:latin typeface="+mn-lt"/>
+                <a:ea typeface="+mn-ea"/>
+                <a:cs typeface="+mn-cs"/>
+              </a:defRPr>
+            </a:lvl3pPr>
+            <a:lvl4pPr>
+              <a:defRPr>
+                <a:solidFill>
+                  <a:schemeClr val="lt1"/>
+                </a:solidFill>
+                <a:latin typeface="+mn-lt"/>
+                <a:ea typeface="+mn-ea"/>
+                <a:cs typeface="+mn-cs"/>
+              </a:defRPr>
+            </a:lvl4pPr>
+            <a:lvl5pPr>
+              <a:defRPr>
+                <a:solidFill>
+                  <a:schemeClr val="lt1"/>
+                </a:solidFill>
+                <a:latin typeface="+mn-lt"/>
+                <a:ea typeface="+mn-ea"/>
+                <a:cs typeface="+mn-cs"/>
+              </a:defRPr>
+            </a:lvl5pPr>
+            <a:lvl6pPr>
+              <a:defRPr>
+                <a:solidFill>
+                  <a:schemeClr val="lt1"/>
+                </a:solidFill>
+                <a:latin typeface="+mn-lt"/>
+                <a:ea typeface="+mn-ea"/>
+                <a:cs typeface="+mn-cs"/>
+              </a:defRPr>
+            </a:lvl6pPr>
+            <a:lvl7pPr>
+              <a:defRPr>
+                <a:solidFill>
+                  <a:schemeClr val="lt1"/>
+                </a:solidFill>
+                <a:latin typeface="+mn-lt"/>
+                <a:ea typeface="+mn-ea"/>
+                <a:cs typeface="+mn-cs"/>
+              </a:defRPr>
+            </a:lvl7pPr>
+            <a:lvl8pPr>
+              <a:defRPr>
+                <a:solidFill>
+                  <a:schemeClr val="lt1"/>
+                </a:solidFill>
+                <a:latin typeface="+mn-lt"/>
+                <a:ea typeface="+mn-ea"/>
+                <a:cs typeface="+mn-cs"/>
+              </a:defRPr>
+            </a:lvl8pPr>
+            <a:lvl9pPr>
+              <a:defRPr>
+                <a:solidFill>
+                  <a:schemeClr val="lt1"/>
+                </a:solidFill>
+                <a:latin typeface="+mn-lt"/>
+                <a:ea typeface="+mn-ea"/>
+                <a:cs typeface="+mn-cs"/>
+              </a:defRPr>
+            </a:lvl9pPr>
+          </a:lstStyle>
+          <a:p>
+            <a:r>
+              <a:rPr lang="en-US" dirty="0"/>
+              <a:t> </a:t>
+            </a:r>
+            <a:r>
+              <a:rPr lang="en-US" b="1" dirty="0">
+                <a:effectLst>
+                  <a:outerShdw blurRad="38100" dist="38100" dir="2700000" algn="tl">
+                    <a:srgbClr val="000000">
+                      <a:alpha val="43137"/>
+                    </a:srgbClr>
+                  </a:outerShdw>
+                </a:effectLst>
+              </a:rPr>
+              <a:t>Common Numerical Operations</a:t>
+            </a:r>
+            <a:endParaRPr lang="en-US" b="1" i="1" dirty="0">
+              <a:solidFill>
+                <a:srgbClr val="0070C0"/>
+              </a:solidFill>
+              <a:latin typeface="Consolas" panose="020B0609020204030204" pitchFamily="49" charset="0"/>
+              <a:cs typeface="Consolas" panose="020B0609020204030204" pitchFamily="49" charset="0"/>
+            </a:endParaRPr>
+          </a:p>
+        </p:txBody>
+      </p:sp>
+      <p:sp>
+        <p:nvSpPr>
+          <p:cNvPr id="2" name="TextBox 1"/>
+          <p:cNvSpPr txBox="1"/>
+          <p:nvPr/>
+        </p:nvSpPr>
+        <p:spPr>
+          <a:xfrm>
+            <a:off x="63501" y="857743"/>
+            <a:ext cx="12128500" cy="400110"/>
+          </a:xfrm>
+          <a:prstGeom prst="rect">
+            <a:avLst/>
+          </a:prstGeom>
+          <a:noFill/>
+        </p:spPr>
+        <p:txBody>
+          <a:bodyPr wrap="square" rtlCol="0">
+            <a:spAutoFit/>
+          </a:bodyPr>
+          <a:lstStyle/>
+          <a:p>
+            <a:pPr marL="342900" indent="-342900">
+              <a:buFont typeface="Arial" panose="020B0604020202020204" pitchFamily="34" charset="0"/>
+              <a:buChar char="•"/>
+            </a:pPr>
+            <a:r>
+              <a:rPr lang="en-US" sz="2000" dirty="0"/>
+              <a:t>You can do all kinds of things with numbers.</a:t>
+            </a:r>
+            <a:endParaRPr lang="en-US" sz="2000" dirty="0" smtClean="0"/>
+          </a:p>
+        </p:txBody>
+      </p:sp>
+      <p:sp>
+        <p:nvSpPr>
+          <p:cNvPr id="5" name="AutoShape 2" descr="http://raspberry.piaustralia.com.au/product-images/piwithbox.jpg"/>
+          <p:cNvSpPr>
+            <a:spLocks noChangeAspect="1" noChangeArrowheads="1"/>
+          </p:cNvSpPr>
+          <p:nvPr/>
+        </p:nvSpPr>
+        <p:spPr bwMode="auto">
+          <a:xfrm>
+            <a:off x="63500" y="-136525"/>
+            <a:ext cx="9772650" cy="6343650"/>
+          </a:xfrm>
+          <a:prstGeom prst="rect">
+            <a:avLst/>
+          </a:prstGeom>
+          <a:noFill/>
+          <a:extLst>
+            <a:ext uri="{909E8E84-426E-40DD-AFC4-6F175D3DCCD1}">
+              <a14:hiddenFill xmlns:a14="http://schemas.microsoft.com/office/drawing/2010/main">
+                <a:solidFill>
+                  <a:srgbClr val="FFFFFF"/>
+                </a:solidFill>
+              </a14:hiddenFill>
+            </a:ext>
+          </a:extLst>
+        </p:spPr>
+        <p:txBody>
+          <a:bodyPr vert="horz" wrap="square" lIns="91440" tIns="45720" rIns="91440" bIns="45720" numCol="1" anchor="t" anchorCtr="0" compatLnSpc="1">
+            <a:prstTxWarp prst="textNoShape">
+              <a:avLst/>
+            </a:prstTxWarp>
+          </a:bodyPr>
+          <a:lstStyle/>
+          <a:p>
+            <a:endParaRPr lang="en-US"/>
+          </a:p>
+        </p:txBody>
+      </p:sp>
+      <p:pic>
+        <p:nvPicPr>
+          <p:cNvPr id="9" name="Picture 8"/>
+          <p:cNvPicPr>
+            <a:picLocks noChangeAspect="1"/>
+          </p:cNvPicPr>
+          <p:nvPr/>
+        </p:nvPicPr>
+        <p:blipFill>
+          <a:blip r:embed="rId2"/>
+          <a:stretch>
+            <a:fillRect/>
+          </a:stretch>
+        </p:blipFill>
+        <p:spPr>
+          <a:xfrm>
+            <a:off x="706345" y="1257853"/>
+            <a:ext cx="3604397" cy="5518236"/>
+          </a:xfrm>
+          <a:prstGeom prst="rect">
+            <a:avLst/>
+          </a:prstGeom>
+        </p:spPr>
+      </p:pic>
+    </p:spTree>
+    <p:extLst>
+      <p:ext uri="{BB962C8B-B14F-4D97-AF65-F5344CB8AC3E}">
+        <p14:creationId xmlns:p14="http://schemas.microsoft.com/office/powerpoint/2010/main" val="2894169622"/>
+      </p:ext>
+    </p:extLst>
+  </p:cSld>
+  <p:clrMapOvr>
+    <a:masterClrMapping/>
+  </p:clrMapOvr>
+</p:sld>
+</file>
+
+<file path=ppt/slides/slide77.xml><?xml version="1.0" encoding="utf-8"?>
+<p:sld xmlns:a="http://schemas.openxmlformats.org/drawingml/2006/main" xmlns:r="http://schemas.openxmlformats.org/officeDocument/2006/relationships" xmlns:p="http://schemas.openxmlformats.org/presentationml/2006/main">
+  <p:cSld>
+    <p:spTree>
+      <p:nvGrpSpPr>
+        <p:cNvPr id="1" name=""/>
+        <p:cNvGrpSpPr/>
+        <p:nvPr/>
+      </p:nvGrpSpPr>
+      <p:grpSpPr>
+        <a:xfrm>
+          <a:off x="0" y="0"/>
+          <a:ext cx="0" cy="0"/>
+          <a:chOff x="0" y="0"/>
+          <a:chExt cx="0" cy="0"/>
+        </a:xfrm>
+      </p:grpSpPr>
+      <p:sp>
+        <p:nvSpPr>
+          <p:cNvPr id="4" name="Title 1"/>
+          <p:cNvSpPr txBox="1">
+            <a:spLocks/>
+          </p:cNvSpPr>
+          <p:nvPr/>
+        </p:nvSpPr>
+        <p:spPr>
+          <a:xfrm>
+            <a:off x="0" y="1"/>
+            <a:ext cx="12192000" cy="721216"/>
+          </a:xfrm>
+          <a:prstGeom prst="rect">
+            <a:avLst/>
+          </a:prstGeom>
+        </p:spPr>
+        <p:style>
+          <a:lnRef idx="0">
+            <a:schemeClr val="accent1"/>
+          </a:lnRef>
+          <a:fillRef idx="3">
+            <a:schemeClr val="accent1"/>
+          </a:fillRef>
+          <a:effectRef idx="3">
+            <a:schemeClr val="accent1"/>
+          </a:effectRef>
+          <a:fontRef idx="minor">
+            <a:schemeClr val="lt1"/>
+          </a:fontRef>
+        </p:style>
+        <p:txBody>
+          <a:bodyPr vert="horz" lIns="91440" tIns="45720" rIns="91440" bIns="45720" rtlCol="0" anchor="ctr">
+            <a:normAutofit/>
+          </a:bodyPr>
+          <a:lstStyle>
+            <a:lvl1pPr algn="l" defTabSz="914400" rtl="0" eaLnBrk="1" latinLnBrk="0" hangingPunct="1">
+              <a:lnSpc>
+                <a:spcPct val="90000"/>
+              </a:lnSpc>
+              <a:spcBef>
+                <a:spcPct val="0"/>
+              </a:spcBef>
+              <a:buNone/>
+              <a:defRPr sz="4400" kern="1200">
+                <a:solidFill>
+                  <a:schemeClr val="lt1"/>
+                </a:solidFill>
+                <a:latin typeface="+mn-lt"/>
+                <a:ea typeface="+mn-ea"/>
+                <a:cs typeface="+mn-cs"/>
+              </a:defRPr>
+            </a:lvl1pPr>
+            <a:lvl2pPr>
+              <a:defRPr>
+                <a:solidFill>
+                  <a:schemeClr val="lt1"/>
+                </a:solidFill>
+                <a:latin typeface="+mn-lt"/>
+                <a:ea typeface="+mn-ea"/>
+                <a:cs typeface="+mn-cs"/>
+              </a:defRPr>
+            </a:lvl2pPr>
+            <a:lvl3pPr>
+              <a:defRPr>
+                <a:solidFill>
+                  <a:schemeClr val="lt1"/>
+                </a:solidFill>
+                <a:latin typeface="+mn-lt"/>
+                <a:ea typeface="+mn-ea"/>
+                <a:cs typeface="+mn-cs"/>
+              </a:defRPr>
+            </a:lvl3pPr>
+            <a:lvl4pPr>
+              <a:defRPr>
+                <a:solidFill>
+                  <a:schemeClr val="lt1"/>
+                </a:solidFill>
+                <a:latin typeface="+mn-lt"/>
+                <a:ea typeface="+mn-ea"/>
+                <a:cs typeface="+mn-cs"/>
+              </a:defRPr>
+            </a:lvl4pPr>
+            <a:lvl5pPr>
+              <a:defRPr>
+                <a:solidFill>
+                  <a:schemeClr val="lt1"/>
+                </a:solidFill>
+                <a:latin typeface="+mn-lt"/>
+                <a:ea typeface="+mn-ea"/>
+                <a:cs typeface="+mn-cs"/>
+              </a:defRPr>
+            </a:lvl5pPr>
+            <a:lvl6pPr>
+              <a:defRPr>
+                <a:solidFill>
+                  <a:schemeClr val="lt1"/>
+                </a:solidFill>
+                <a:latin typeface="+mn-lt"/>
+                <a:ea typeface="+mn-ea"/>
+                <a:cs typeface="+mn-cs"/>
+              </a:defRPr>
+            </a:lvl6pPr>
+            <a:lvl7pPr>
+              <a:defRPr>
+                <a:solidFill>
+                  <a:schemeClr val="lt1"/>
+                </a:solidFill>
+                <a:latin typeface="+mn-lt"/>
+                <a:ea typeface="+mn-ea"/>
+                <a:cs typeface="+mn-cs"/>
+              </a:defRPr>
+            </a:lvl7pPr>
+            <a:lvl8pPr>
+              <a:defRPr>
+                <a:solidFill>
+                  <a:schemeClr val="lt1"/>
+                </a:solidFill>
+                <a:latin typeface="+mn-lt"/>
+                <a:ea typeface="+mn-ea"/>
+                <a:cs typeface="+mn-cs"/>
+              </a:defRPr>
+            </a:lvl8pPr>
+            <a:lvl9pPr>
+              <a:defRPr>
+                <a:solidFill>
+                  <a:schemeClr val="lt1"/>
+                </a:solidFill>
+                <a:latin typeface="+mn-lt"/>
+                <a:ea typeface="+mn-ea"/>
+                <a:cs typeface="+mn-cs"/>
+              </a:defRPr>
+            </a:lvl9pPr>
+          </a:lstStyle>
+          <a:p>
+            <a:r>
+              <a:rPr lang="en-US" dirty="0"/>
+              <a:t> </a:t>
+            </a:r>
+            <a:r>
+              <a:rPr lang="en-US" b="1" dirty="0">
+                <a:effectLst>
+                  <a:outerShdw blurRad="38100" dist="38100" dir="2700000" algn="tl">
+                    <a:srgbClr val="000000">
+                      <a:alpha val="43137"/>
+                    </a:srgbClr>
+                  </a:outerShdw>
+                </a:effectLst>
+              </a:rPr>
+              <a:t>Common Numerical Operations</a:t>
+            </a:r>
+            <a:endParaRPr lang="en-US" b="1" i="1" dirty="0">
+              <a:solidFill>
+                <a:srgbClr val="0070C0"/>
+              </a:solidFill>
+              <a:latin typeface="Consolas" panose="020B0609020204030204" pitchFamily="49" charset="0"/>
+              <a:cs typeface="Consolas" panose="020B0609020204030204" pitchFamily="49" charset="0"/>
+            </a:endParaRPr>
+          </a:p>
+        </p:txBody>
+      </p:sp>
+      <p:sp>
+        <p:nvSpPr>
+          <p:cNvPr id="2" name="TextBox 1"/>
+          <p:cNvSpPr txBox="1"/>
+          <p:nvPr/>
+        </p:nvSpPr>
+        <p:spPr>
+          <a:xfrm>
+            <a:off x="63501" y="857743"/>
+            <a:ext cx="12128500" cy="5324535"/>
+          </a:xfrm>
+          <a:prstGeom prst="rect">
+            <a:avLst/>
+          </a:prstGeom>
+          <a:noFill/>
+        </p:spPr>
+        <p:txBody>
+          <a:bodyPr wrap="square" rtlCol="0">
+            <a:spAutoFit/>
+          </a:bodyPr>
+          <a:lstStyle/>
+          <a:p>
+            <a:pPr marL="342900" indent="-342900">
+              <a:buFont typeface="Arial" panose="020B0604020202020204" pitchFamily="34" charset="0"/>
+              <a:buChar char="•"/>
+            </a:pPr>
+            <a:r>
+              <a:rPr lang="en-US" sz="2000" dirty="0"/>
+              <a:t>①	The </a:t>
+            </a:r>
+            <a:r>
+              <a:rPr lang="en-US" b="1" i="1" dirty="0">
+                <a:solidFill>
+                  <a:srgbClr val="0070C0"/>
+                </a:solidFill>
+                <a:latin typeface="Consolas" panose="020B0609020204030204" pitchFamily="49" charset="0"/>
+                <a:cs typeface="Consolas" panose="020B0609020204030204" pitchFamily="49" charset="0"/>
+              </a:rPr>
+              <a:t>/</a:t>
+            </a:r>
+            <a:r>
+              <a:rPr lang="en-US" sz="2000" dirty="0"/>
+              <a:t> operator performs </a:t>
+            </a:r>
+            <a:r>
+              <a:rPr lang="en-US" sz="2000" b="1" dirty="0"/>
+              <a:t>floating point division</a:t>
+            </a:r>
+            <a:r>
+              <a:rPr lang="en-US" sz="2000" dirty="0"/>
+              <a:t>. It returns a </a:t>
+            </a:r>
+            <a:r>
+              <a:rPr lang="en-US" b="1" i="1" dirty="0">
+                <a:solidFill>
+                  <a:srgbClr val="0070C0"/>
+                </a:solidFill>
+                <a:latin typeface="Consolas" panose="020B0609020204030204" pitchFamily="49" charset="0"/>
+                <a:cs typeface="Consolas" panose="020B0609020204030204" pitchFamily="49" charset="0"/>
+              </a:rPr>
+              <a:t>float</a:t>
+            </a:r>
+            <a:r>
+              <a:rPr lang="en-US" sz="2000" dirty="0"/>
+              <a:t> even if both the numerator and denominator are ints.</a:t>
+            </a:r>
+          </a:p>
+          <a:p>
+            <a:pPr marL="342900" indent="-342900">
+              <a:buFont typeface="Arial" panose="020B0604020202020204" pitchFamily="34" charset="0"/>
+              <a:buChar char="•"/>
+            </a:pPr>
+            <a:endParaRPr lang="en-US" sz="2000" dirty="0" smtClean="0"/>
+          </a:p>
+          <a:p>
+            <a:pPr marL="342900" indent="-342900">
+              <a:buFont typeface="Arial" panose="020B0604020202020204" pitchFamily="34" charset="0"/>
+              <a:buChar char="•"/>
+            </a:pPr>
+            <a:r>
+              <a:rPr lang="en-US" sz="2000" dirty="0" smtClean="0"/>
+              <a:t>②</a:t>
+            </a:r>
+            <a:r>
+              <a:rPr lang="en-US" sz="2000" dirty="0"/>
+              <a:t>	The </a:t>
+            </a:r>
+            <a:r>
+              <a:rPr lang="en-US" b="1" i="1" dirty="0">
+                <a:solidFill>
+                  <a:srgbClr val="0070C0"/>
+                </a:solidFill>
+                <a:latin typeface="Consolas" panose="020B0609020204030204" pitchFamily="49" charset="0"/>
+                <a:cs typeface="Consolas" panose="020B0609020204030204" pitchFamily="49" charset="0"/>
+              </a:rPr>
+              <a:t>//</a:t>
+            </a:r>
+            <a:r>
+              <a:rPr lang="en-US" sz="2000" dirty="0"/>
+              <a:t> operator performs a quirky kind of </a:t>
+            </a:r>
+            <a:r>
+              <a:rPr lang="en-US" sz="2000" b="1" dirty="0"/>
+              <a:t>integer division</a:t>
+            </a:r>
+            <a:r>
+              <a:rPr lang="en-US" sz="2000" dirty="0"/>
+              <a:t>. When the result is positive, you can think of it as truncating (not rounding) to </a:t>
+            </a:r>
+            <a:r>
+              <a:rPr lang="en-US" b="1" i="1" dirty="0">
+                <a:solidFill>
+                  <a:srgbClr val="0070C0"/>
+                </a:solidFill>
+                <a:latin typeface="Consolas" panose="020B0609020204030204" pitchFamily="49" charset="0"/>
+                <a:cs typeface="Consolas" panose="020B0609020204030204" pitchFamily="49" charset="0"/>
+              </a:rPr>
+              <a:t>0</a:t>
+            </a:r>
+            <a:r>
+              <a:rPr lang="en-US" sz="2000" dirty="0"/>
+              <a:t> decimal places, but be careful with that.</a:t>
+            </a:r>
+          </a:p>
+          <a:p>
+            <a:pPr marL="342900" indent="-342900">
+              <a:buFont typeface="Arial" panose="020B0604020202020204" pitchFamily="34" charset="0"/>
+              <a:buChar char="•"/>
+            </a:pPr>
+            <a:endParaRPr lang="en-US" sz="2000" dirty="0" smtClean="0"/>
+          </a:p>
+          <a:p>
+            <a:pPr marL="342900" indent="-342900">
+              <a:buFont typeface="Arial" panose="020B0604020202020204" pitchFamily="34" charset="0"/>
+              <a:buChar char="•"/>
+            </a:pPr>
+            <a:r>
+              <a:rPr lang="en-US" sz="2000" dirty="0" smtClean="0"/>
+              <a:t>③</a:t>
+            </a:r>
+            <a:r>
+              <a:rPr lang="en-US" sz="2000" dirty="0"/>
+              <a:t>	When integer-dividing negative numbers, the </a:t>
+            </a:r>
+            <a:r>
+              <a:rPr lang="en-US" b="1" i="1" dirty="0">
+                <a:solidFill>
+                  <a:srgbClr val="0070C0"/>
+                </a:solidFill>
+                <a:latin typeface="Consolas" panose="020B0609020204030204" pitchFamily="49" charset="0"/>
+                <a:cs typeface="Consolas" panose="020B0609020204030204" pitchFamily="49" charset="0"/>
+              </a:rPr>
+              <a:t>//</a:t>
+            </a:r>
+            <a:r>
+              <a:rPr lang="en-US" sz="2000" dirty="0"/>
+              <a:t> </a:t>
+            </a:r>
+            <a:r>
+              <a:rPr lang="en-US" sz="2000" b="1" dirty="0"/>
+              <a:t>operator rounds “up” to the nearest integer. </a:t>
+            </a:r>
+            <a:r>
+              <a:rPr lang="en-US" sz="2000" dirty="0"/>
+              <a:t>Mathematically speaking, it’s rounding “down” since </a:t>
+            </a:r>
+            <a:r>
+              <a:rPr lang="en-US" b="1" i="1" dirty="0">
+                <a:solidFill>
+                  <a:srgbClr val="0070C0"/>
+                </a:solidFill>
+                <a:latin typeface="Consolas" panose="020B0609020204030204" pitchFamily="49" charset="0"/>
+                <a:cs typeface="Consolas" panose="020B0609020204030204" pitchFamily="49" charset="0"/>
+              </a:rPr>
+              <a:t>−6</a:t>
+            </a:r>
+            <a:r>
+              <a:rPr lang="en-US" sz="2000" dirty="0"/>
+              <a:t> is less than </a:t>
+            </a:r>
+            <a:r>
+              <a:rPr lang="en-US" b="1" i="1" dirty="0">
+                <a:solidFill>
+                  <a:srgbClr val="0070C0"/>
+                </a:solidFill>
+                <a:latin typeface="Consolas" panose="020B0609020204030204" pitchFamily="49" charset="0"/>
+                <a:cs typeface="Consolas" panose="020B0609020204030204" pitchFamily="49" charset="0"/>
+              </a:rPr>
+              <a:t>−5</a:t>
+            </a:r>
+            <a:r>
+              <a:rPr lang="en-US" sz="2000" dirty="0"/>
+              <a:t>, but it could trip you up if you were expecting it to truncate to </a:t>
+            </a:r>
+            <a:r>
+              <a:rPr lang="en-US" b="1" i="1" dirty="0">
+                <a:solidFill>
+                  <a:srgbClr val="0070C0"/>
+                </a:solidFill>
+                <a:latin typeface="Consolas" panose="020B0609020204030204" pitchFamily="49" charset="0"/>
+                <a:cs typeface="Consolas" panose="020B0609020204030204" pitchFamily="49" charset="0"/>
+              </a:rPr>
+              <a:t>−5</a:t>
+            </a:r>
+            <a:r>
+              <a:rPr lang="en-US" sz="2000" dirty="0"/>
+              <a:t>.</a:t>
+            </a:r>
+          </a:p>
+          <a:p>
+            <a:pPr marL="342900" indent="-342900">
+              <a:buFont typeface="Arial" panose="020B0604020202020204" pitchFamily="34" charset="0"/>
+              <a:buChar char="•"/>
+            </a:pPr>
+            <a:endParaRPr lang="en-US" sz="2000" dirty="0" smtClean="0"/>
+          </a:p>
+          <a:p>
+            <a:pPr marL="342900" indent="-342900">
+              <a:buFont typeface="Arial" panose="020B0604020202020204" pitchFamily="34" charset="0"/>
+              <a:buChar char="•"/>
+            </a:pPr>
+            <a:r>
+              <a:rPr lang="en-US" sz="2000" dirty="0" smtClean="0"/>
+              <a:t>④</a:t>
+            </a:r>
+            <a:r>
+              <a:rPr lang="en-US" sz="2000" dirty="0"/>
+              <a:t>	The </a:t>
+            </a:r>
+            <a:r>
+              <a:rPr lang="en-US" b="1" i="1" dirty="0">
+                <a:solidFill>
+                  <a:srgbClr val="0070C0"/>
+                </a:solidFill>
+                <a:latin typeface="Consolas" panose="020B0609020204030204" pitchFamily="49" charset="0"/>
+                <a:cs typeface="Consolas" panose="020B0609020204030204" pitchFamily="49" charset="0"/>
+              </a:rPr>
+              <a:t>//</a:t>
+            </a:r>
+            <a:r>
+              <a:rPr lang="en-US" sz="2000" dirty="0"/>
+              <a:t> operator doesn’t always return an integer. If either the numerator or denominator is a </a:t>
+            </a:r>
+            <a:r>
+              <a:rPr lang="en-US" b="1" i="1" dirty="0">
+                <a:solidFill>
+                  <a:srgbClr val="0070C0"/>
+                </a:solidFill>
+                <a:latin typeface="Consolas" panose="020B0609020204030204" pitchFamily="49" charset="0"/>
+                <a:cs typeface="Consolas" panose="020B0609020204030204" pitchFamily="49" charset="0"/>
+              </a:rPr>
+              <a:t>float</a:t>
+            </a:r>
+            <a:r>
+              <a:rPr lang="en-US" sz="2000" dirty="0"/>
+              <a:t>, it will still round to the nearest </a:t>
+            </a:r>
+            <a:r>
+              <a:rPr lang="en-US" b="1" i="1" dirty="0">
+                <a:solidFill>
+                  <a:srgbClr val="0070C0"/>
+                </a:solidFill>
+                <a:latin typeface="Consolas" panose="020B0609020204030204" pitchFamily="49" charset="0"/>
+                <a:cs typeface="Consolas" panose="020B0609020204030204" pitchFamily="49" charset="0"/>
+              </a:rPr>
+              <a:t>integer</a:t>
+            </a:r>
+            <a:r>
+              <a:rPr lang="en-US" sz="2000" dirty="0"/>
+              <a:t>, but the actual return value will be a </a:t>
+            </a:r>
+            <a:r>
+              <a:rPr lang="en-US" b="1" i="1" dirty="0">
+                <a:solidFill>
+                  <a:srgbClr val="0070C0"/>
+                </a:solidFill>
+                <a:latin typeface="Consolas" panose="020B0609020204030204" pitchFamily="49" charset="0"/>
+                <a:cs typeface="Consolas" panose="020B0609020204030204" pitchFamily="49" charset="0"/>
+              </a:rPr>
+              <a:t>float</a:t>
+            </a:r>
+            <a:r>
+              <a:rPr lang="en-US" sz="2000" dirty="0"/>
+              <a:t>.</a:t>
+            </a:r>
+          </a:p>
+          <a:p>
+            <a:pPr marL="342900" indent="-342900">
+              <a:buFont typeface="Arial" panose="020B0604020202020204" pitchFamily="34" charset="0"/>
+              <a:buChar char="•"/>
+            </a:pPr>
+            <a:endParaRPr lang="en-US" sz="2000" dirty="0" smtClean="0"/>
+          </a:p>
+          <a:p>
+            <a:pPr marL="342900" indent="-342900">
+              <a:buFont typeface="Arial" panose="020B0604020202020204" pitchFamily="34" charset="0"/>
+              <a:buChar char="•"/>
+            </a:pPr>
+            <a:r>
+              <a:rPr lang="en-US" sz="2000" dirty="0" smtClean="0"/>
+              <a:t>⑤</a:t>
+            </a:r>
+            <a:r>
+              <a:rPr lang="en-US" sz="2000" dirty="0"/>
+              <a:t>	The </a:t>
+            </a:r>
+            <a:r>
+              <a:rPr lang="en-US" b="1" i="1" dirty="0">
+                <a:solidFill>
+                  <a:srgbClr val="0070C0"/>
+                </a:solidFill>
+                <a:latin typeface="Consolas" panose="020B0609020204030204" pitchFamily="49" charset="0"/>
+                <a:cs typeface="Consolas" panose="020B0609020204030204" pitchFamily="49" charset="0"/>
+              </a:rPr>
+              <a:t>**</a:t>
+            </a:r>
+            <a:r>
+              <a:rPr lang="en-US" sz="2000" dirty="0"/>
+              <a:t> operator means “</a:t>
+            </a:r>
+            <a:r>
+              <a:rPr lang="en-US" sz="2000" b="1" dirty="0"/>
+              <a:t>raised to the power of</a:t>
+            </a:r>
+            <a:r>
+              <a:rPr lang="en-US" sz="2000" dirty="0" smtClean="0"/>
+              <a:t>.”</a:t>
+            </a:r>
+            <a:endParaRPr lang="en-US" sz="2000" dirty="0"/>
+          </a:p>
+          <a:p>
+            <a:pPr marL="342900" indent="-342900">
+              <a:buFont typeface="Arial" panose="020B0604020202020204" pitchFamily="34" charset="0"/>
+              <a:buChar char="•"/>
+            </a:pPr>
+            <a:endParaRPr lang="en-US" sz="2000" dirty="0" smtClean="0"/>
+          </a:p>
+          <a:p>
+            <a:pPr marL="342900" indent="-342900">
+              <a:buFont typeface="Arial" panose="020B0604020202020204" pitchFamily="34" charset="0"/>
+              <a:buChar char="•"/>
+            </a:pPr>
+            <a:r>
+              <a:rPr lang="en-US" sz="2000" dirty="0" smtClean="0"/>
+              <a:t>⑥</a:t>
+            </a:r>
+            <a:r>
+              <a:rPr lang="en-US" sz="2000" dirty="0"/>
+              <a:t>	The </a:t>
+            </a:r>
+            <a:r>
+              <a:rPr lang="en-US" b="1" i="1" dirty="0">
+                <a:solidFill>
+                  <a:srgbClr val="0070C0"/>
+                </a:solidFill>
+                <a:latin typeface="Consolas" panose="020B0609020204030204" pitchFamily="49" charset="0"/>
+                <a:cs typeface="Consolas" panose="020B0609020204030204" pitchFamily="49" charset="0"/>
+              </a:rPr>
+              <a:t>%</a:t>
+            </a:r>
+            <a:r>
+              <a:rPr lang="en-US" sz="2000" dirty="0"/>
+              <a:t> operator gives the remainder after performing </a:t>
+            </a:r>
+            <a:r>
+              <a:rPr lang="en-US" b="1" i="1" dirty="0">
+                <a:solidFill>
+                  <a:srgbClr val="0070C0"/>
+                </a:solidFill>
+                <a:latin typeface="Consolas" panose="020B0609020204030204" pitchFamily="49" charset="0"/>
+                <a:cs typeface="Consolas" panose="020B0609020204030204" pitchFamily="49" charset="0"/>
+              </a:rPr>
+              <a:t>integer</a:t>
+            </a:r>
+            <a:r>
+              <a:rPr lang="en-US" sz="2000" dirty="0"/>
+              <a:t> division. </a:t>
+            </a:r>
+            <a:r>
+              <a:rPr lang="en-US" b="1" i="1" dirty="0">
+                <a:solidFill>
+                  <a:srgbClr val="0070C0"/>
+                </a:solidFill>
+                <a:latin typeface="Consolas" panose="020B0609020204030204" pitchFamily="49" charset="0"/>
+                <a:cs typeface="Consolas" panose="020B0609020204030204" pitchFamily="49" charset="0"/>
+              </a:rPr>
+              <a:t>11</a:t>
+            </a:r>
+            <a:r>
+              <a:rPr lang="en-US" sz="2000" dirty="0"/>
+              <a:t> divided by </a:t>
+            </a:r>
+            <a:r>
+              <a:rPr lang="en-US" b="1" i="1" dirty="0">
+                <a:solidFill>
+                  <a:srgbClr val="0070C0"/>
+                </a:solidFill>
+                <a:latin typeface="Consolas" panose="020B0609020204030204" pitchFamily="49" charset="0"/>
+                <a:cs typeface="Consolas" panose="020B0609020204030204" pitchFamily="49" charset="0"/>
+              </a:rPr>
+              <a:t>2</a:t>
+            </a:r>
+            <a:r>
+              <a:rPr lang="en-US" sz="2000" dirty="0"/>
+              <a:t> is </a:t>
+            </a:r>
+            <a:r>
+              <a:rPr lang="en-US" b="1" i="1" dirty="0">
+                <a:solidFill>
+                  <a:srgbClr val="0070C0"/>
+                </a:solidFill>
+                <a:latin typeface="Consolas" panose="020B0609020204030204" pitchFamily="49" charset="0"/>
+                <a:cs typeface="Consolas" panose="020B0609020204030204" pitchFamily="49" charset="0"/>
+              </a:rPr>
+              <a:t>5</a:t>
+            </a:r>
+            <a:r>
+              <a:rPr lang="en-US" sz="2000" dirty="0"/>
+              <a:t> with a remainder of </a:t>
+            </a:r>
+            <a:r>
+              <a:rPr lang="en-US" b="1" i="1" dirty="0">
+                <a:solidFill>
+                  <a:srgbClr val="0070C0"/>
+                </a:solidFill>
+                <a:latin typeface="Consolas" panose="020B0609020204030204" pitchFamily="49" charset="0"/>
+                <a:cs typeface="Consolas" panose="020B0609020204030204" pitchFamily="49" charset="0"/>
+              </a:rPr>
+              <a:t>1</a:t>
+            </a:r>
+            <a:r>
+              <a:rPr lang="en-US" sz="2000" dirty="0"/>
+              <a:t>, so the result here is </a:t>
+            </a:r>
+            <a:r>
+              <a:rPr lang="en-US" b="1" i="1" dirty="0">
+                <a:solidFill>
+                  <a:srgbClr val="0070C0"/>
+                </a:solidFill>
+                <a:latin typeface="Consolas" panose="020B0609020204030204" pitchFamily="49" charset="0"/>
+                <a:cs typeface="Consolas" panose="020B0609020204030204" pitchFamily="49" charset="0"/>
+              </a:rPr>
+              <a:t>1</a:t>
+            </a:r>
+            <a:r>
+              <a:rPr lang="en-US" sz="2000" dirty="0"/>
+              <a:t>. </a:t>
+            </a:r>
+            <a:endParaRPr lang="en-US" sz="2000" dirty="0" smtClean="0"/>
+          </a:p>
+        </p:txBody>
+      </p:sp>
+      <p:sp>
+        <p:nvSpPr>
+          <p:cNvPr id="5" name="AutoShape 2" descr="http://raspberry.piaustralia.com.au/product-images/piwithbox.jpg"/>
+          <p:cNvSpPr>
+            <a:spLocks noChangeAspect="1" noChangeArrowheads="1"/>
+          </p:cNvSpPr>
+          <p:nvPr/>
+        </p:nvSpPr>
+        <p:spPr bwMode="auto">
+          <a:xfrm>
+            <a:off x="63500" y="-136525"/>
+            <a:ext cx="9772650" cy="6343650"/>
+          </a:xfrm>
+          <a:prstGeom prst="rect">
+            <a:avLst/>
+          </a:prstGeom>
+          <a:noFill/>
+          <a:extLst>
+            <a:ext uri="{909E8E84-426E-40DD-AFC4-6F175D3DCCD1}">
+              <a14:hiddenFill xmlns:a14="http://schemas.microsoft.com/office/drawing/2010/main">
+                <a:solidFill>
+                  <a:srgbClr val="FFFFFF"/>
+                </a:solidFill>
+              </a14:hiddenFill>
+            </a:ext>
+          </a:extLst>
+        </p:spPr>
+        <p:txBody>
+          <a:bodyPr vert="horz" wrap="square" lIns="91440" tIns="45720" rIns="91440" bIns="45720" numCol="1" anchor="t" anchorCtr="0" compatLnSpc="1">
+            <a:prstTxWarp prst="textNoShape">
+              <a:avLst/>
+            </a:prstTxWarp>
+          </a:bodyPr>
+          <a:lstStyle/>
+          <a:p>
+            <a:endParaRPr lang="en-US"/>
+          </a:p>
+        </p:txBody>
+      </p:sp>
+    </p:spTree>
+    <p:extLst>
+      <p:ext uri="{BB962C8B-B14F-4D97-AF65-F5344CB8AC3E}">
+        <p14:creationId xmlns:p14="http://schemas.microsoft.com/office/powerpoint/2010/main" val="1120474878"/>
+      </p:ext>
+    </p:extLst>
+  </p:cSld>
+  <p:clrMapOvr>
+    <a:masterClrMapping/>
+  </p:clrMapOvr>
+</p:sld>
+</file>
+
+<file path=ppt/slides/slide78.xml><?xml version="1.0" encoding="utf-8"?>
+<p:sld xmlns:a="http://schemas.openxmlformats.org/drawingml/2006/main" xmlns:r="http://schemas.openxmlformats.org/officeDocument/2006/relationships" xmlns:p="http://schemas.openxmlformats.org/presentationml/2006/main">
+  <p:cSld>
+    <p:spTree>
+      <p:nvGrpSpPr>
+        <p:cNvPr id="1" name=""/>
+        <p:cNvGrpSpPr/>
+        <p:nvPr/>
+      </p:nvGrpSpPr>
+      <p:grpSpPr>
+        <a:xfrm>
+          <a:off x="0" y="0"/>
+          <a:ext cx="0" cy="0"/>
+          <a:chOff x="0" y="0"/>
+          <a:chExt cx="0" cy="0"/>
+        </a:xfrm>
+      </p:grpSpPr>
+      <p:sp>
+        <p:nvSpPr>
+          <p:cNvPr id="4" name="Title 1"/>
+          <p:cNvSpPr txBox="1">
+            <a:spLocks/>
+          </p:cNvSpPr>
+          <p:nvPr/>
+        </p:nvSpPr>
+        <p:spPr>
+          <a:xfrm>
+            <a:off x="0" y="1"/>
+            <a:ext cx="12192000" cy="721216"/>
+          </a:xfrm>
+          <a:prstGeom prst="rect">
+            <a:avLst/>
+          </a:prstGeom>
+        </p:spPr>
+        <p:style>
+          <a:lnRef idx="0">
+            <a:schemeClr val="accent1"/>
+          </a:lnRef>
+          <a:fillRef idx="3">
+            <a:schemeClr val="accent1"/>
+          </a:fillRef>
+          <a:effectRef idx="3">
+            <a:schemeClr val="accent1"/>
+          </a:effectRef>
+          <a:fontRef idx="minor">
+            <a:schemeClr val="lt1"/>
+          </a:fontRef>
+        </p:style>
+        <p:txBody>
+          <a:bodyPr vert="horz" lIns="91440" tIns="45720" rIns="91440" bIns="45720" rtlCol="0" anchor="ctr">
+            <a:normAutofit/>
+          </a:bodyPr>
+          <a:lstStyle>
+            <a:lvl1pPr algn="l" defTabSz="914400" rtl="0" eaLnBrk="1" latinLnBrk="0" hangingPunct="1">
+              <a:lnSpc>
+                <a:spcPct val="90000"/>
+              </a:lnSpc>
+              <a:spcBef>
+                <a:spcPct val="0"/>
+              </a:spcBef>
+              <a:buNone/>
+              <a:defRPr sz="4400" kern="1200">
+                <a:solidFill>
+                  <a:schemeClr val="lt1"/>
+                </a:solidFill>
+                <a:latin typeface="+mn-lt"/>
+                <a:ea typeface="+mn-ea"/>
+                <a:cs typeface="+mn-cs"/>
+              </a:defRPr>
+            </a:lvl1pPr>
+            <a:lvl2pPr>
+              <a:defRPr>
+                <a:solidFill>
+                  <a:schemeClr val="lt1"/>
+                </a:solidFill>
+                <a:latin typeface="+mn-lt"/>
+                <a:ea typeface="+mn-ea"/>
+                <a:cs typeface="+mn-cs"/>
+              </a:defRPr>
+            </a:lvl2pPr>
+            <a:lvl3pPr>
+              <a:defRPr>
+                <a:solidFill>
+                  <a:schemeClr val="lt1"/>
+                </a:solidFill>
+                <a:latin typeface="+mn-lt"/>
+                <a:ea typeface="+mn-ea"/>
+                <a:cs typeface="+mn-cs"/>
+              </a:defRPr>
+            </a:lvl3pPr>
+            <a:lvl4pPr>
+              <a:defRPr>
+                <a:solidFill>
+                  <a:schemeClr val="lt1"/>
+                </a:solidFill>
+                <a:latin typeface="+mn-lt"/>
+                <a:ea typeface="+mn-ea"/>
+                <a:cs typeface="+mn-cs"/>
+              </a:defRPr>
+            </a:lvl4pPr>
+            <a:lvl5pPr>
+              <a:defRPr>
+                <a:solidFill>
+                  <a:schemeClr val="lt1"/>
+                </a:solidFill>
+                <a:latin typeface="+mn-lt"/>
+                <a:ea typeface="+mn-ea"/>
+                <a:cs typeface="+mn-cs"/>
+              </a:defRPr>
+            </a:lvl5pPr>
+            <a:lvl6pPr>
+              <a:defRPr>
+                <a:solidFill>
+                  <a:schemeClr val="lt1"/>
+                </a:solidFill>
+                <a:latin typeface="+mn-lt"/>
+                <a:ea typeface="+mn-ea"/>
+                <a:cs typeface="+mn-cs"/>
+              </a:defRPr>
+            </a:lvl6pPr>
+            <a:lvl7pPr>
+              <a:defRPr>
+                <a:solidFill>
+                  <a:schemeClr val="lt1"/>
+                </a:solidFill>
+                <a:latin typeface="+mn-lt"/>
+                <a:ea typeface="+mn-ea"/>
+                <a:cs typeface="+mn-cs"/>
+              </a:defRPr>
+            </a:lvl7pPr>
+            <a:lvl8pPr>
+              <a:defRPr>
+                <a:solidFill>
+                  <a:schemeClr val="lt1"/>
+                </a:solidFill>
+                <a:latin typeface="+mn-lt"/>
+                <a:ea typeface="+mn-ea"/>
+                <a:cs typeface="+mn-cs"/>
+              </a:defRPr>
+            </a:lvl8pPr>
+            <a:lvl9pPr>
+              <a:defRPr>
+                <a:solidFill>
+                  <a:schemeClr val="lt1"/>
+                </a:solidFill>
+                <a:latin typeface="+mn-lt"/>
+                <a:ea typeface="+mn-ea"/>
+                <a:cs typeface="+mn-cs"/>
+              </a:defRPr>
+            </a:lvl9pPr>
+          </a:lstStyle>
+          <a:p>
+            <a:r>
+              <a:rPr lang="en-US" dirty="0"/>
+              <a:t> </a:t>
+            </a:r>
+            <a:r>
+              <a:rPr lang="en-US" b="1" dirty="0">
+                <a:effectLst>
+                  <a:outerShdw blurRad="38100" dist="38100" dir="2700000" algn="tl">
+                    <a:srgbClr val="000000">
+                      <a:alpha val="43137"/>
+                    </a:srgbClr>
+                  </a:outerShdw>
+                </a:effectLst>
+              </a:rPr>
+              <a:t>Common Numerical Operations</a:t>
+            </a:r>
+            <a:endParaRPr lang="en-US" b="1" i="1" dirty="0">
+              <a:solidFill>
+                <a:srgbClr val="0070C0"/>
+              </a:solidFill>
+              <a:latin typeface="Consolas" panose="020B0609020204030204" pitchFamily="49" charset="0"/>
+              <a:cs typeface="Consolas" panose="020B0609020204030204" pitchFamily="49" charset="0"/>
+            </a:endParaRPr>
+          </a:p>
+        </p:txBody>
+      </p:sp>
+      <p:sp>
+        <p:nvSpPr>
+          <p:cNvPr id="2" name="TextBox 1"/>
+          <p:cNvSpPr txBox="1"/>
+          <p:nvPr/>
+        </p:nvSpPr>
+        <p:spPr>
+          <a:xfrm>
+            <a:off x="63501" y="857743"/>
+            <a:ext cx="12128500" cy="1323439"/>
+          </a:xfrm>
+          <a:prstGeom prst="rect">
+            <a:avLst/>
+          </a:prstGeom>
+          <a:noFill/>
+        </p:spPr>
+        <p:txBody>
+          <a:bodyPr wrap="square" rtlCol="0">
+            <a:spAutoFit/>
+          </a:bodyPr>
+          <a:lstStyle/>
+          <a:p>
+            <a:pPr marL="342900" indent="-342900">
+              <a:buFont typeface="Arial" panose="020B0604020202020204" pitchFamily="34" charset="0"/>
+              <a:buChar char="•"/>
+            </a:pPr>
+            <a:r>
+              <a:rPr lang="en-US" sz="2000" dirty="0"/>
+              <a:t>In </a:t>
+            </a:r>
+            <a:r>
+              <a:rPr lang="en-US" sz="2000" b="1" dirty="0">
+                <a:solidFill>
+                  <a:srgbClr val="FF0000"/>
+                </a:solidFill>
+              </a:rPr>
+              <a:t>Python 2</a:t>
+            </a:r>
+            <a:r>
+              <a:rPr lang="en-US" sz="2000" dirty="0"/>
+              <a:t>, the </a:t>
+            </a:r>
+            <a:r>
+              <a:rPr lang="en-US" b="1" i="1" dirty="0">
+                <a:solidFill>
+                  <a:srgbClr val="0070C0"/>
+                </a:solidFill>
+                <a:latin typeface="Consolas" panose="020B0609020204030204" pitchFamily="49" charset="0"/>
+                <a:cs typeface="Consolas" panose="020B0609020204030204" pitchFamily="49" charset="0"/>
+              </a:rPr>
+              <a:t>/</a:t>
+            </a:r>
+            <a:r>
+              <a:rPr lang="en-US" sz="2000" dirty="0"/>
+              <a:t> operator usually meant </a:t>
+            </a:r>
+            <a:r>
+              <a:rPr lang="en-US" sz="2000" b="1" dirty="0"/>
+              <a:t>integer division</a:t>
+            </a:r>
+            <a:r>
+              <a:rPr lang="en-US" sz="2000" dirty="0"/>
+              <a:t>, but you could make it behave like </a:t>
+            </a:r>
+            <a:r>
+              <a:rPr lang="en-US" sz="2000" b="1" dirty="0"/>
+              <a:t>floating point division by including a special directive in your code</a:t>
+            </a:r>
+            <a:r>
+              <a:rPr lang="en-US" sz="2000" dirty="0"/>
+              <a:t>. </a:t>
+            </a:r>
+            <a:endParaRPr lang="en-US" sz="2000" dirty="0" smtClean="0"/>
+          </a:p>
+          <a:p>
+            <a:pPr marL="342900" indent="-342900">
+              <a:buFont typeface="Arial" panose="020B0604020202020204" pitchFamily="34" charset="0"/>
+              <a:buChar char="•"/>
+            </a:pPr>
+            <a:endParaRPr lang="en-US" sz="2000" dirty="0"/>
+          </a:p>
+          <a:p>
+            <a:pPr marL="342900" indent="-342900">
+              <a:buFont typeface="Arial" panose="020B0604020202020204" pitchFamily="34" charset="0"/>
+              <a:buChar char="•"/>
+            </a:pPr>
+            <a:r>
+              <a:rPr lang="en-US" sz="2000" dirty="0" smtClean="0"/>
+              <a:t>In </a:t>
+            </a:r>
+            <a:r>
+              <a:rPr lang="en-US" sz="2000" b="1" dirty="0">
+                <a:solidFill>
+                  <a:srgbClr val="FF0000"/>
+                </a:solidFill>
+              </a:rPr>
+              <a:t>Python 3</a:t>
+            </a:r>
+            <a:r>
+              <a:rPr lang="en-US" sz="2000" dirty="0"/>
+              <a:t>, the </a:t>
+            </a:r>
+            <a:r>
+              <a:rPr lang="en-US" b="1" i="1" dirty="0">
+                <a:solidFill>
+                  <a:srgbClr val="0070C0"/>
+                </a:solidFill>
+                <a:latin typeface="Consolas" panose="020B0609020204030204" pitchFamily="49" charset="0"/>
+                <a:cs typeface="Consolas" panose="020B0609020204030204" pitchFamily="49" charset="0"/>
+              </a:rPr>
+              <a:t>/</a:t>
+            </a:r>
+            <a:r>
+              <a:rPr lang="en-US" sz="2000" dirty="0"/>
+              <a:t> operator always </a:t>
+            </a:r>
+            <a:r>
+              <a:rPr lang="en-US" sz="2000" dirty="0" smtClean="0"/>
+              <a:t>means</a:t>
+            </a:r>
+            <a:r>
+              <a:rPr lang="en-US" sz="2000" b="1" dirty="0" smtClean="0"/>
+              <a:t> floating point division</a:t>
+            </a:r>
+            <a:r>
+              <a:rPr lang="en-US" sz="2000" dirty="0" smtClean="0"/>
+              <a:t>.</a:t>
+            </a:r>
+          </a:p>
+        </p:txBody>
+      </p:sp>
+      <p:sp>
+        <p:nvSpPr>
+          <p:cNvPr id="5" name="AutoShape 2" descr="http://raspberry.piaustralia.com.au/product-images/piwithbox.jpg"/>
+          <p:cNvSpPr>
+            <a:spLocks noChangeAspect="1" noChangeArrowheads="1"/>
+          </p:cNvSpPr>
+          <p:nvPr/>
+        </p:nvSpPr>
+        <p:spPr bwMode="auto">
+          <a:xfrm>
+            <a:off x="63500" y="-136525"/>
+            <a:ext cx="9772650" cy="6343650"/>
+          </a:xfrm>
+          <a:prstGeom prst="rect">
+            <a:avLst/>
+          </a:prstGeom>
+          <a:noFill/>
+          <a:extLst>
+            <a:ext uri="{909E8E84-426E-40DD-AFC4-6F175D3DCCD1}">
+              <a14:hiddenFill xmlns:a14="http://schemas.microsoft.com/office/drawing/2010/main">
+                <a:solidFill>
+                  <a:srgbClr val="FFFFFF"/>
+                </a:solidFill>
+              </a14:hiddenFill>
+            </a:ext>
+          </a:extLst>
+        </p:spPr>
+        <p:txBody>
+          <a:bodyPr vert="horz" wrap="square" lIns="91440" tIns="45720" rIns="91440" bIns="45720" numCol="1" anchor="t" anchorCtr="0" compatLnSpc="1">
+            <a:prstTxWarp prst="textNoShape">
+              <a:avLst/>
+            </a:prstTxWarp>
+          </a:bodyPr>
+          <a:lstStyle/>
+          <a:p>
+            <a:endParaRPr lang="en-US"/>
+          </a:p>
+        </p:txBody>
+      </p:sp>
+    </p:spTree>
+    <p:extLst>
+      <p:ext uri="{BB962C8B-B14F-4D97-AF65-F5344CB8AC3E}">
+        <p14:creationId xmlns:p14="http://schemas.microsoft.com/office/powerpoint/2010/main" val="3957566545"/>
+      </p:ext>
+    </p:extLst>
+  </p:cSld>
+  <p:clrMapOvr>
+    <a:masterClrMapping/>
+  </p:clrMapOvr>
+</p:sld>
+</file>
+
+<file path=ppt/slides/slide79.xml><?xml version="1.0" encoding="utf-8"?>
+<p:sld xmlns:a="http://schemas.openxmlformats.org/drawingml/2006/main" xmlns:r="http://schemas.openxmlformats.org/officeDocument/2006/relationships" xmlns:p="http://schemas.openxmlformats.org/presentationml/2006/main">
+  <p:cSld>
+    <p:spTree>
+      <p:nvGrpSpPr>
+        <p:cNvPr id="1" name=""/>
+        <p:cNvGrpSpPr/>
+        <p:nvPr/>
+      </p:nvGrpSpPr>
+      <p:grpSpPr>
+        <a:xfrm>
+          <a:off x="0" y="0"/>
+          <a:ext cx="0" cy="0"/>
+          <a:chOff x="0" y="0"/>
+          <a:chExt cx="0" cy="0"/>
+        </a:xfrm>
+      </p:grpSpPr>
+      <p:sp>
+        <p:nvSpPr>
+          <p:cNvPr id="4" name="Title 1"/>
+          <p:cNvSpPr txBox="1">
+            <a:spLocks/>
+          </p:cNvSpPr>
+          <p:nvPr/>
+        </p:nvSpPr>
+        <p:spPr>
+          <a:xfrm>
+            <a:off x="0" y="1"/>
+            <a:ext cx="12192000" cy="721216"/>
+          </a:xfrm>
+          <a:prstGeom prst="rect">
+            <a:avLst/>
+          </a:prstGeom>
+        </p:spPr>
+        <p:style>
+          <a:lnRef idx="0">
+            <a:schemeClr val="accent1"/>
+          </a:lnRef>
+          <a:fillRef idx="3">
+            <a:schemeClr val="accent1"/>
+          </a:fillRef>
+          <a:effectRef idx="3">
+            <a:schemeClr val="accent1"/>
+          </a:effectRef>
+          <a:fontRef idx="minor">
+            <a:schemeClr val="lt1"/>
+          </a:fontRef>
+        </p:style>
+        <p:txBody>
+          <a:bodyPr vert="horz" lIns="91440" tIns="45720" rIns="91440" bIns="45720" rtlCol="0" anchor="ctr">
+            <a:normAutofit/>
+          </a:bodyPr>
+          <a:lstStyle>
+            <a:lvl1pPr algn="l" defTabSz="914400" rtl="0" eaLnBrk="1" latinLnBrk="0" hangingPunct="1">
+              <a:lnSpc>
+                <a:spcPct val="90000"/>
+              </a:lnSpc>
+              <a:spcBef>
+                <a:spcPct val="0"/>
+              </a:spcBef>
+              <a:buNone/>
+              <a:defRPr sz="4400" kern="1200">
+                <a:solidFill>
+                  <a:schemeClr val="lt1"/>
+                </a:solidFill>
+                <a:latin typeface="+mn-lt"/>
+                <a:ea typeface="+mn-ea"/>
+                <a:cs typeface="+mn-cs"/>
+              </a:defRPr>
+            </a:lvl1pPr>
+            <a:lvl2pPr>
+              <a:defRPr>
+                <a:solidFill>
+                  <a:schemeClr val="lt1"/>
+                </a:solidFill>
+                <a:latin typeface="+mn-lt"/>
+                <a:ea typeface="+mn-ea"/>
+                <a:cs typeface="+mn-cs"/>
+              </a:defRPr>
+            </a:lvl2pPr>
+            <a:lvl3pPr>
+              <a:defRPr>
+                <a:solidFill>
+                  <a:schemeClr val="lt1"/>
+                </a:solidFill>
+                <a:latin typeface="+mn-lt"/>
+                <a:ea typeface="+mn-ea"/>
+                <a:cs typeface="+mn-cs"/>
+              </a:defRPr>
+            </a:lvl3pPr>
+            <a:lvl4pPr>
+              <a:defRPr>
+                <a:solidFill>
+                  <a:schemeClr val="lt1"/>
+                </a:solidFill>
+                <a:latin typeface="+mn-lt"/>
+                <a:ea typeface="+mn-ea"/>
+                <a:cs typeface="+mn-cs"/>
+              </a:defRPr>
+            </a:lvl4pPr>
+            <a:lvl5pPr>
+              <a:defRPr>
+                <a:solidFill>
+                  <a:schemeClr val="lt1"/>
+                </a:solidFill>
+                <a:latin typeface="+mn-lt"/>
+                <a:ea typeface="+mn-ea"/>
+                <a:cs typeface="+mn-cs"/>
+              </a:defRPr>
+            </a:lvl5pPr>
+            <a:lvl6pPr>
+              <a:defRPr>
+                <a:solidFill>
+                  <a:schemeClr val="lt1"/>
+                </a:solidFill>
+                <a:latin typeface="+mn-lt"/>
+                <a:ea typeface="+mn-ea"/>
+                <a:cs typeface="+mn-cs"/>
+              </a:defRPr>
+            </a:lvl6pPr>
+            <a:lvl7pPr>
+              <a:defRPr>
+                <a:solidFill>
+                  <a:schemeClr val="lt1"/>
+                </a:solidFill>
+                <a:latin typeface="+mn-lt"/>
+                <a:ea typeface="+mn-ea"/>
+                <a:cs typeface="+mn-cs"/>
+              </a:defRPr>
+            </a:lvl7pPr>
+            <a:lvl8pPr>
+              <a:defRPr>
+                <a:solidFill>
+                  <a:schemeClr val="lt1"/>
+                </a:solidFill>
+                <a:latin typeface="+mn-lt"/>
+                <a:ea typeface="+mn-ea"/>
+                <a:cs typeface="+mn-cs"/>
+              </a:defRPr>
+            </a:lvl8pPr>
+            <a:lvl9pPr>
+              <a:defRPr>
+                <a:solidFill>
+                  <a:schemeClr val="lt1"/>
+                </a:solidFill>
+                <a:latin typeface="+mn-lt"/>
+                <a:ea typeface="+mn-ea"/>
+                <a:cs typeface="+mn-cs"/>
+              </a:defRPr>
+            </a:lvl9pPr>
+          </a:lstStyle>
+          <a:p>
+            <a:r>
+              <a:rPr lang="en-US" dirty="0"/>
+              <a:t> </a:t>
+            </a:r>
+            <a:r>
+              <a:rPr lang="en-US" b="1" dirty="0">
+                <a:effectLst>
+                  <a:outerShdw blurRad="38100" dist="38100" dir="2700000" algn="tl">
+                    <a:srgbClr val="000000">
+                      <a:alpha val="43137"/>
+                    </a:srgbClr>
+                  </a:outerShdw>
+                </a:effectLst>
+              </a:rPr>
+              <a:t>Fractions</a:t>
+            </a:r>
+            <a:endParaRPr lang="en-US" b="1" i="1" dirty="0">
+              <a:solidFill>
+                <a:srgbClr val="0070C0"/>
+              </a:solidFill>
+              <a:latin typeface="Consolas" panose="020B0609020204030204" pitchFamily="49" charset="0"/>
+              <a:cs typeface="Consolas" panose="020B0609020204030204" pitchFamily="49" charset="0"/>
+            </a:endParaRPr>
+          </a:p>
+        </p:txBody>
+      </p:sp>
+      <p:sp>
+        <p:nvSpPr>
+          <p:cNvPr id="2" name="TextBox 1"/>
+          <p:cNvSpPr txBox="1"/>
+          <p:nvPr/>
+        </p:nvSpPr>
+        <p:spPr>
+          <a:xfrm>
+            <a:off x="63501" y="857743"/>
+            <a:ext cx="12128500" cy="1323439"/>
+          </a:xfrm>
+          <a:prstGeom prst="rect">
+            <a:avLst/>
+          </a:prstGeom>
+          <a:noFill/>
+        </p:spPr>
+        <p:txBody>
+          <a:bodyPr wrap="square" rtlCol="0">
+            <a:spAutoFit/>
+          </a:bodyPr>
+          <a:lstStyle/>
+          <a:p>
+            <a:pPr marL="342900" indent="-342900">
+              <a:buFont typeface="Arial" panose="020B0604020202020204" pitchFamily="34" charset="0"/>
+              <a:buChar char="•"/>
+            </a:pPr>
+            <a:r>
+              <a:rPr lang="en-US" sz="2000" dirty="0"/>
+              <a:t>Python isn’t limited to integers and floating point numbers. It can also do all the fancy math you learned in high school and promptly forgot about</a:t>
+            </a:r>
+            <a:r>
+              <a:rPr lang="en-US" sz="2000" dirty="0" smtClean="0"/>
+              <a:t>.</a:t>
+            </a:r>
+          </a:p>
+          <a:p>
+            <a:pPr marL="342900" indent="-342900">
+              <a:buFont typeface="Arial" panose="020B0604020202020204" pitchFamily="34" charset="0"/>
+              <a:buChar char="•"/>
+            </a:pPr>
+            <a:endParaRPr lang="en-US" sz="2000" dirty="0"/>
+          </a:p>
+          <a:p>
+            <a:pPr marL="342900" indent="-342900">
+              <a:buFont typeface="Arial" panose="020B0604020202020204" pitchFamily="34" charset="0"/>
+              <a:buChar char="•"/>
+            </a:pPr>
+            <a:endParaRPr lang="en-US" sz="2000" dirty="0" smtClean="0"/>
+          </a:p>
+        </p:txBody>
+      </p:sp>
+      <p:sp>
+        <p:nvSpPr>
+          <p:cNvPr id="5" name="AutoShape 2" descr="http://raspberry.piaustralia.com.au/product-images/piwithbox.jpg"/>
+          <p:cNvSpPr>
+            <a:spLocks noChangeAspect="1" noChangeArrowheads="1"/>
+          </p:cNvSpPr>
+          <p:nvPr/>
+        </p:nvSpPr>
+        <p:spPr bwMode="auto">
+          <a:xfrm>
+            <a:off x="63500" y="-136525"/>
+            <a:ext cx="9772650" cy="6343650"/>
+          </a:xfrm>
+          <a:prstGeom prst="rect">
+            <a:avLst/>
+          </a:prstGeom>
+          <a:noFill/>
+          <a:extLst>
+            <a:ext uri="{909E8E84-426E-40DD-AFC4-6F175D3DCCD1}">
+              <a14:hiddenFill xmlns:a14="http://schemas.microsoft.com/office/drawing/2010/main">
+                <a:solidFill>
+                  <a:srgbClr val="FFFFFF"/>
+                </a:solidFill>
+              </a14:hiddenFill>
+            </a:ext>
+          </a:extLst>
+        </p:spPr>
+        <p:txBody>
+          <a:bodyPr vert="horz" wrap="square" lIns="91440" tIns="45720" rIns="91440" bIns="45720" numCol="1" anchor="t" anchorCtr="0" compatLnSpc="1">
+            <a:prstTxWarp prst="textNoShape">
+              <a:avLst/>
+            </a:prstTxWarp>
+          </a:bodyPr>
+          <a:lstStyle/>
+          <a:p>
+            <a:endParaRPr lang="en-US"/>
+          </a:p>
+        </p:txBody>
+      </p:sp>
+      <p:pic>
+        <p:nvPicPr>
+          <p:cNvPr id="3" name="Picture 2"/>
+          <p:cNvPicPr>
+            <a:picLocks noChangeAspect="1"/>
+          </p:cNvPicPr>
+          <p:nvPr/>
+        </p:nvPicPr>
+        <p:blipFill>
+          <a:blip r:embed="rId2"/>
+          <a:stretch>
+            <a:fillRect/>
+          </a:stretch>
+        </p:blipFill>
+        <p:spPr>
+          <a:xfrm>
+            <a:off x="847807" y="1711234"/>
+            <a:ext cx="5993046" cy="5146766"/>
+          </a:xfrm>
+          <a:prstGeom prst="rect">
+            <a:avLst/>
+          </a:prstGeom>
+        </p:spPr>
+      </p:pic>
+    </p:spTree>
+    <p:extLst>
+      <p:ext uri="{BB962C8B-B14F-4D97-AF65-F5344CB8AC3E}">
+        <p14:creationId xmlns:p14="http://schemas.microsoft.com/office/powerpoint/2010/main" val="2087068590"/>
+      </p:ext>
+    </p:extLst>
+  </p:cSld>
+  <p:clrMapOvr>
+    <a:masterClrMapping/>
+  </p:clrMapOvr>
+</p:sld>
+</file>
+
+<file path=ppt/slides/slide8.xml><?xml version="1.0" encoding="utf-8"?>
+<p:sld xmlns:a="http://schemas.openxmlformats.org/drawingml/2006/main" xmlns:r="http://schemas.openxmlformats.org/officeDocument/2006/relationships" xmlns:p="http://schemas.openxmlformats.org/presentationml/2006/main">
+  <p:cSld>
+    <p:spTree>
+      <p:nvGrpSpPr>
+        <p:cNvPr id="1" name=""/>
+        <p:cNvGrpSpPr/>
+        <p:nvPr/>
+      </p:nvGrpSpPr>
+      <p:grpSpPr>
+        <a:xfrm>
+          <a:off x="0" y="0"/>
+          <a:ext cx="0" cy="0"/>
+          <a:chOff x="0" y="0"/>
+          <a:chExt cx="0" cy="0"/>
+        </a:xfrm>
+      </p:grpSpPr>
+      <p:sp>
+        <p:nvSpPr>
+          <p:cNvPr id="4" name="Title 1"/>
+          <p:cNvSpPr txBox="1">
+            <a:spLocks/>
+          </p:cNvSpPr>
+          <p:nvPr/>
+        </p:nvSpPr>
+        <p:spPr>
+          <a:xfrm>
+            <a:off x="0" y="1"/>
+            <a:ext cx="12192000" cy="721216"/>
+          </a:xfrm>
+          <a:prstGeom prst="rect">
+            <a:avLst/>
+          </a:prstGeom>
+        </p:spPr>
+        <p:style>
+          <a:lnRef idx="0">
+            <a:schemeClr val="accent1"/>
+          </a:lnRef>
+          <a:fillRef idx="3">
+            <a:schemeClr val="accent1"/>
+          </a:fillRef>
+          <a:effectRef idx="3">
+            <a:schemeClr val="accent1"/>
+          </a:effectRef>
+          <a:fontRef idx="minor">
+            <a:schemeClr val="lt1"/>
+          </a:fontRef>
+        </p:style>
+        <p:txBody>
+          <a:bodyPr vert="horz" lIns="91440" tIns="45720" rIns="91440" bIns="45720" rtlCol="0" anchor="ctr">
+            <a:normAutofit/>
+          </a:bodyPr>
+          <a:lstStyle>
+            <a:lvl1pPr algn="l" defTabSz="914400" rtl="0" eaLnBrk="1" latinLnBrk="0" hangingPunct="1">
+              <a:lnSpc>
+                <a:spcPct val="90000"/>
+              </a:lnSpc>
+              <a:spcBef>
+                <a:spcPct val="0"/>
+              </a:spcBef>
+              <a:buNone/>
+              <a:defRPr sz="4400" kern="1200">
+                <a:solidFill>
+                  <a:schemeClr val="lt1"/>
+                </a:solidFill>
+                <a:latin typeface="+mn-lt"/>
+                <a:ea typeface="+mn-ea"/>
+                <a:cs typeface="+mn-cs"/>
+              </a:defRPr>
+            </a:lvl1pPr>
+            <a:lvl2pPr>
+              <a:defRPr>
+                <a:solidFill>
+                  <a:schemeClr val="lt1"/>
+                </a:solidFill>
+                <a:latin typeface="+mn-lt"/>
+                <a:ea typeface="+mn-ea"/>
+                <a:cs typeface="+mn-cs"/>
+              </a:defRPr>
+            </a:lvl2pPr>
+            <a:lvl3pPr>
+              <a:defRPr>
+                <a:solidFill>
+                  <a:schemeClr val="lt1"/>
+                </a:solidFill>
+                <a:latin typeface="+mn-lt"/>
+                <a:ea typeface="+mn-ea"/>
+                <a:cs typeface="+mn-cs"/>
+              </a:defRPr>
+            </a:lvl3pPr>
+            <a:lvl4pPr>
+              <a:defRPr>
+                <a:solidFill>
+                  <a:schemeClr val="lt1"/>
+                </a:solidFill>
+                <a:latin typeface="+mn-lt"/>
+                <a:ea typeface="+mn-ea"/>
+                <a:cs typeface="+mn-cs"/>
+              </a:defRPr>
+            </a:lvl4pPr>
+            <a:lvl5pPr>
+              <a:defRPr>
+                <a:solidFill>
+                  <a:schemeClr val="lt1"/>
+                </a:solidFill>
+                <a:latin typeface="+mn-lt"/>
+                <a:ea typeface="+mn-ea"/>
+                <a:cs typeface="+mn-cs"/>
+              </a:defRPr>
+            </a:lvl5pPr>
+            <a:lvl6pPr>
+              <a:defRPr>
+                <a:solidFill>
+                  <a:schemeClr val="lt1"/>
+                </a:solidFill>
+                <a:latin typeface="+mn-lt"/>
+                <a:ea typeface="+mn-ea"/>
+                <a:cs typeface="+mn-cs"/>
+              </a:defRPr>
+            </a:lvl6pPr>
+            <a:lvl7pPr>
+              <a:defRPr>
+                <a:solidFill>
+                  <a:schemeClr val="lt1"/>
+                </a:solidFill>
+                <a:latin typeface="+mn-lt"/>
+                <a:ea typeface="+mn-ea"/>
+                <a:cs typeface="+mn-cs"/>
+              </a:defRPr>
+            </a:lvl7pPr>
+            <a:lvl8pPr>
+              <a:defRPr>
+                <a:solidFill>
+                  <a:schemeClr val="lt1"/>
+                </a:solidFill>
+                <a:latin typeface="+mn-lt"/>
+                <a:ea typeface="+mn-ea"/>
+                <a:cs typeface="+mn-cs"/>
+              </a:defRPr>
+            </a:lvl8pPr>
+            <a:lvl9pPr>
+              <a:defRPr>
+                <a:solidFill>
+                  <a:schemeClr val="lt1"/>
+                </a:solidFill>
+                <a:latin typeface="+mn-lt"/>
+                <a:ea typeface="+mn-ea"/>
+                <a:cs typeface="+mn-cs"/>
+              </a:defRPr>
+            </a:lvl9pPr>
+          </a:lstStyle>
+          <a:p>
+            <a:r>
+              <a:rPr lang="en-US" smtClean="0"/>
+              <a:t> </a:t>
+            </a:r>
+            <a:r>
+              <a:rPr lang="en-US" b="1" smtClean="0">
+                <a:effectLst>
+                  <a:outerShdw blurRad="38100" dist="38100" dir="2700000" algn="tl">
+                    <a:srgbClr val="000000">
+                      <a:alpha val="43137"/>
+                    </a:srgbClr>
+                  </a:outerShdw>
+                </a:effectLst>
+              </a:rPr>
+              <a:t>Variables</a:t>
+            </a:r>
+            <a:r>
+              <a:rPr lang="en-US" smtClean="0"/>
+              <a:t> </a:t>
+            </a:r>
+            <a:endParaRPr lang="en-US" b="1" i="1" dirty="0">
+              <a:solidFill>
+                <a:srgbClr val="0070C0"/>
+              </a:solidFill>
+              <a:latin typeface="Consolas" panose="020B0609020204030204" pitchFamily="49" charset="0"/>
+              <a:cs typeface="Consolas" panose="020B0609020204030204" pitchFamily="49" charset="0"/>
+            </a:endParaRPr>
+          </a:p>
+        </p:txBody>
+      </p:sp>
+      <p:sp>
+        <p:nvSpPr>
+          <p:cNvPr id="2" name="TextBox 1"/>
+          <p:cNvSpPr txBox="1"/>
+          <p:nvPr/>
+        </p:nvSpPr>
+        <p:spPr>
+          <a:xfrm>
+            <a:off x="417443" y="857743"/>
+            <a:ext cx="11357113" cy="3170099"/>
+          </a:xfrm>
+          <a:prstGeom prst="rect">
+            <a:avLst/>
+          </a:prstGeom>
+          <a:noFill/>
+        </p:spPr>
+        <p:txBody>
+          <a:bodyPr wrap="square" rtlCol="0">
+            <a:spAutoFit/>
+          </a:bodyPr>
+          <a:lstStyle/>
+          <a:p>
+            <a:pPr marL="342900" indent="-342900">
+              <a:buFont typeface="Arial" panose="020B0604020202020204" pitchFamily="34" charset="0"/>
+              <a:buChar char="•"/>
+            </a:pPr>
+            <a:r>
+              <a:rPr lang="en-US" sz="2000" b="1" dirty="0"/>
+              <a:t>In Python, variables are never explicitly typed.</a:t>
+            </a:r>
+            <a:r>
+              <a:rPr lang="en-US" sz="2000" dirty="0"/>
+              <a:t> Python figures out what type a variable is and </a:t>
+            </a:r>
+            <a:r>
+              <a:rPr lang="en-US" sz="2000" b="1" dirty="0"/>
+              <a:t>keeps track of it internally</a:t>
+            </a:r>
+            <a:r>
+              <a:rPr lang="en-US" sz="2000" dirty="0"/>
+              <a:t>.</a:t>
+            </a:r>
+          </a:p>
+          <a:p>
+            <a:pPr marL="342900" indent="-342900">
+              <a:buFont typeface="Arial" panose="020B0604020202020204" pitchFamily="34" charset="0"/>
+              <a:buChar char="•"/>
+            </a:pPr>
+            <a:endParaRPr lang="en-US" sz="2000" dirty="0"/>
+          </a:p>
+          <a:p>
+            <a:pPr marL="342900" indent="-342900">
+              <a:buFont typeface="Arial" panose="020B0604020202020204" pitchFamily="34" charset="0"/>
+              <a:buChar char="•"/>
+            </a:pPr>
+            <a:endParaRPr lang="en-US" sz="2000" dirty="0" smtClean="0"/>
+          </a:p>
+          <a:p>
+            <a:pPr marL="342900" indent="-342900">
+              <a:buFont typeface="Arial" panose="020B0604020202020204" pitchFamily="34" charset="0"/>
+              <a:buChar char="•"/>
+            </a:pPr>
+            <a:r>
+              <a:rPr lang="en-US" sz="2000" b="1" dirty="0" smtClean="0"/>
+              <a:t>In </a:t>
+            </a:r>
+            <a:r>
+              <a:rPr lang="en-US" sz="2000" b="1" dirty="0"/>
+              <a:t>Java and other statically-typed languages</a:t>
+            </a:r>
+            <a:r>
+              <a:rPr lang="en-US" sz="2000" dirty="0"/>
+              <a:t>, you must specify the datatype of the function return value and each function argument. </a:t>
+            </a:r>
+            <a:r>
+              <a:rPr lang="en-US" sz="2000" b="1" dirty="0"/>
+              <a:t>In Python, you never explicitly specify the datatype of anything. Based on what value you assign, Python keeps track of the datatype internally</a:t>
+            </a:r>
+            <a:r>
+              <a:rPr lang="en-US" sz="2000" dirty="0"/>
+              <a:t>. </a:t>
+            </a:r>
+            <a:endParaRPr lang="en-US" sz="2000" dirty="0" smtClean="0"/>
+          </a:p>
+          <a:p>
+            <a:pPr marL="342900" indent="-342900">
+              <a:buFont typeface="Arial" panose="020B0604020202020204" pitchFamily="34" charset="0"/>
+              <a:buChar char="•"/>
+            </a:pPr>
+            <a:endParaRPr lang="en-US" sz="2000" dirty="0"/>
+          </a:p>
+          <a:p>
+            <a:pPr marL="342900" indent="-342900">
+              <a:buFont typeface="Arial" panose="020B0604020202020204" pitchFamily="34" charset="0"/>
+              <a:buChar char="•"/>
+            </a:pPr>
+            <a:r>
+              <a:rPr lang="en-US" sz="2000" b="1" dirty="0">
+                <a:solidFill>
+                  <a:srgbClr val="FF0000"/>
+                </a:solidFill>
+              </a:rPr>
+              <a:t>What Python will not let you do is reference a variable that has never been assigned a value</a:t>
+            </a:r>
+            <a:r>
+              <a:rPr lang="en-US" sz="2000" dirty="0"/>
+              <a:t>. Trying to do so will raise a </a:t>
+            </a:r>
+            <a:r>
+              <a:rPr lang="en-US" sz="2000" b="1" i="1" dirty="0">
+                <a:solidFill>
+                  <a:srgbClr val="0070C0"/>
+                </a:solidFill>
+                <a:latin typeface="Consolas" panose="020B0609020204030204" pitchFamily="49" charset="0"/>
+                <a:cs typeface="Consolas" panose="020B0609020204030204" pitchFamily="49" charset="0"/>
+              </a:rPr>
+              <a:t>NameError</a:t>
+            </a:r>
+            <a:r>
+              <a:rPr lang="en-US" sz="2000" dirty="0"/>
+              <a:t> exception.</a:t>
+            </a:r>
+            <a:endParaRPr lang="en-US" sz="2000" dirty="0" smtClean="0"/>
+          </a:p>
+        </p:txBody>
+      </p:sp>
+      <p:sp>
+        <p:nvSpPr>
+          <p:cNvPr id="5" name="AutoShape 2" descr="http://raspberry.piaustralia.com.au/product-images/piwithbox.jpg"/>
+          <p:cNvSpPr>
+            <a:spLocks noChangeAspect="1" noChangeArrowheads="1"/>
+          </p:cNvSpPr>
+          <p:nvPr/>
+        </p:nvSpPr>
+        <p:spPr bwMode="auto">
+          <a:xfrm>
+            <a:off x="63500" y="-136525"/>
+            <a:ext cx="9772650" cy="6343650"/>
+          </a:xfrm>
+          <a:prstGeom prst="rect">
+            <a:avLst/>
+          </a:prstGeom>
+          <a:noFill/>
+          <a:extLst>
+            <a:ext uri="{909E8E84-426E-40DD-AFC4-6F175D3DCCD1}">
+              <a14:hiddenFill xmlns:a14="http://schemas.microsoft.com/office/drawing/2010/main">
+                <a:solidFill>
+                  <a:srgbClr val="FFFFFF"/>
+                </a:solidFill>
+              </a14:hiddenFill>
+            </a:ext>
+          </a:extLst>
+        </p:spPr>
+        <p:txBody>
+          <a:bodyPr vert="horz" wrap="square" lIns="91440" tIns="45720" rIns="91440" bIns="45720" numCol="1" anchor="t" anchorCtr="0" compatLnSpc="1">
+            <a:prstTxWarp prst="textNoShape">
+              <a:avLst/>
+            </a:prstTxWarp>
+          </a:bodyPr>
+          <a:lstStyle/>
+          <a:p>
+            <a:endParaRPr lang="en-US"/>
+          </a:p>
+        </p:txBody>
+      </p:sp>
+      <p:pic>
+        <p:nvPicPr>
+          <p:cNvPr id="3" name="Picture 2"/>
+          <p:cNvPicPr>
+            <a:picLocks noChangeAspect="1"/>
+          </p:cNvPicPr>
+          <p:nvPr/>
+        </p:nvPicPr>
+        <p:blipFill>
+          <a:blip r:embed="rId2"/>
+          <a:stretch>
+            <a:fillRect/>
+          </a:stretch>
+        </p:blipFill>
+        <p:spPr>
+          <a:xfrm>
+            <a:off x="859971" y="4027842"/>
+            <a:ext cx="5318760" cy="2809506"/>
+          </a:xfrm>
+          <a:prstGeom prst="rect">
+            <a:avLst/>
+          </a:prstGeom>
+        </p:spPr>
+      </p:pic>
+    </p:spTree>
+    <p:extLst>
+      <p:ext uri="{BB962C8B-B14F-4D97-AF65-F5344CB8AC3E}">
+        <p14:creationId xmlns:p14="http://schemas.microsoft.com/office/powerpoint/2010/main" val="1990472455"/>
+      </p:ext>
+    </p:extLst>
+  </p:cSld>
+  <p:clrMapOvr>
+    <a:masterClrMapping/>
+  </p:clrMapOvr>
+</p:sld>
+</file>
+
+<file path=ppt/slides/slide80.xml><?xml version="1.0" encoding="utf-8"?>
+<p:sld xmlns:a="http://schemas.openxmlformats.org/drawingml/2006/main" xmlns:r="http://schemas.openxmlformats.org/officeDocument/2006/relationships" xmlns:p="http://schemas.openxmlformats.org/presentationml/2006/main">
+  <p:cSld>
+    <p:spTree>
+      <p:nvGrpSpPr>
+        <p:cNvPr id="1" name=""/>
+        <p:cNvGrpSpPr/>
+        <p:nvPr/>
+      </p:nvGrpSpPr>
+      <p:grpSpPr>
+        <a:xfrm>
+          <a:off x="0" y="0"/>
+          <a:ext cx="0" cy="0"/>
+          <a:chOff x="0" y="0"/>
+          <a:chExt cx="0" cy="0"/>
+        </a:xfrm>
+      </p:grpSpPr>
+      <p:sp>
+        <p:nvSpPr>
+          <p:cNvPr id="4" name="Title 1"/>
+          <p:cNvSpPr txBox="1">
+            <a:spLocks/>
+          </p:cNvSpPr>
+          <p:nvPr/>
+        </p:nvSpPr>
+        <p:spPr>
+          <a:xfrm>
+            <a:off x="0" y="1"/>
+            <a:ext cx="12192000" cy="721216"/>
+          </a:xfrm>
+          <a:prstGeom prst="rect">
+            <a:avLst/>
+          </a:prstGeom>
+        </p:spPr>
+        <p:style>
+          <a:lnRef idx="0">
+            <a:schemeClr val="accent1"/>
+          </a:lnRef>
+          <a:fillRef idx="3">
+            <a:schemeClr val="accent1"/>
+          </a:fillRef>
+          <a:effectRef idx="3">
+            <a:schemeClr val="accent1"/>
+          </a:effectRef>
+          <a:fontRef idx="minor">
+            <a:schemeClr val="lt1"/>
+          </a:fontRef>
+        </p:style>
+        <p:txBody>
+          <a:bodyPr vert="horz" lIns="91440" tIns="45720" rIns="91440" bIns="45720" rtlCol="0" anchor="ctr">
+            <a:normAutofit/>
+          </a:bodyPr>
+          <a:lstStyle>
+            <a:lvl1pPr algn="l" defTabSz="914400" rtl="0" eaLnBrk="1" latinLnBrk="0" hangingPunct="1">
+              <a:lnSpc>
+                <a:spcPct val="90000"/>
+              </a:lnSpc>
+              <a:spcBef>
+                <a:spcPct val="0"/>
+              </a:spcBef>
+              <a:buNone/>
+              <a:defRPr sz="4400" kern="1200">
+                <a:solidFill>
+                  <a:schemeClr val="lt1"/>
+                </a:solidFill>
+                <a:latin typeface="+mn-lt"/>
+                <a:ea typeface="+mn-ea"/>
+                <a:cs typeface="+mn-cs"/>
+              </a:defRPr>
+            </a:lvl1pPr>
+            <a:lvl2pPr>
+              <a:defRPr>
+                <a:solidFill>
+                  <a:schemeClr val="lt1"/>
+                </a:solidFill>
+                <a:latin typeface="+mn-lt"/>
+                <a:ea typeface="+mn-ea"/>
+                <a:cs typeface="+mn-cs"/>
+              </a:defRPr>
+            </a:lvl2pPr>
+            <a:lvl3pPr>
+              <a:defRPr>
+                <a:solidFill>
+                  <a:schemeClr val="lt1"/>
+                </a:solidFill>
+                <a:latin typeface="+mn-lt"/>
+                <a:ea typeface="+mn-ea"/>
+                <a:cs typeface="+mn-cs"/>
+              </a:defRPr>
+            </a:lvl3pPr>
+            <a:lvl4pPr>
+              <a:defRPr>
+                <a:solidFill>
+                  <a:schemeClr val="lt1"/>
+                </a:solidFill>
+                <a:latin typeface="+mn-lt"/>
+                <a:ea typeface="+mn-ea"/>
+                <a:cs typeface="+mn-cs"/>
+              </a:defRPr>
+            </a:lvl4pPr>
+            <a:lvl5pPr>
+              <a:defRPr>
+                <a:solidFill>
+                  <a:schemeClr val="lt1"/>
+                </a:solidFill>
+                <a:latin typeface="+mn-lt"/>
+                <a:ea typeface="+mn-ea"/>
+                <a:cs typeface="+mn-cs"/>
+              </a:defRPr>
+            </a:lvl5pPr>
+            <a:lvl6pPr>
+              <a:defRPr>
+                <a:solidFill>
+                  <a:schemeClr val="lt1"/>
+                </a:solidFill>
+                <a:latin typeface="+mn-lt"/>
+                <a:ea typeface="+mn-ea"/>
+                <a:cs typeface="+mn-cs"/>
+              </a:defRPr>
+            </a:lvl6pPr>
+            <a:lvl7pPr>
+              <a:defRPr>
+                <a:solidFill>
+                  <a:schemeClr val="lt1"/>
+                </a:solidFill>
+                <a:latin typeface="+mn-lt"/>
+                <a:ea typeface="+mn-ea"/>
+                <a:cs typeface="+mn-cs"/>
+              </a:defRPr>
+            </a:lvl7pPr>
+            <a:lvl8pPr>
+              <a:defRPr>
+                <a:solidFill>
+                  <a:schemeClr val="lt1"/>
+                </a:solidFill>
+                <a:latin typeface="+mn-lt"/>
+                <a:ea typeface="+mn-ea"/>
+                <a:cs typeface="+mn-cs"/>
+              </a:defRPr>
+            </a:lvl8pPr>
+            <a:lvl9pPr>
+              <a:defRPr>
+                <a:solidFill>
+                  <a:schemeClr val="lt1"/>
+                </a:solidFill>
+                <a:latin typeface="+mn-lt"/>
+                <a:ea typeface="+mn-ea"/>
+                <a:cs typeface="+mn-cs"/>
+              </a:defRPr>
+            </a:lvl9pPr>
+          </a:lstStyle>
+          <a:p>
+            <a:r>
+              <a:rPr lang="en-US" dirty="0"/>
+              <a:t> </a:t>
+            </a:r>
+            <a:r>
+              <a:rPr lang="en-US" b="1" dirty="0">
+                <a:effectLst>
+                  <a:outerShdw blurRad="38100" dist="38100" dir="2700000" algn="tl">
+                    <a:srgbClr val="000000">
+                      <a:alpha val="43137"/>
+                    </a:srgbClr>
+                  </a:outerShdw>
+                </a:effectLst>
+              </a:rPr>
+              <a:t>Common Numerical Operations</a:t>
+            </a:r>
+            <a:endParaRPr lang="en-US" b="1" i="1" dirty="0">
+              <a:solidFill>
+                <a:srgbClr val="0070C0"/>
+              </a:solidFill>
+              <a:latin typeface="Consolas" panose="020B0609020204030204" pitchFamily="49" charset="0"/>
+              <a:cs typeface="Consolas" panose="020B0609020204030204" pitchFamily="49" charset="0"/>
+            </a:endParaRPr>
+          </a:p>
+        </p:txBody>
+      </p:sp>
+      <p:sp>
+        <p:nvSpPr>
+          <p:cNvPr id="2" name="TextBox 1"/>
+          <p:cNvSpPr txBox="1"/>
+          <p:nvPr/>
+        </p:nvSpPr>
+        <p:spPr>
+          <a:xfrm>
+            <a:off x="0" y="857743"/>
+            <a:ext cx="12192001" cy="3170099"/>
+          </a:xfrm>
+          <a:prstGeom prst="rect">
+            <a:avLst/>
+          </a:prstGeom>
+          <a:noFill/>
+        </p:spPr>
+        <p:txBody>
+          <a:bodyPr wrap="square" rtlCol="0">
+            <a:spAutoFit/>
+          </a:bodyPr>
+          <a:lstStyle/>
+          <a:p>
+            <a:pPr marL="342900" indent="-342900">
+              <a:buFont typeface="Arial" panose="020B0604020202020204" pitchFamily="34" charset="0"/>
+              <a:buChar char="•"/>
+            </a:pPr>
+            <a:r>
+              <a:rPr lang="en-US" sz="2000" dirty="0"/>
+              <a:t>①	To start using </a:t>
+            </a:r>
+            <a:r>
+              <a:rPr lang="en-US" b="1" i="1" dirty="0">
+                <a:solidFill>
+                  <a:srgbClr val="0070C0"/>
+                </a:solidFill>
+                <a:latin typeface="Consolas" panose="020B0609020204030204" pitchFamily="49" charset="0"/>
+                <a:cs typeface="Consolas" panose="020B0609020204030204" pitchFamily="49" charset="0"/>
+              </a:rPr>
+              <a:t>fractions</a:t>
+            </a:r>
+            <a:r>
+              <a:rPr lang="en-US" sz="2000" dirty="0"/>
+              <a:t>, import the </a:t>
+            </a:r>
+            <a:r>
+              <a:rPr lang="en-US" b="1" i="1" dirty="0">
+                <a:solidFill>
+                  <a:srgbClr val="0070C0"/>
+                </a:solidFill>
+                <a:latin typeface="Consolas" panose="020B0609020204030204" pitchFamily="49" charset="0"/>
+                <a:cs typeface="Consolas" panose="020B0609020204030204" pitchFamily="49" charset="0"/>
+              </a:rPr>
+              <a:t>fractions</a:t>
+            </a:r>
+            <a:r>
+              <a:rPr lang="en-US" sz="2000" dirty="0"/>
+              <a:t> module.</a:t>
+            </a:r>
+          </a:p>
+          <a:p>
+            <a:pPr marL="342900" indent="-342900">
+              <a:buFont typeface="Arial" panose="020B0604020202020204" pitchFamily="34" charset="0"/>
+              <a:buChar char="•"/>
+            </a:pPr>
+            <a:endParaRPr lang="en-US" sz="2000" dirty="0" smtClean="0"/>
+          </a:p>
+          <a:p>
+            <a:pPr marL="342900" indent="-342900">
+              <a:buFont typeface="Arial" panose="020B0604020202020204" pitchFamily="34" charset="0"/>
+              <a:buChar char="•"/>
+            </a:pPr>
+            <a:r>
+              <a:rPr lang="en-US" sz="2000" dirty="0" smtClean="0"/>
+              <a:t>②</a:t>
+            </a:r>
+            <a:r>
+              <a:rPr lang="en-US" sz="2000" dirty="0"/>
+              <a:t>	To define a fraction, create a </a:t>
+            </a:r>
+            <a:r>
+              <a:rPr lang="en-US" b="1" i="1" dirty="0">
+                <a:solidFill>
+                  <a:srgbClr val="0070C0"/>
+                </a:solidFill>
+                <a:latin typeface="Consolas" panose="020B0609020204030204" pitchFamily="49" charset="0"/>
+                <a:cs typeface="Consolas" panose="020B0609020204030204" pitchFamily="49" charset="0"/>
+              </a:rPr>
+              <a:t>Fraction</a:t>
+            </a:r>
+            <a:r>
+              <a:rPr lang="en-US" sz="2000" dirty="0"/>
+              <a:t> object and pass in the numerator and denominator.</a:t>
+            </a:r>
+          </a:p>
+          <a:p>
+            <a:pPr marL="342900" indent="-342900">
+              <a:buFont typeface="Arial" panose="020B0604020202020204" pitchFamily="34" charset="0"/>
+              <a:buChar char="•"/>
+            </a:pPr>
+            <a:endParaRPr lang="en-US" sz="2000" dirty="0" smtClean="0"/>
+          </a:p>
+          <a:p>
+            <a:pPr marL="342900" indent="-342900">
+              <a:buFont typeface="Arial" panose="020B0604020202020204" pitchFamily="34" charset="0"/>
+              <a:buChar char="•"/>
+            </a:pPr>
+            <a:r>
+              <a:rPr lang="en-US" sz="2000" dirty="0" smtClean="0"/>
+              <a:t>③</a:t>
+            </a:r>
+            <a:r>
+              <a:rPr lang="en-US" sz="2000" dirty="0"/>
+              <a:t>	You can perform all the usual mathematical operations with fractions. Operations return a new Fraction object. </a:t>
+            </a:r>
+            <a:r>
+              <a:rPr lang="en-US" b="1" i="1" dirty="0">
+                <a:solidFill>
+                  <a:srgbClr val="0070C0"/>
+                </a:solidFill>
+                <a:latin typeface="Consolas" panose="020B0609020204030204" pitchFamily="49" charset="0"/>
+                <a:cs typeface="Consolas" panose="020B0609020204030204" pitchFamily="49" charset="0"/>
+              </a:rPr>
+              <a:t>2 * (1/3) = (2/3)</a:t>
+            </a:r>
+          </a:p>
+          <a:p>
+            <a:pPr marL="342900" indent="-342900">
+              <a:buFont typeface="Arial" panose="020B0604020202020204" pitchFamily="34" charset="0"/>
+              <a:buChar char="•"/>
+            </a:pPr>
+            <a:endParaRPr lang="en-US" sz="2000" dirty="0" smtClean="0"/>
+          </a:p>
+          <a:p>
+            <a:pPr marL="342900" indent="-342900">
+              <a:buFont typeface="Arial" panose="020B0604020202020204" pitchFamily="34" charset="0"/>
+              <a:buChar char="•"/>
+            </a:pPr>
+            <a:r>
+              <a:rPr lang="en-US" sz="2000" dirty="0" smtClean="0"/>
+              <a:t>④</a:t>
+            </a:r>
+            <a:r>
+              <a:rPr lang="en-US" sz="2000" dirty="0"/>
+              <a:t>	The </a:t>
+            </a:r>
+            <a:r>
+              <a:rPr lang="en-US" b="1" i="1" dirty="0">
+                <a:solidFill>
+                  <a:srgbClr val="0070C0"/>
+                </a:solidFill>
+                <a:latin typeface="Consolas" panose="020B0609020204030204" pitchFamily="49" charset="0"/>
+                <a:cs typeface="Consolas" panose="020B0609020204030204" pitchFamily="49" charset="0"/>
+              </a:rPr>
+              <a:t>Fraction</a:t>
+            </a:r>
+            <a:r>
+              <a:rPr lang="en-US" sz="2000" dirty="0"/>
+              <a:t> object will automatically reduce fractions. </a:t>
+            </a:r>
+            <a:r>
+              <a:rPr lang="en-US" b="1" i="1" dirty="0">
+                <a:solidFill>
+                  <a:srgbClr val="0070C0"/>
+                </a:solidFill>
+                <a:latin typeface="Consolas" panose="020B0609020204030204" pitchFamily="49" charset="0"/>
+                <a:cs typeface="Consolas" panose="020B0609020204030204" pitchFamily="49" charset="0"/>
+              </a:rPr>
+              <a:t>(6/4) = (3/2)</a:t>
+            </a:r>
+          </a:p>
+          <a:p>
+            <a:pPr marL="342900" indent="-342900">
+              <a:buFont typeface="Arial" panose="020B0604020202020204" pitchFamily="34" charset="0"/>
+              <a:buChar char="•"/>
+            </a:pPr>
+            <a:endParaRPr lang="en-US" sz="2000" dirty="0" smtClean="0"/>
+          </a:p>
+          <a:p>
+            <a:pPr marL="342900" indent="-342900">
+              <a:buFont typeface="Arial" panose="020B0604020202020204" pitchFamily="34" charset="0"/>
+              <a:buChar char="•"/>
+            </a:pPr>
+            <a:r>
+              <a:rPr lang="en-US" sz="2000" dirty="0" smtClean="0"/>
+              <a:t>⑤</a:t>
+            </a:r>
+            <a:r>
+              <a:rPr lang="en-US" sz="2000" dirty="0"/>
+              <a:t>	Python has the good sense not to create a fraction with a zero denominator. </a:t>
+            </a:r>
+            <a:endParaRPr lang="en-US" sz="2000" dirty="0" smtClean="0"/>
+          </a:p>
+        </p:txBody>
+      </p:sp>
+      <p:sp>
+        <p:nvSpPr>
+          <p:cNvPr id="5" name="AutoShape 2" descr="http://raspberry.piaustralia.com.au/product-images/piwithbox.jpg"/>
+          <p:cNvSpPr>
+            <a:spLocks noChangeAspect="1" noChangeArrowheads="1"/>
+          </p:cNvSpPr>
+          <p:nvPr/>
+        </p:nvSpPr>
+        <p:spPr bwMode="auto">
+          <a:xfrm>
+            <a:off x="63500" y="-136525"/>
+            <a:ext cx="9772650" cy="6343650"/>
+          </a:xfrm>
+          <a:prstGeom prst="rect">
+            <a:avLst/>
+          </a:prstGeom>
+          <a:noFill/>
+          <a:extLst>
+            <a:ext uri="{909E8E84-426E-40DD-AFC4-6F175D3DCCD1}">
+              <a14:hiddenFill xmlns:a14="http://schemas.microsoft.com/office/drawing/2010/main">
+                <a:solidFill>
+                  <a:srgbClr val="FFFFFF"/>
+                </a:solidFill>
+              </a14:hiddenFill>
+            </a:ext>
+          </a:extLst>
+        </p:spPr>
+        <p:txBody>
+          <a:bodyPr vert="horz" wrap="square" lIns="91440" tIns="45720" rIns="91440" bIns="45720" numCol="1" anchor="t" anchorCtr="0" compatLnSpc="1">
+            <a:prstTxWarp prst="textNoShape">
+              <a:avLst/>
+            </a:prstTxWarp>
+          </a:bodyPr>
+          <a:lstStyle/>
+          <a:p>
+            <a:endParaRPr lang="en-US"/>
+          </a:p>
+        </p:txBody>
+      </p:sp>
+    </p:spTree>
+    <p:extLst>
+      <p:ext uri="{BB962C8B-B14F-4D97-AF65-F5344CB8AC3E}">
+        <p14:creationId xmlns:p14="http://schemas.microsoft.com/office/powerpoint/2010/main" val="3379020375"/>
+      </p:ext>
+    </p:extLst>
+  </p:cSld>
+  <p:clrMapOvr>
+    <a:masterClrMapping/>
+  </p:clrMapOvr>
+</p:sld>
+</file>
+
+<file path=ppt/slides/slide81.xml><?xml version="1.0" encoding="utf-8"?>
+<p:sld xmlns:a="http://schemas.openxmlformats.org/drawingml/2006/main" xmlns:r="http://schemas.openxmlformats.org/officeDocument/2006/relationships" xmlns:p="http://schemas.openxmlformats.org/presentationml/2006/main">
+  <p:cSld>
+    <p:spTree>
+      <p:nvGrpSpPr>
+        <p:cNvPr id="1" name=""/>
+        <p:cNvGrpSpPr/>
+        <p:nvPr/>
+      </p:nvGrpSpPr>
+      <p:grpSpPr>
+        <a:xfrm>
+          <a:off x="0" y="0"/>
+          <a:ext cx="0" cy="0"/>
+          <a:chOff x="0" y="0"/>
+          <a:chExt cx="0" cy="0"/>
+        </a:xfrm>
+      </p:grpSpPr>
+      <p:sp>
+        <p:nvSpPr>
+          <p:cNvPr id="4" name="Title 1"/>
+          <p:cNvSpPr txBox="1">
+            <a:spLocks/>
+          </p:cNvSpPr>
+          <p:nvPr/>
+        </p:nvSpPr>
+        <p:spPr>
+          <a:xfrm>
+            <a:off x="0" y="1"/>
+            <a:ext cx="12192000" cy="721216"/>
+          </a:xfrm>
+          <a:prstGeom prst="rect">
+            <a:avLst/>
+          </a:prstGeom>
+        </p:spPr>
+        <p:style>
+          <a:lnRef idx="0">
+            <a:schemeClr val="accent1"/>
+          </a:lnRef>
+          <a:fillRef idx="3">
+            <a:schemeClr val="accent1"/>
+          </a:fillRef>
+          <a:effectRef idx="3">
+            <a:schemeClr val="accent1"/>
+          </a:effectRef>
+          <a:fontRef idx="minor">
+            <a:schemeClr val="lt1"/>
+          </a:fontRef>
+        </p:style>
+        <p:txBody>
+          <a:bodyPr vert="horz" lIns="91440" tIns="45720" rIns="91440" bIns="45720" rtlCol="0" anchor="ctr">
+            <a:normAutofit/>
+          </a:bodyPr>
+          <a:lstStyle>
+            <a:lvl1pPr algn="l" defTabSz="914400" rtl="0" eaLnBrk="1" latinLnBrk="0" hangingPunct="1">
+              <a:lnSpc>
+                <a:spcPct val="90000"/>
+              </a:lnSpc>
+              <a:spcBef>
+                <a:spcPct val="0"/>
+              </a:spcBef>
+              <a:buNone/>
+              <a:defRPr sz="4400" kern="1200">
+                <a:solidFill>
+                  <a:schemeClr val="lt1"/>
+                </a:solidFill>
+                <a:latin typeface="+mn-lt"/>
+                <a:ea typeface="+mn-ea"/>
+                <a:cs typeface="+mn-cs"/>
+              </a:defRPr>
+            </a:lvl1pPr>
+            <a:lvl2pPr>
+              <a:defRPr>
+                <a:solidFill>
+                  <a:schemeClr val="lt1"/>
+                </a:solidFill>
+                <a:latin typeface="+mn-lt"/>
+                <a:ea typeface="+mn-ea"/>
+                <a:cs typeface="+mn-cs"/>
+              </a:defRPr>
+            </a:lvl2pPr>
+            <a:lvl3pPr>
+              <a:defRPr>
+                <a:solidFill>
+                  <a:schemeClr val="lt1"/>
+                </a:solidFill>
+                <a:latin typeface="+mn-lt"/>
+                <a:ea typeface="+mn-ea"/>
+                <a:cs typeface="+mn-cs"/>
+              </a:defRPr>
+            </a:lvl3pPr>
+            <a:lvl4pPr>
+              <a:defRPr>
+                <a:solidFill>
+                  <a:schemeClr val="lt1"/>
+                </a:solidFill>
+                <a:latin typeface="+mn-lt"/>
+                <a:ea typeface="+mn-ea"/>
+                <a:cs typeface="+mn-cs"/>
+              </a:defRPr>
+            </a:lvl4pPr>
+            <a:lvl5pPr>
+              <a:defRPr>
+                <a:solidFill>
+                  <a:schemeClr val="lt1"/>
+                </a:solidFill>
+                <a:latin typeface="+mn-lt"/>
+                <a:ea typeface="+mn-ea"/>
+                <a:cs typeface="+mn-cs"/>
+              </a:defRPr>
+            </a:lvl5pPr>
+            <a:lvl6pPr>
+              <a:defRPr>
+                <a:solidFill>
+                  <a:schemeClr val="lt1"/>
+                </a:solidFill>
+                <a:latin typeface="+mn-lt"/>
+                <a:ea typeface="+mn-ea"/>
+                <a:cs typeface="+mn-cs"/>
+              </a:defRPr>
+            </a:lvl6pPr>
+            <a:lvl7pPr>
+              <a:defRPr>
+                <a:solidFill>
+                  <a:schemeClr val="lt1"/>
+                </a:solidFill>
+                <a:latin typeface="+mn-lt"/>
+                <a:ea typeface="+mn-ea"/>
+                <a:cs typeface="+mn-cs"/>
+              </a:defRPr>
+            </a:lvl7pPr>
+            <a:lvl8pPr>
+              <a:defRPr>
+                <a:solidFill>
+                  <a:schemeClr val="lt1"/>
+                </a:solidFill>
+                <a:latin typeface="+mn-lt"/>
+                <a:ea typeface="+mn-ea"/>
+                <a:cs typeface="+mn-cs"/>
+              </a:defRPr>
+            </a:lvl8pPr>
+            <a:lvl9pPr>
+              <a:defRPr>
+                <a:solidFill>
+                  <a:schemeClr val="lt1"/>
+                </a:solidFill>
+                <a:latin typeface="+mn-lt"/>
+                <a:ea typeface="+mn-ea"/>
+                <a:cs typeface="+mn-cs"/>
+              </a:defRPr>
+            </a:lvl9pPr>
+          </a:lstStyle>
+          <a:p>
+            <a:r>
+              <a:rPr lang="en-US" b="1" dirty="0" smtClean="0">
+                <a:effectLst>
+                  <a:outerShdw blurRad="38100" dist="38100" dir="2700000" algn="tl">
+                    <a:srgbClr val="000000">
+                      <a:alpha val="43137"/>
+                    </a:srgbClr>
+                  </a:outerShdw>
+                </a:effectLst>
+              </a:rPr>
+              <a:t> Trigonometry</a:t>
+            </a:r>
+            <a:endParaRPr lang="en-US" b="1" i="1" dirty="0">
+              <a:solidFill>
+                <a:srgbClr val="0070C0"/>
+              </a:solidFill>
+              <a:effectLst>
+                <a:outerShdw blurRad="38100" dist="38100" dir="2700000" algn="tl">
+                  <a:srgbClr val="000000">
+                    <a:alpha val="43137"/>
+                  </a:srgbClr>
+                </a:outerShdw>
+              </a:effectLst>
+              <a:latin typeface="Consolas" panose="020B0609020204030204" pitchFamily="49" charset="0"/>
+              <a:cs typeface="Consolas" panose="020B0609020204030204" pitchFamily="49" charset="0"/>
+            </a:endParaRPr>
+          </a:p>
+        </p:txBody>
+      </p:sp>
+      <p:sp>
+        <p:nvSpPr>
+          <p:cNvPr id="2" name="TextBox 1"/>
+          <p:cNvSpPr txBox="1"/>
+          <p:nvPr/>
+        </p:nvSpPr>
+        <p:spPr>
+          <a:xfrm>
+            <a:off x="0" y="857743"/>
+            <a:ext cx="12192001" cy="1015663"/>
+          </a:xfrm>
+          <a:prstGeom prst="rect">
+            <a:avLst/>
+          </a:prstGeom>
+          <a:noFill/>
+        </p:spPr>
+        <p:txBody>
+          <a:bodyPr wrap="square" rtlCol="0">
+            <a:spAutoFit/>
+          </a:bodyPr>
+          <a:lstStyle/>
+          <a:p>
+            <a:pPr marL="342900" indent="-342900">
+              <a:buFont typeface="Arial" panose="020B0604020202020204" pitchFamily="34" charset="0"/>
+              <a:buChar char="•"/>
+            </a:pPr>
+            <a:r>
+              <a:rPr lang="en-US" sz="2000" dirty="0"/>
+              <a:t>You can also do basic trigonometry in Python</a:t>
+            </a:r>
+            <a:r>
+              <a:rPr lang="en-US" sz="2000" dirty="0" smtClean="0"/>
+              <a:t>.</a:t>
+            </a:r>
+          </a:p>
+          <a:p>
+            <a:pPr marL="342900" indent="-342900">
+              <a:buFont typeface="Arial" panose="020B0604020202020204" pitchFamily="34" charset="0"/>
+              <a:buChar char="•"/>
+            </a:pPr>
+            <a:endParaRPr lang="en-US" sz="2000" dirty="0"/>
+          </a:p>
+          <a:p>
+            <a:pPr marL="342900" indent="-342900">
+              <a:buFont typeface="Arial" panose="020B0604020202020204" pitchFamily="34" charset="0"/>
+              <a:buChar char="•"/>
+            </a:pPr>
+            <a:endParaRPr lang="en-US" sz="2000" dirty="0" smtClean="0"/>
+          </a:p>
+        </p:txBody>
+      </p:sp>
+      <p:sp>
+        <p:nvSpPr>
+          <p:cNvPr id="5" name="AutoShape 2" descr="http://raspberry.piaustralia.com.au/product-images/piwithbox.jpg"/>
+          <p:cNvSpPr>
+            <a:spLocks noChangeAspect="1" noChangeArrowheads="1"/>
+          </p:cNvSpPr>
+          <p:nvPr/>
+        </p:nvSpPr>
+        <p:spPr bwMode="auto">
+          <a:xfrm>
+            <a:off x="63500" y="-136525"/>
+            <a:ext cx="9772650" cy="6343650"/>
+          </a:xfrm>
+          <a:prstGeom prst="rect">
+            <a:avLst/>
+          </a:prstGeom>
+          <a:noFill/>
+          <a:extLst>
+            <a:ext uri="{909E8E84-426E-40DD-AFC4-6F175D3DCCD1}">
+              <a14:hiddenFill xmlns:a14="http://schemas.microsoft.com/office/drawing/2010/main">
+                <a:solidFill>
+                  <a:srgbClr val="FFFFFF"/>
+                </a:solidFill>
+              </a14:hiddenFill>
+            </a:ext>
+          </a:extLst>
+        </p:spPr>
+        <p:txBody>
+          <a:bodyPr vert="horz" wrap="square" lIns="91440" tIns="45720" rIns="91440" bIns="45720" numCol="1" anchor="t" anchorCtr="0" compatLnSpc="1">
+            <a:prstTxWarp prst="textNoShape">
+              <a:avLst/>
+            </a:prstTxWarp>
+          </a:bodyPr>
+          <a:lstStyle/>
+          <a:p>
+            <a:endParaRPr lang="en-US"/>
+          </a:p>
+        </p:txBody>
+      </p:sp>
+      <p:pic>
+        <p:nvPicPr>
+          <p:cNvPr id="3" name="Picture 2"/>
+          <p:cNvPicPr>
+            <a:picLocks noChangeAspect="1"/>
+          </p:cNvPicPr>
+          <p:nvPr/>
+        </p:nvPicPr>
+        <p:blipFill>
+          <a:blip r:embed="rId2"/>
+          <a:stretch>
+            <a:fillRect/>
+          </a:stretch>
+        </p:blipFill>
+        <p:spPr>
+          <a:xfrm>
+            <a:off x="636949" y="1365574"/>
+            <a:ext cx="5189084" cy="4085893"/>
+          </a:xfrm>
+          <a:prstGeom prst="rect">
+            <a:avLst/>
+          </a:prstGeom>
+        </p:spPr>
+      </p:pic>
+    </p:spTree>
+    <p:extLst>
+      <p:ext uri="{BB962C8B-B14F-4D97-AF65-F5344CB8AC3E}">
+        <p14:creationId xmlns:p14="http://schemas.microsoft.com/office/powerpoint/2010/main" val="1768564210"/>
+      </p:ext>
+    </p:extLst>
+  </p:cSld>
+  <p:clrMapOvr>
+    <a:masterClrMapping/>
+  </p:clrMapOvr>
+</p:sld>
+</file>
+
+<file path=ppt/slides/slide82.xml><?xml version="1.0" encoding="utf-8"?>
+<p:sld xmlns:a="http://schemas.openxmlformats.org/drawingml/2006/main" xmlns:r="http://schemas.openxmlformats.org/officeDocument/2006/relationships" xmlns:p="http://schemas.openxmlformats.org/presentationml/2006/main">
+  <p:cSld>
+    <p:spTree>
+      <p:nvGrpSpPr>
+        <p:cNvPr id="1" name=""/>
+        <p:cNvGrpSpPr/>
+        <p:nvPr/>
+      </p:nvGrpSpPr>
+      <p:grpSpPr>
+        <a:xfrm>
+          <a:off x="0" y="0"/>
+          <a:ext cx="0" cy="0"/>
+          <a:chOff x="0" y="0"/>
+          <a:chExt cx="0" cy="0"/>
+        </a:xfrm>
+      </p:grpSpPr>
+      <p:sp>
+        <p:nvSpPr>
+          <p:cNvPr id="4" name="Title 1"/>
+          <p:cNvSpPr txBox="1">
+            <a:spLocks/>
+          </p:cNvSpPr>
+          <p:nvPr/>
+        </p:nvSpPr>
+        <p:spPr>
+          <a:xfrm>
+            <a:off x="0" y="1"/>
+            <a:ext cx="12192000" cy="721216"/>
+          </a:xfrm>
+          <a:prstGeom prst="rect">
+            <a:avLst/>
+          </a:prstGeom>
+        </p:spPr>
+        <p:style>
+          <a:lnRef idx="0">
+            <a:schemeClr val="accent1"/>
+          </a:lnRef>
+          <a:fillRef idx="3">
+            <a:schemeClr val="accent1"/>
+          </a:fillRef>
+          <a:effectRef idx="3">
+            <a:schemeClr val="accent1"/>
+          </a:effectRef>
+          <a:fontRef idx="minor">
+            <a:schemeClr val="lt1"/>
+          </a:fontRef>
+        </p:style>
+        <p:txBody>
+          <a:bodyPr vert="horz" lIns="91440" tIns="45720" rIns="91440" bIns="45720" rtlCol="0" anchor="ctr">
+            <a:normAutofit/>
+          </a:bodyPr>
+          <a:lstStyle>
+            <a:lvl1pPr algn="l" defTabSz="914400" rtl="0" eaLnBrk="1" latinLnBrk="0" hangingPunct="1">
+              <a:lnSpc>
+                <a:spcPct val="90000"/>
+              </a:lnSpc>
+              <a:spcBef>
+                <a:spcPct val="0"/>
+              </a:spcBef>
+              <a:buNone/>
+              <a:defRPr sz="4400" kern="1200">
+                <a:solidFill>
+                  <a:schemeClr val="lt1"/>
+                </a:solidFill>
+                <a:latin typeface="+mn-lt"/>
+                <a:ea typeface="+mn-ea"/>
+                <a:cs typeface="+mn-cs"/>
+              </a:defRPr>
+            </a:lvl1pPr>
+            <a:lvl2pPr>
+              <a:defRPr>
+                <a:solidFill>
+                  <a:schemeClr val="lt1"/>
+                </a:solidFill>
+                <a:latin typeface="+mn-lt"/>
+                <a:ea typeface="+mn-ea"/>
+                <a:cs typeface="+mn-cs"/>
+              </a:defRPr>
+            </a:lvl2pPr>
+            <a:lvl3pPr>
+              <a:defRPr>
+                <a:solidFill>
+                  <a:schemeClr val="lt1"/>
+                </a:solidFill>
+                <a:latin typeface="+mn-lt"/>
+                <a:ea typeface="+mn-ea"/>
+                <a:cs typeface="+mn-cs"/>
+              </a:defRPr>
+            </a:lvl3pPr>
+            <a:lvl4pPr>
+              <a:defRPr>
+                <a:solidFill>
+                  <a:schemeClr val="lt1"/>
+                </a:solidFill>
+                <a:latin typeface="+mn-lt"/>
+                <a:ea typeface="+mn-ea"/>
+                <a:cs typeface="+mn-cs"/>
+              </a:defRPr>
+            </a:lvl4pPr>
+            <a:lvl5pPr>
+              <a:defRPr>
+                <a:solidFill>
+                  <a:schemeClr val="lt1"/>
+                </a:solidFill>
+                <a:latin typeface="+mn-lt"/>
+                <a:ea typeface="+mn-ea"/>
+                <a:cs typeface="+mn-cs"/>
+              </a:defRPr>
+            </a:lvl5pPr>
+            <a:lvl6pPr>
+              <a:defRPr>
+                <a:solidFill>
+                  <a:schemeClr val="lt1"/>
+                </a:solidFill>
+                <a:latin typeface="+mn-lt"/>
+                <a:ea typeface="+mn-ea"/>
+                <a:cs typeface="+mn-cs"/>
+              </a:defRPr>
+            </a:lvl6pPr>
+            <a:lvl7pPr>
+              <a:defRPr>
+                <a:solidFill>
+                  <a:schemeClr val="lt1"/>
+                </a:solidFill>
+                <a:latin typeface="+mn-lt"/>
+                <a:ea typeface="+mn-ea"/>
+                <a:cs typeface="+mn-cs"/>
+              </a:defRPr>
+            </a:lvl7pPr>
+            <a:lvl8pPr>
+              <a:defRPr>
+                <a:solidFill>
+                  <a:schemeClr val="lt1"/>
+                </a:solidFill>
+                <a:latin typeface="+mn-lt"/>
+                <a:ea typeface="+mn-ea"/>
+                <a:cs typeface="+mn-cs"/>
+              </a:defRPr>
+            </a:lvl8pPr>
+            <a:lvl9pPr>
+              <a:defRPr>
+                <a:solidFill>
+                  <a:schemeClr val="lt1"/>
+                </a:solidFill>
+                <a:latin typeface="+mn-lt"/>
+                <a:ea typeface="+mn-ea"/>
+                <a:cs typeface="+mn-cs"/>
+              </a:defRPr>
+            </a:lvl9pPr>
+          </a:lstStyle>
+          <a:p>
+            <a:r>
+              <a:rPr lang="en-US" b="1" dirty="0" smtClean="0">
+                <a:effectLst>
+                  <a:outerShdw blurRad="38100" dist="38100" dir="2700000" algn="tl">
+                    <a:srgbClr val="000000">
+                      <a:alpha val="43137"/>
+                    </a:srgbClr>
+                  </a:outerShdw>
+                </a:effectLst>
+              </a:rPr>
+              <a:t> Trigonometry</a:t>
+            </a:r>
+            <a:endParaRPr lang="en-US" b="1" i="1" dirty="0">
+              <a:solidFill>
+                <a:srgbClr val="0070C0"/>
+              </a:solidFill>
+              <a:effectLst>
+                <a:outerShdw blurRad="38100" dist="38100" dir="2700000" algn="tl">
+                  <a:srgbClr val="000000">
+                    <a:alpha val="43137"/>
+                  </a:srgbClr>
+                </a:outerShdw>
+              </a:effectLst>
+              <a:latin typeface="Consolas" panose="020B0609020204030204" pitchFamily="49" charset="0"/>
+              <a:cs typeface="Consolas" panose="020B0609020204030204" pitchFamily="49" charset="0"/>
+            </a:endParaRPr>
+          </a:p>
+        </p:txBody>
+      </p:sp>
+      <p:sp>
+        <p:nvSpPr>
+          <p:cNvPr id="2" name="TextBox 1"/>
+          <p:cNvSpPr txBox="1"/>
+          <p:nvPr/>
+        </p:nvSpPr>
+        <p:spPr>
+          <a:xfrm>
+            <a:off x="0" y="857743"/>
+            <a:ext cx="12192001" cy="2554545"/>
+          </a:xfrm>
+          <a:prstGeom prst="rect">
+            <a:avLst/>
+          </a:prstGeom>
+          <a:noFill/>
+        </p:spPr>
+        <p:txBody>
+          <a:bodyPr wrap="square" rtlCol="0">
+            <a:spAutoFit/>
+          </a:bodyPr>
+          <a:lstStyle/>
+          <a:p>
+            <a:pPr marL="342900" indent="-342900">
+              <a:buFont typeface="Arial" panose="020B0604020202020204" pitchFamily="34" charset="0"/>
+              <a:buChar char="•"/>
+            </a:pPr>
+            <a:r>
+              <a:rPr lang="en-US" sz="2000" dirty="0"/>
+              <a:t>①	The </a:t>
+            </a:r>
+            <a:r>
+              <a:rPr lang="en-US" b="1" i="1" dirty="0">
+                <a:solidFill>
+                  <a:srgbClr val="0070C0"/>
+                </a:solidFill>
+                <a:latin typeface="Consolas" panose="020B0609020204030204" pitchFamily="49" charset="0"/>
+                <a:cs typeface="Consolas" panose="020B0609020204030204" pitchFamily="49" charset="0"/>
+              </a:rPr>
+              <a:t>math</a:t>
+            </a:r>
+            <a:r>
+              <a:rPr lang="en-US" sz="2000" dirty="0"/>
+              <a:t> module has a constant for </a:t>
+            </a:r>
+            <a:r>
+              <a:rPr lang="el-GR" b="1" i="1" dirty="0">
+                <a:solidFill>
+                  <a:srgbClr val="0070C0"/>
+                </a:solidFill>
+                <a:latin typeface="Consolas" panose="020B0609020204030204" pitchFamily="49" charset="0"/>
+                <a:cs typeface="Consolas" panose="020B0609020204030204" pitchFamily="49" charset="0"/>
+              </a:rPr>
+              <a:t>π</a:t>
+            </a:r>
+            <a:r>
+              <a:rPr lang="el-GR" sz="2000" dirty="0"/>
+              <a:t>, </a:t>
+            </a:r>
+            <a:r>
+              <a:rPr lang="en-US" sz="2000" dirty="0"/>
+              <a:t>the ratio of a circle’s circumference to its diameter.</a:t>
+            </a:r>
+          </a:p>
+          <a:p>
+            <a:pPr marL="342900" indent="-342900">
+              <a:buFont typeface="Arial" panose="020B0604020202020204" pitchFamily="34" charset="0"/>
+              <a:buChar char="•"/>
+            </a:pPr>
+            <a:endParaRPr lang="en-US" sz="2000" dirty="0" smtClean="0"/>
+          </a:p>
+          <a:p>
+            <a:pPr marL="342900" indent="-342900">
+              <a:buFont typeface="Arial" panose="020B0604020202020204" pitchFamily="34" charset="0"/>
+              <a:buChar char="•"/>
+            </a:pPr>
+            <a:r>
+              <a:rPr lang="en-US" sz="2000" dirty="0" smtClean="0"/>
+              <a:t>②</a:t>
+            </a:r>
+            <a:r>
+              <a:rPr lang="en-US" sz="2000" dirty="0"/>
+              <a:t>	The </a:t>
+            </a:r>
+            <a:r>
+              <a:rPr lang="en-US" b="1" i="1" dirty="0">
+                <a:solidFill>
+                  <a:srgbClr val="0070C0"/>
+                </a:solidFill>
+                <a:latin typeface="Consolas" panose="020B0609020204030204" pitchFamily="49" charset="0"/>
+                <a:cs typeface="Consolas" panose="020B0609020204030204" pitchFamily="49" charset="0"/>
+              </a:rPr>
+              <a:t>math</a:t>
+            </a:r>
+            <a:r>
+              <a:rPr lang="en-US" sz="2000" dirty="0"/>
+              <a:t> module has all the basic trigonometric functions, including </a:t>
+            </a:r>
+            <a:r>
+              <a:rPr lang="en-US" b="1" i="1" dirty="0">
+                <a:solidFill>
+                  <a:srgbClr val="0070C0"/>
+                </a:solidFill>
+                <a:latin typeface="Consolas" panose="020B0609020204030204" pitchFamily="49" charset="0"/>
+                <a:cs typeface="Consolas" panose="020B0609020204030204" pitchFamily="49" charset="0"/>
+              </a:rPr>
+              <a:t>sin()</a:t>
+            </a:r>
+            <a:r>
+              <a:rPr lang="en-US" sz="2000" dirty="0"/>
+              <a:t>, </a:t>
+            </a:r>
+            <a:r>
+              <a:rPr lang="en-US" b="1" i="1" dirty="0">
+                <a:solidFill>
+                  <a:srgbClr val="0070C0"/>
+                </a:solidFill>
+                <a:latin typeface="Consolas" panose="020B0609020204030204" pitchFamily="49" charset="0"/>
+                <a:cs typeface="Consolas" panose="020B0609020204030204" pitchFamily="49" charset="0"/>
+              </a:rPr>
+              <a:t>cos()</a:t>
+            </a:r>
+            <a:r>
+              <a:rPr lang="en-US" sz="2000" dirty="0"/>
+              <a:t>, </a:t>
+            </a:r>
+            <a:r>
+              <a:rPr lang="en-US" b="1" i="1" dirty="0">
+                <a:solidFill>
+                  <a:srgbClr val="0070C0"/>
+                </a:solidFill>
+                <a:latin typeface="Consolas" panose="020B0609020204030204" pitchFamily="49" charset="0"/>
+                <a:cs typeface="Consolas" panose="020B0609020204030204" pitchFamily="49" charset="0"/>
+              </a:rPr>
+              <a:t>tan()</a:t>
+            </a:r>
+            <a:r>
+              <a:rPr lang="en-US" sz="2000" dirty="0"/>
+              <a:t>, and variants like </a:t>
+            </a:r>
+            <a:r>
+              <a:rPr lang="en-US" b="1" i="1" dirty="0">
+                <a:solidFill>
+                  <a:srgbClr val="0070C0"/>
+                </a:solidFill>
+                <a:latin typeface="Consolas" panose="020B0609020204030204" pitchFamily="49" charset="0"/>
+                <a:cs typeface="Consolas" panose="020B0609020204030204" pitchFamily="49" charset="0"/>
+              </a:rPr>
+              <a:t>asin()</a:t>
+            </a:r>
+            <a:r>
+              <a:rPr lang="en-US" sz="2000" dirty="0"/>
+              <a:t>.</a:t>
+            </a:r>
+          </a:p>
+          <a:p>
+            <a:pPr marL="342900" indent="-342900">
+              <a:buFont typeface="Arial" panose="020B0604020202020204" pitchFamily="34" charset="0"/>
+              <a:buChar char="•"/>
+            </a:pPr>
+            <a:endParaRPr lang="en-US" sz="2000" dirty="0" smtClean="0"/>
+          </a:p>
+          <a:p>
+            <a:pPr marL="342900" indent="-342900">
+              <a:buFont typeface="Arial" panose="020B0604020202020204" pitchFamily="34" charset="0"/>
+              <a:buChar char="•"/>
+            </a:pPr>
+            <a:r>
+              <a:rPr lang="en-US" sz="2000" dirty="0" smtClean="0"/>
+              <a:t>③</a:t>
+            </a:r>
+            <a:r>
+              <a:rPr lang="en-US" sz="2000" dirty="0"/>
+              <a:t>	Note, however, that </a:t>
+            </a:r>
+            <a:r>
+              <a:rPr lang="en-US" sz="2000" b="1" dirty="0">
+                <a:solidFill>
+                  <a:srgbClr val="FF0000"/>
+                </a:solidFill>
+              </a:rPr>
+              <a:t>Python does not have infinite precision</a:t>
+            </a:r>
+            <a:r>
+              <a:rPr lang="en-US" sz="2000" dirty="0"/>
+              <a:t>. </a:t>
+            </a:r>
+            <a:r>
+              <a:rPr lang="en-US" b="1" i="1" dirty="0">
+                <a:solidFill>
+                  <a:srgbClr val="0070C0"/>
+                </a:solidFill>
+                <a:latin typeface="Consolas" panose="020B0609020204030204" pitchFamily="49" charset="0"/>
+                <a:cs typeface="Consolas" panose="020B0609020204030204" pitchFamily="49" charset="0"/>
+              </a:rPr>
+              <a:t>tan(</a:t>
+            </a:r>
+            <a:r>
+              <a:rPr lang="el-GR" b="1" i="1" dirty="0">
+                <a:solidFill>
+                  <a:srgbClr val="0070C0"/>
+                </a:solidFill>
+                <a:latin typeface="Consolas" panose="020B0609020204030204" pitchFamily="49" charset="0"/>
+                <a:cs typeface="Consolas" panose="020B0609020204030204" pitchFamily="49" charset="0"/>
+              </a:rPr>
+              <a:t>π / 4) </a:t>
+            </a:r>
+            <a:r>
+              <a:rPr lang="en-US" sz="2000" dirty="0"/>
+              <a:t>should return </a:t>
+            </a:r>
+            <a:r>
+              <a:rPr lang="en-US" b="1" i="1" dirty="0">
+                <a:solidFill>
+                  <a:srgbClr val="0070C0"/>
+                </a:solidFill>
+                <a:latin typeface="Consolas" panose="020B0609020204030204" pitchFamily="49" charset="0"/>
+                <a:cs typeface="Consolas" panose="020B0609020204030204" pitchFamily="49" charset="0"/>
+              </a:rPr>
+              <a:t>1.0</a:t>
+            </a:r>
+            <a:r>
+              <a:rPr lang="en-US" sz="2000" dirty="0"/>
+              <a:t>, not </a:t>
+            </a:r>
+            <a:r>
+              <a:rPr lang="en-US" b="1" i="1" dirty="0">
+                <a:solidFill>
+                  <a:srgbClr val="0070C0"/>
+                </a:solidFill>
+                <a:latin typeface="Consolas" panose="020B0609020204030204" pitchFamily="49" charset="0"/>
+                <a:cs typeface="Consolas" panose="020B0609020204030204" pitchFamily="49" charset="0"/>
+              </a:rPr>
+              <a:t>0.99999999999999989</a:t>
+            </a:r>
+            <a:r>
+              <a:rPr lang="en-US" sz="2000" dirty="0"/>
+              <a:t>. </a:t>
+            </a:r>
+          </a:p>
+          <a:p>
+            <a:pPr marL="342900" indent="-342900">
+              <a:buFont typeface="Arial" panose="020B0604020202020204" pitchFamily="34" charset="0"/>
+              <a:buChar char="•"/>
+            </a:pPr>
+            <a:endParaRPr lang="en-US" sz="2000" dirty="0" smtClean="0"/>
+          </a:p>
+        </p:txBody>
+      </p:sp>
+      <p:sp>
+        <p:nvSpPr>
+          <p:cNvPr id="5" name="AutoShape 2" descr="http://raspberry.piaustralia.com.au/product-images/piwithbox.jpg"/>
+          <p:cNvSpPr>
+            <a:spLocks noChangeAspect="1" noChangeArrowheads="1"/>
+          </p:cNvSpPr>
+          <p:nvPr/>
+        </p:nvSpPr>
+        <p:spPr bwMode="auto">
+          <a:xfrm>
+            <a:off x="63500" y="-136525"/>
+            <a:ext cx="9772650" cy="6343650"/>
+          </a:xfrm>
+          <a:prstGeom prst="rect">
+            <a:avLst/>
+          </a:prstGeom>
+          <a:noFill/>
+          <a:extLst>
+            <a:ext uri="{909E8E84-426E-40DD-AFC4-6F175D3DCCD1}">
+              <a14:hiddenFill xmlns:a14="http://schemas.microsoft.com/office/drawing/2010/main">
+                <a:solidFill>
+                  <a:srgbClr val="FFFFFF"/>
+                </a:solidFill>
+              </a14:hiddenFill>
+            </a:ext>
+          </a:extLst>
+        </p:spPr>
+        <p:txBody>
+          <a:bodyPr vert="horz" wrap="square" lIns="91440" tIns="45720" rIns="91440" bIns="45720" numCol="1" anchor="t" anchorCtr="0" compatLnSpc="1">
+            <a:prstTxWarp prst="textNoShape">
+              <a:avLst/>
+            </a:prstTxWarp>
+          </a:bodyPr>
+          <a:lstStyle/>
+          <a:p>
+            <a:endParaRPr lang="en-US"/>
+          </a:p>
+        </p:txBody>
+      </p:sp>
+    </p:spTree>
+    <p:extLst>
+      <p:ext uri="{BB962C8B-B14F-4D97-AF65-F5344CB8AC3E}">
+        <p14:creationId xmlns:p14="http://schemas.microsoft.com/office/powerpoint/2010/main" val="2258225600"/>
+      </p:ext>
+    </p:extLst>
+  </p:cSld>
+  <p:clrMapOvr>
+    <a:masterClrMapping/>
+  </p:clrMapOvr>
+</p:sld>
+</file>
+
+<file path=ppt/slides/slide83.xml><?xml version="1.0" encoding="utf-8"?>
+<p:sld xmlns:a="http://schemas.openxmlformats.org/drawingml/2006/main" xmlns:r="http://schemas.openxmlformats.org/officeDocument/2006/relationships" xmlns:p="http://schemas.openxmlformats.org/presentationml/2006/main">
+  <p:cSld>
+    <p:spTree>
+      <p:nvGrpSpPr>
+        <p:cNvPr id="1" name=""/>
+        <p:cNvGrpSpPr/>
+        <p:nvPr/>
+      </p:nvGrpSpPr>
+      <p:grpSpPr>
+        <a:xfrm>
+          <a:off x="0" y="0"/>
+          <a:ext cx="0" cy="0"/>
+          <a:chOff x="0" y="0"/>
+          <a:chExt cx="0" cy="0"/>
+        </a:xfrm>
+      </p:grpSpPr>
+      <p:sp>
+        <p:nvSpPr>
+          <p:cNvPr id="4" name="Title 1"/>
+          <p:cNvSpPr txBox="1">
+            <a:spLocks/>
+          </p:cNvSpPr>
+          <p:nvPr/>
+        </p:nvSpPr>
+        <p:spPr>
+          <a:xfrm>
+            <a:off x="0" y="1"/>
+            <a:ext cx="12192000" cy="721216"/>
+          </a:xfrm>
+          <a:prstGeom prst="rect">
+            <a:avLst/>
+          </a:prstGeom>
+        </p:spPr>
+        <p:style>
+          <a:lnRef idx="0">
+            <a:schemeClr val="accent1"/>
+          </a:lnRef>
+          <a:fillRef idx="3">
+            <a:schemeClr val="accent1"/>
+          </a:fillRef>
+          <a:effectRef idx="3">
+            <a:schemeClr val="accent1"/>
+          </a:effectRef>
+          <a:fontRef idx="minor">
+            <a:schemeClr val="lt1"/>
+          </a:fontRef>
+        </p:style>
+        <p:txBody>
+          <a:bodyPr vert="horz" lIns="91440" tIns="45720" rIns="91440" bIns="45720" rtlCol="0" anchor="ctr">
+            <a:normAutofit/>
+          </a:bodyPr>
+          <a:lstStyle>
+            <a:lvl1pPr algn="l" defTabSz="914400" rtl="0" eaLnBrk="1" latinLnBrk="0" hangingPunct="1">
+              <a:lnSpc>
+                <a:spcPct val="90000"/>
+              </a:lnSpc>
+              <a:spcBef>
+                <a:spcPct val="0"/>
+              </a:spcBef>
+              <a:buNone/>
+              <a:defRPr sz="4400" kern="1200">
+                <a:solidFill>
+                  <a:schemeClr val="lt1"/>
+                </a:solidFill>
+                <a:latin typeface="+mn-lt"/>
+                <a:ea typeface="+mn-ea"/>
+                <a:cs typeface="+mn-cs"/>
+              </a:defRPr>
+            </a:lvl1pPr>
+            <a:lvl2pPr>
+              <a:defRPr>
+                <a:solidFill>
+                  <a:schemeClr val="lt1"/>
+                </a:solidFill>
+                <a:latin typeface="+mn-lt"/>
+                <a:ea typeface="+mn-ea"/>
+                <a:cs typeface="+mn-cs"/>
+              </a:defRPr>
+            </a:lvl2pPr>
+            <a:lvl3pPr>
+              <a:defRPr>
+                <a:solidFill>
+                  <a:schemeClr val="lt1"/>
+                </a:solidFill>
+                <a:latin typeface="+mn-lt"/>
+                <a:ea typeface="+mn-ea"/>
+                <a:cs typeface="+mn-cs"/>
+              </a:defRPr>
+            </a:lvl3pPr>
+            <a:lvl4pPr>
+              <a:defRPr>
+                <a:solidFill>
+                  <a:schemeClr val="lt1"/>
+                </a:solidFill>
+                <a:latin typeface="+mn-lt"/>
+                <a:ea typeface="+mn-ea"/>
+                <a:cs typeface="+mn-cs"/>
+              </a:defRPr>
+            </a:lvl4pPr>
+            <a:lvl5pPr>
+              <a:defRPr>
+                <a:solidFill>
+                  <a:schemeClr val="lt1"/>
+                </a:solidFill>
+                <a:latin typeface="+mn-lt"/>
+                <a:ea typeface="+mn-ea"/>
+                <a:cs typeface="+mn-cs"/>
+              </a:defRPr>
+            </a:lvl5pPr>
+            <a:lvl6pPr>
+              <a:defRPr>
+                <a:solidFill>
+                  <a:schemeClr val="lt1"/>
+                </a:solidFill>
+                <a:latin typeface="+mn-lt"/>
+                <a:ea typeface="+mn-ea"/>
+                <a:cs typeface="+mn-cs"/>
+              </a:defRPr>
+            </a:lvl6pPr>
+            <a:lvl7pPr>
+              <a:defRPr>
+                <a:solidFill>
+                  <a:schemeClr val="lt1"/>
+                </a:solidFill>
+                <a:latin typeface="+mn-lt"/>
+                <a:ea typeface="+mn-ea"/>
+                <a:cs typeface="+mn-cs"/>
+              </a:defRPr>
+            </a:lvl7pPr>
+            <a:lvl8pPr>
+              <a:defRPr>
+                <a:solidFill>
+                  <a:schemeClr val="lt1"/>
+                </a:solidFill>
+                <a:latin typeface="+mn-lt"/>
+                <a:ea typeface="+mn-ea"/>
+                <a:cs typeface="+mn-cs"/>
+              </a:defRPr>
+            </a:lvl8pPr>
+            <a:lvl9pPr>
+              <a:defRPr>
+                <a:solidFill>
+                  <a:schemeClr val="lt1"/>
+                </a:solidFill>
+                <a:latin typeface="+mn-lt"/>
+                <a:ea typeface="+mn-ea"/>
+                <a:cs typeface="+mn-cs"/>
+              </a:defRPr>
+            </a:lvl9pPr>
+          </a:lstStyle>
+          <a:p>
+            <a:r>
+              <a:rPr lang="en-US" b="1" dirty="0">
+                <a:effectLst>
+                  <a:outerShdw blurRad="38100" dist="38100" dir="2700000" algn="tl">
+                    <a:srgbClr val="000000">
+                      <a:alpha val="43137"/>
+                    </a:srgbClr>
+                  </a:outerShdw>
+                </a:effectLst>
+              </a:rPr>
+              <a:t>Numbers In A Boolean Context</a:t>
+            </a:r>
+            <a:endParaRPr lang="en-US" b="1" i="1" dirty="0">
+              <a:solidFill>
+                <a:srgbClr val="0070C0"/>
+              </a:solidFill>
+              <a:effectLst>
+                <a:outerShdw blurRad="38100" dist="38100" dir="2700000" algn="tl">
+                  <a:srgbClr val="000000">
+                    <a:alpha val="43137"/>
+                  </a:srgbClr>
+                </a:outerShdw>
+              </a:effectLst>
+              <a:latin typeface="Consolas" panose="020B0609020204030204" pitchFamily="49" charset="0"/>
+              <a:cs typeface="Consolas" panose="020B0609020204030204" pitchFamily="49" charset="0"/>
+            </a:endParaRPr>
+          </a:p>
+        </p:txBody>
+      </p:sp>
+      <p:sp>
+        <p:nvSpPr>
+          <p:cNvPr id="2" name="TextBox 1"/>
+          <p:cNvSpPr txBox="1"/>
+          <p:nvPr/>
+        </p:nvSpPr>
+        <p:spPr>
+          <a:xfrm>
+            <a:off x="0" y="857743"/>
+            <a:ext cx="12192001" cy="707886"/>
+          </a:xfrm>
+          <a:prstGeom prst="rect">
+            <a:avLst/>
+          </a:prstGeom>
+          <a:noFill/>
+        </p:spPr>
+        <p:txBody>
+          <a:bodyPr wrap="square" rtlCol="0">
+            <a:spAutoFit/>
+          </a:bodyPr>
+          <a:lstStyle/>
+          <a:p>
+            <a:pPr marL="342900" indent="-342900">
+              <a:buFont typeface="Arial" panose="020B0604020202020204" pitchFamily="34" charset="0"/>
+              <a:buChar char="•"/>
+            </a:pPr>
+            <a:r>
+              <a:rPr lang="en-US" sz="2000" dirty="0"/>
+              <a:t>You can use numbers in a boolean context, such as an </a:t>
+            </a:r>
+            <a:r>
+              <a:rPr lang="en-US" b="1" i="1" dirty="0">
+                <a:solidFill>
+                  <a:srgbClr val="0070C0"/>
+                </a:solidFill>
+                <a:latin typeface="Consolas" panose="020B0609020204030204" pitchFamily="49" charset="0"/>
+                <a:cs typeface="Consolas" panose="020B0609020204030204" pitchFamily="49" charset="0"/>
+              </a:rPr>
+              <a:t>if</a:t>
+            </a:r>
+            <a:r>
+              <a:rPr lang="en-US" sz="2000" dirty="0"/>
+              <a:t> </a:t>
+            </a:r>
+            <a:r>
+              <a:rPr lang="en-US" sz="2000" dirty="0" smtClean="0"/>
+              <a:t>statement</a:t>
+            </a:r>
+            <a:r>
+              <a:rPr lang="en-US" sz="2000" dirty="0"/>
+              <a:t>.</a:t>
+            </a:r>
+            <a:r>
+              <a:rPr lang="en-US" sz="2000" b="1" dirty="0" smtClean="0"/>
+              <a:t> </a:t>
+            </a:r>
+            <a:r>
+              <a:rPr lang="en-US" sz="2000" b="1" dirty="0"/>
+              <a:t>Zero values are false, and non-zero values are true. </a:t>
+            </a:r>
+            <a:endParaRPr lang="en-US" sz="2000" b="1" dirty="0" smtClean="0"/>
+          </a:p>
+        </p:txBody>
+      </p:sp>
+      <p:sp>
+        <p:nvSpPr>
+          <p:cNvPr id="5" name="AutoShape 2" descr="http://raspberry.piaustralia.com.au/product-images/piwithbox.jpg"/>
+          <p:cNvSpPr>
+            <a:spLocks noChangeAspect="1" noChangeArrowheads="1"/>
+          </p:cNvSpPr>
+          <p:nvPr/>
+        </p:nvSpPr>
+        <p:spPr bwMode="auto">
+          <a:xfrm>
+            <a:off x="63500" y="-136525"/>
+            <a:ext cx="9772650" cy="6343650"/>
+          </a:xfrm>
+          <a:prstGeom prst="rect">
+            <a:avLst/>
+          </a:prstGeom>
+          <a:noFill/>
+          <a:extLst>
+            <a:ext uri="{909E8E84-426E-40DD-AFC4-6F175D3DCCD1}">
+              <a14:hiddenFill xmlns:a14="http://schemas.microsoft.com/office/drawing/2010/main">
+                <a:solidFill>
+                  <a:srgbClr val="FFFFFF"/>
+                </a:solidFill>
+              </a14:hiddenFill>
+            </a:ext>
+          </a:extLst>
+        </p:spPr>
+        <p:txBody>
+          <a:bodyPr vert="horz" wrap="square" lIns="91440" tIns="45720" rIns="91440" bIns="45720" numCol="1" anchor="t" anchorCtr="0" compatLnSpc="1">
+            <a:prstTxWarp prst="textNoShape">
+              <a:avLst/>
+            </a:prstTxWarp>
+          </a:bodyPr>
+          <a:lstStyle/>
+          <a:p>
+            <a:endParaRPr lang="en-US"/>
+          </a:p>
+        </p:txBody>
+      </p:sp>
+      <p:pic>
+        <p:nvPicPr>
+          <p:cNvPr id="6" name="Picture 5"/>
+          <p:cNvPicPr>
+            <a:picLocks noChangeAspect="1"/>
+          </p:cNvPicPr>
+          <p:nvPr/>
+        </p:nvPicPr>
+        <p:blipFill>
+          <a:blip r:embed="rId2"/>
+          <a:stretch>
+            <a:fillRect/>
+          </a:stretch>
+        </p:blipFill>
+        <p:spPr>
+          <a:xfrm>
+            <a:off x="796926" y="1702155"/>
+            <a:ext cx="5564686" cy="5077268"/>
+          </a:xfrm>
+          <a:prstGeom prst="rect">
+            <a:avLst/>
+          </a:prstGeom>
+        </p:spPr>
+      </p:pic>
+    </p:spTree>
+    <p:extLst>
+      <p:ext uri="{BB962C8B-B14F-4D97-AF65-F5344CB8AC3E}">
+        <p14:creationId xmlns:p14="http://schemas.microsoft.com/office/powerpoint/2010/main" val="373272407"/>
+      </p:ext>
+    </p:extLst>
+  </p:cSld>
+  <p:clrMapOvr>
+    <a:masterClrMapping/>
+  </p:clrMapOvr>
+</p:sld>
+</file>
+
+<file path=ppt/slides/slide84.xml><?xml version="1.0" encoding="utf-8"?>
+<p:sld xmlns:a="http://schemas.openxmlformats.org/drawingml/2006/main" xmlns:r="http://schemas.openxmlformats.org/officeDocument/2006/relationships" xmlns:p="http://schemas.openxmlformats.org/presentationml/2006/main">
+  <p:cSld>
+    <p:spTree>
+      <p:nvGrpSpPr>
+        <p:cNvPr id="1" name=""/>
+        <p:cNvGrpSpPr/>
+        <p:nvPr/>
+      </p:nvGrpSpPr>
+      <p:grpSpPr>
+        <a:xfrm>
+          <a:off x="0" y="0"/>
+          <a:ext cx="0" cy="0"/>
+          <a:chOff x="0" y="0"/>
+          <a:chExt cx="0" cy="0"/>
+        </a:xfrm>
+      </p:grpSpPr>
+      <p:sp>
+        <p:nvSpPr>
+          <p:cNvPr id="4" name="Title 1"/>
+          <p:cNvSpPr txBox="1">
+            <a:spLocks/>
+          </p:cNvSpPr>
+          <p:nvPr/>
+        </p:nvSpPr>
+        <p:spPr>
+          <a:xfrm>
+            <a:off x="0" y="1"/>
+            <a:ext cx="12192000" cy="721216"/>
+          </a:xfrm>
+          <a:prstGeom prst="rect">
+            <a:avLst/>
+          </a:prstGeom>
+        </p:spPr>
+        <p:style>
+          <a:lnRef idx="0">
+            <a:schemeClr val="accent1"/>
+          </a:lnRef>
+          <a:fillRef idx="3">
+            <a:schemeClr val="accent1"/>
+          </a:fillRef>
+          <a:effectRef idx="3">
+            <a:schemeClr val="accent1"/>
+          </a:effectRef>
+          <a:fontRef idx="minor">
+            <a:schemeClr val="lt1"/>
+          </a:fontRef>
+        </p:style>
+        <p:txBody>
+          <a:bodyPr vert="horz" lIns="91440" tIns="45720" rIns="91440" bIns="45720" rtlCol="0" anchor="ctr">
+            <a:normAutofit/>
+          </a:bodyPr>
+          <a:lstStyle>
+            <a:lvl1pPr algn="l" defTabSz="914400" rtl="0" eaLnBrk="1" latinLnBrk="0" hangingPunct="1">
+              <a:lnSpc>
+                <a:spcPct val="90000"/>
+              </a:lnSpc>
+              <a:spcBef>
+                <a:spcPct val="0"/>
+              </a:spcBef>
+              <a:buNone/>
+              <a:defRPr sz="4400" kern="1200">
+                <a:solidFill>
+                  <a:schemeClr val="lt1"/>
+                </a:solidFill>
+                <a:latin typeface="+mn-lt"/>
+                <a:ea typeface="+mn-ea"/>
+                <a:cs typeface="+mn-cs"/>
+              </a:defRPr>
+            </a:lvl1pPr>
+            <a:lvl2pPr>
+              <a:defRPr>
+                <a:solidFill>
+                  <a:schemeClr val="lt1"/>
+                </a:solidFill>
+                <a:latin typeface="+mn-lt"/>
+                <a:ea typeface="+mn-ea"/>
+                <a:cs typeface="+mn-cs"/>
+              </a:defRPr>
+            </a:lvl2pPr>
+            <a:lvl3pPr>
+              <a:defRPr>
+                <a:solidFill>
+                  <a:schemeClr val="lt1"/>
+                </a:solidFill>
+                <a:latin typeface="+mn-lt"/>
+                <a:ea typeface="+mn-ea"/>
+                <a:cs typeface="+mn-cs"/>
+              </a:defRPr>
+            </a:lvl3pPr>
+            <a:lvl4pPr>
+              <a:defRPr>
+                <a:solidFill>
+                  <a:schemeClr val="lt1"/>
+                </a:solidFill>
+                <a:latin typeface="+mn-lt"/>
+                <a:ea typeface="+mn-ea"/>
+                <a:cs typeface="+mn-cs"/>
+              </a:defRPr>
+            </a:lvl4pPr>
+            <a:lvl5pPr>
+              <a:defRPr>
+                <a:solidFill>
+                  <a:schemeClr val="lt1"/>
+                </a:solidFill>
+                <a:latin typeface="+mn-lt"/>
+                <a:ea typeface="+mn-ea"/>
+                <a:cs typeface="+mn-cs"/>
+              </a:defRPr>
+            </a:lvl5pPr>
+            <a:lvl6pPr>
+              <a:defRPr>
+                <a:solidFill>
+                  <a:schemeClr val="lt1"/>
+                </a:solidFill>
+                <a:latin typeface="+mn-lt"/>
+                <a:ea typeface="+mn-ea"/>
+                <a:cs typeface="+mn-cs"/>
+              </a:defRPr>
+            </a:lvl6pPr>
+            <a:lvl7pPr>
+              <a:defRPr>
+                <a:solidFill>
+                  <a:schemeClr val="lt1"/>
+                </a:solidFill>
+                <a:latin typeface="+mn-lt"/>
+                <a:ea typeface="+mn-ea"/>
+                <a:cs typeface="+mn-cs"/>
+              </a:defRPr>
+            </a:lvl7pPr>
+            <a:lvl8pPr>
+              <a:defRPr>
+                <a:solidFill>
+                  <a:schemeClr val="lt1"/>
+                </a:solidFill>
+                <a:latin typeface="+mn-lt"/>
+                <a:ea typeface="+mn-ea"/>
+                <a:cs typeface="+mn-cs"/>
+              </a:defRPr>
+            </a:lvl8pPr>
+            <a:lvl9pPr>
+              <a:defRPr>
+                <a:solidFill>
+                  <a:schemeClr val="lt1"/>
+                </a:solidFill>
+                <a:latin typeface="+mn-lt"/>
+                <a:ea typeface="+mn-ea"/>
+                <a:cs typeface="+mn-cs"/>
+              </a:defRPr>
+            </a:lvl9pPr>
+          </a:lstStyle>
+          <a:p>
+            <a:r>
+              <a:rPr lang="en-US" b="1" dirty="0">
+                <a:effectLst>
+                  <a:outerShdw blurRad="38100" dist="38100" dir="2700000" algn="tl">
+                    <a:srgbClr val="000000">
+                      <a:alpha val="43137"/>
+                    </a:srgbClr>
+                  </a:outerShdw>
+                </a:effectLst>
+              </a:rPr>
+              <a:t>Numbers In A Boolean Context</a:t>
+            </a:r>
+            <a:endParaRPr lang="en-US" b="1" i="1" dirty="0">
+              <a:solidFill>
+                <a:srgbClr val="0070C0"/>
+              </a:solidFill>
+              <a:effectLst>
+                <a:outerShdw blurRad="38100" dist="38100" dir="2700000" algn="tl">
+                  <a:srgbClr val="000000">
+                    <a:alpha val="43137"/>
+                  </a:srgbClr>
+                </a:outerShdw>
+              </a:effectLst>
+              <a:latin typeface="Consolas" panose="020B0609020204030204" pitchFamily="49" charset="0"/>
+              <a:cs typeface="Consolas" panose="020B0609020204030204" pitchFamily="49" charset="0"/>
+            </a:endParaRPr>
+          </a:p>
+        </p:txBody>
+      </p:sp>
+      <p:sp>
+        <p:nvSpPr>
+          <p:cNvPr id="5" name="AutoShape 2" descr="http://raspberry.piaustralia.com.au/product-images/piwithbox.jpg"/>
+          <p:cNvSpPr>
+            <a:spLocks noChangeAspect="1" noChangeArrowheads="1"/>
+          </p:cNvSpPr>
+          <p:nvPr/>
+        </p:nvSpPr>
+        <p:spPr bwMode="auto">
+          <a:xfrm>
+            <a:off x="63500" y="-136525"/>
+            <a:ext cx="9772650" cy="6343650"/>
+          </a:xfrm>
+          <a:prstGeom prst="rect">
+            <a:avLst/>
+          </a:prstGeom>
+          <a:noFill/>
+          <a:extLst>
+            <a:ext uri="{909E8E84-426E-40DD-AFC4-6F175D3DCCD1}">
+              <a14:hiddenFill xmlns:a14="http://schemas.microsoft.com/office/drawing/2010/main">
+                <a:solidFill>
+                  <a:srgbClr val="FFFFFF"/>
+                </a:solidFill>
+              </a14:hiddenFill>
+            </a:ext>
+          </a:extLst>
+        </p:spPr>
+        <p:txBody>
+          <a:bodyPr vert="horz" wrap="square" lIns="91440" tIns="45720" rIns="91440" bIns="45720" numCol="1" anchor="t" anchorCtr="0" compatLnSpc="1">
+            <a:prstTxWarp prst="textNoShape">
+              <a:avLst/>
+            </a:prstTxWarp>
+          </a:bodyPr>
+          <a:lstStyle/>
+          <a:p>
+            <a:endParaRPr lang="en-US"/>
+          </a:p>
+        </p:txBody>
+      </p:sp>
+      <p:pic>
+        <p:nvPicPr>
+          <p:cNvPr id="3" name="Picture 2"/>
+          <p:cNvPicPr>
+            <a:picLocks noChangeAspect="1"/>
+          </p:cNvPicPr>
+          <p:nvPr/>
+        </p:nvPicPr>
+        <p:blipFill>
+          <a:blip r:embed="rId2"/>
+          <a:stretch>
+            <a:fillRect/>
+          </a:stretch>
+        </p:blipFill>
+        <p:spPr>
+          <a:xfrm>
+            <a:off x="605790" y="857743"/>
+            <a:ext cx="5581650" cy="3752850"/>
+          </a:xfrm>
+          <a:prstGeom prst="rect">
+            <a:avLst/>
+          </a:prstGeom>
+        </p:spPr>
+      </p:pic>
+      <p:sp>
+        <p:nvSpPr>
+          <p:cNvPr id="7" name="TextBox 6"/>
+          <p:cNvSpPr txBox="1"/>
+          <p:nvPr/>
+        </p:nvSpPr>
+        <p:spPr>
+          <a:xfrm>
+            <a:off x="63500" y="4700973"/>
+            <a:ext cx="12192001" cy="1938992"/>
+          </a:xfrm>
+          <a:prstGeom prst="rect">
+            <a:avLst/>
+          </a:prstGeom>
+          <a:noFill/>
+        </p:spPr>
+        <p:txBody>
+          <a:bodyPr wrap="square" rtlCol="0">
+            <a:spAutoFit/>
+          </a:bodyPr>
+          <a:lstStyle/>
+          <a:p>
+            <a:pPr marL="342900" indent="-342900">
+              <a:buFont typeface="Arial" panose="020B0604020202020204" pitchFamily="34" charset="0"/>
+              <a:buChar char="•"/>
+            </a:pPr>
+            <a:r>
+              <a:rPr lang="en-US" sz="2000" dirty="0"/>
+              <a:t>③	</a:t>
+            </a:r>
+            <a:r>
+              <a:rPr lang="en-US" sz="2000" b="1" dirty="0"/>
+              <a:t>Non-zero floating point numbers are true</a:t>
+            </a:r>
+            <a:r>
+              <a:rPr lang="en-US" sz="2000" dirty="0"/>
+              <a:t>; </a:t>
+            </a:r>
+            <a:r>
+              <a:rPr lang="en-US" b="1" i="1" dirty="0">
+                <a:solidFill>
+                  <a:srgbClr val="0070C0"/>
+                </a:solidFill>
+                <a:latin typeface="Consolas" panose="020B0609020204030204" pitchFamily="49" charset="0"/>
+                <a:cs typeface="Consolas" panose="020B0609020204030204" pitchFamily="49" charset="0"/>
+              </a:rPr>
+              <a:t>0.0</a:t>
+            </a:r>
+            <a:r>
+              <a:rPr lang="en-US" sz="2000" dirty="0"/>
+              <a:t> </a:t>
+            </a:r>
+            <a:r>
+              <a:rPr lang="en-US" sz="2000" b="1" dirty="0"/>
+              <a:t>is false</a:t>
+            </a:r>
+            <a:r>
+              <a:rPr lang="en-US" sz="2000" dirty="0"/>
+              <a:t>. Be careful with this one! If there’s the slightest rounding error (not impossible, as you saw in the previous section) then Python will be testing </a:t>
+            </a:r>
+            <a:r>
+              <a:rPr lang="en-US" b="1" i="1" dirty="0">
+                <a:solidFill>
+                  <a:srgbClr val="0070C0"/>
+                </a:solidFill>
+                <a:latin typeface="Consolas" panose="020B0609020204030204" pitchFamily="49" charset="0"/>
+                <a:cs typeface="Consolas" panose="020B0609020204030204" pitchFamily="49" charset="0"/>
+              </a:rPr>
+              <a:t>0.0000000000001</a:t>
+            </a:r>
+            <a:r>
+              <a:rPr lang="en-US" sz="2000" dirty="0"/>
+              <a:t> instead of </a:t>
+            </a:r>
+            <a:r>
+              <a:rPr lang="en-US" b="1" i="1" dirty="0">
+                <a:solidFill>
+                  <a:srgbClr val="0070C0"/>
+                </a:solidFill>
+                <a:latin typeface="Consolas" panose="020B0609020204030204" pitchFamily="49" charset="0"/>
+                <a:cs typeface="Consolas" panose="020B0609020204030204" pitchFamily="49" charset="0"/>
+              </a:rPr>
+              <a:t>0</a:t>
+            </a:r>
+            <a:r>
+              <a:rPr lang="en-US" sz="2000" dirty="0"/>
+              <a:t> and will return </a:t>
+            </a:r>
+            <a:r>
+              <a:rPr lang="en-US" b="1" i="1" dirty="0">
+                <a:solidFill>
+                  <a:srgbClr val="0070C0"/>
+                </a:solidFill>
+                <a:latin typeface="Consolas" panose="020B0609020204030204" pitchFamily="49" charset="0"/>
+                <a:cs typeface="Consolas" panose="020B0609020204030204" pitchFamily="49" charset="0"/>
+              </a:rPr>
+              <a:t>True</a:t>
+            </a:r>
+            <a:r>
+              <a:rPr lang="en-US" sz="2000" dirty="0"/>
+              <a:t>.</a:t>
+            </a:r>
+          </a:p>
+          <a:p>
+            <a:pPr marL="342900" indent="-342900">
+              <a:buFont typeface="Arial" panose="020B0604020202020204" pitchFamily="34" charset="0"/>
+              <a:buChar char="•"/>
+            </a:pPr>
+            <a:endParaRPr lang="en-US" sz="2000" dirty="0" smtClean="0"/>
+          </a:p>
+          <a:p>
+            <a:pPr marL="342900" indent="-342900">
+              <a:buFont typeface="Arial" panose="020B0604020202020204" pitchFamily="34" charset="0"/>
+              <a:buChar char="•"/>
+            </a:pPr>
+            <a:r>
+              <a:rPr lang="en-US" sz="2000" dirty="0" smtClean="0"/>
+              <a:t>④</a:t>
+            </a:r>
+            <a:r>
+              <a:rPr lang="en-US" sz="2000" dirty="0"/>
+              <a:t>	</a:t>
+            </a:r>
+            <a:r>
+              <a:rPr lang="en-US" b="1" i="1" dirty="0">
+                <a:solidFill>
+                  <a:srgbClr val="0070C0"/>
+                </a:solidFill>
+                <a:latin typeface="Consolas" panose="020B0609020204030204" pitchFamily="49" charset="0"/>
+                <a:cs typeface="Consolas" panose="020B0609020204030204" pitchFamily="49" charset="0"/>
+              </a:rPr>
+              <a:t>Fractions</a:t>
+            </a:r>
+            <a:r>
+              <a:rPr lang="en-US" sz="2000" dirty="0"/>
+              <a:t> can also be used in a boolean context. </a:t>
+            </a:r>
+            <a:r>
+              <a:rPr lang="en-US" sz="2000" b="1" dirty="0"/>
+              <a:t>Fraction(0, n) is false </a:t>
+            </a:r>
+            <a:r>
+              <a:rPr lang="en-US" sz="2000" dirty="0"/>
+              <a:t>for all values of n. </a:t>
+            </a:r>
+            <a:r>
+              <a:rPr lang="en-US" sz="2000" b="1" dirty="0"/>
+              <a:t>All other fractions are true</a:t>
+            </a:r>
+            <a:r>
+              <a:rPr lang="en-US" sz="2000" dirty="0"/>
+              <a:t>.</a:t>
+            </a:r>
+            <a:endParaRPr lang="en-US" sz="2000" b="1" dirty="0" smtClean="0"/>
+          </a:p>
+        </p:txBody>
+      </p:sp>
+    </p:spTree>
+    <p:extLst>
+      <p:ext uri="{BB962C8B-B14F-4D97-AF65-F5344CB8AC3E}">
+        <p14:creationId xmlns:p14="http://schemas.microsoft.com/office/powerpoint/2010/main" val="4268093818"/>
+      </p:ext>
+    </p:extLst>
+  </p:cSld>
+  <p:clrMapOvr>
+    <a:masterClrMapping/>
+  </p:clrMapOvr>
+</p:sld>
+</file>
+
+<file path=ppt/slides/slide85.xml><?xml version="1.0" encoding="utf-8"?>
 <p:sld xmlns:a="http://schemas.openxmlformats.org/drawingml/2006/main" xmlns:r="http://schemas.openxmlformats.org/officeDocument/2006/relationships" xmlns:p="http://schemas.openxmlformats.org/presentationml/2006/main">
   <p:cSld>
     <p:spTree>
@@ -32851,881 +41126,6 @@
     <p:extLst>
       <p:ext uri="{BB962C8B-B14F-4D97-AF65-F5344CB8AC3E}">
         <p14:creationId xmlns:p14="http://schemas.microsoft.com/office/powerpoint/2010/main" val="2759255345"/>
-      </p:ext>
-    </p:extLst>
-  </p:cSld>
-  <p:clrMapOvr>
-    <a:masterClrMapping/>
-  </p:clrMapOvr>
-</p:sld>
-</file>
-
-<file path=ppt/slides/slide7.xml><?xml version="1.0" encoding="utf-8"?>
-<p:sld xmlns:a="http://schemas.openxmlformats.org/drawingml/2006/main" xmlns:r="http://schemas.openxmlformats.org/officeDocument/2006/relationships" xmlns:p="http://schemas.openxmlformats.org/presentationml/2006/main">
-  <p:cSld>
-    <p:spTree>
-      <p:nvGrpSpPr>
-        <p:cNvPr id="1" name=""/>
-        <p:cNvGrpSpPr/>
-        <p:nvPr/>
-      </p:nvGrpSpPr>
-      <p:grpSpPr>
-        <a:xfrm>
-          <a:off x="0" y="0"/>
-          <a:ext cx="0" cy="0"/>
-          <a:chOff x="0" y="0"/>
-          <a:chExt cx="0" cy="0"/>
-        </a:xfrm>
-      </p:grpSpPr>
-      <p:sp>
-        <p:nvSpPr>
-          <p:cNvPr id="4" name="Title 1"/>
-          <p:cNvSpPr txBox="1">
-            <a:spLocks/>
-          </p:cNvSpPr>
-          <p:nvPr/>
-        </p:nvSpPr>
-        <p:spPr>
-          <a:xfrm>
-            <a:off x="0" y="1"/>
-            <a:ext cx="12192000" cy="721216"/>
-          </a:xfrm>
-          <a:prstGeom prst="rect">
-            <a:avLst/>
-          </a:prstGeom>
-        </p:spPr>
-        <p:style>
-          <a:lnRef idx="0">
-            <a:schemeClr val="accent1"/>
-          </a:lnRef>
-          <a:fillRef idx="3">
-            <a:schemeClr val="accent1"/>
-          </a:fillRef>
-          <a:effectRef idx="3">
-            <a:schemeClr val="accent1"/>
-          </a:effectRef>
-          <a:fontRef idx="minor">
-            <a:schemeClr val="lt1"/>
-          </a:fontRef>
-        </p:style>
-        <p:txBody>
-          <a:bodyPr vert="horz" lIns="91440" tIns="45720" rIns="91440" bIns="45720" rtlCol="0" anchor="ctr">
-            <a:normAutofit/>
-          </a:bodyPr>
-          <a:lstStyle>
-            <a:lvl1pPr algn="l" defTabSz="914400" rtl="0" eaLnBrk="1" latinLnBrk="0" hangingPunct="1">
-              <a:lnSpc>
-                <a:spcPct val="90000"/>
-              </a:lnSpc>
-              <a:spcBef>
-                <a:spcPct val="0"/>
-              </a:spcBef>
-              <a:buNone/>
-              <a:defRPr sz="4400" kern="1200">
-                <a:solidFill>
-                  <a:schemeClr val="lt1"/>
-                </a:solidFill>
-                <a:latin typeface="+mn-lt"/>
-                <a:ea typeface="+mn-ea"/>
-                <a:cs typeface="+mn-cs"/>
-              </a:defRPr>
-            </a:lvl1pPr>
-            <a:lvl2pPr>
-              <a:defRPr>
-                <a:solidFill>
-                  <a:schemeClr val="lt1"/>
-                </a:solidFill>
-                <a:latin typeface="+mn-lt"/>
-                <a:ea typeface="+mn-ea"/>
-                <a:cs typeface="+mn-cs"/>
-              </a:defRPr>
-            </a:lvl2pPr>
-            <a:lvl3pPr>
-              <a:defRPr>
-                <a:solidFill>
-                  <a:schemeClr val="lt1"/>
-                </a:solidFill>
-                <a:latin typeface="+mn-lt"/>
-                <a:ea typeface="+mn-ea"/>
-                <a:cs typeface="+mn-cs"/>
-              </a:defRPr>
-            </a:lvl3pPr>
-            <a:lvl4pPr>
-              <a:defRPr>
-                <a:solidFill>
-                  <a:schemeClr val="lt1"/>
-                </a:solidFill>
-                <a:latin typeface="+mn-lt"/>
-                <a:ea typeface="+mn-ea"/>
-                <a:cs typeface="+mn-cs"/>
-              </a:defRPr>
-            </a:lvl4pPr>
-            <a:lvl5pPr>
-              <a:defRPr>
-                <a:solidFill>
-                  <a:schemeClr val="lt1"/>
-                </a:solidFill>
-                <a:latin typeface="+mn-lt"/>
-                <a:ea typeface="+mn-ea"/>
-                <a:cs typeface="+mn-cs"/>
-              </a:defRPr>
-            </a:lvl5pPr>
-            <a:lvl6pPr>
-              <a:defRPr>
-                <a:solidFill>
-                  <a:schemeClr val="lt1"/>
-                </a:solidFill>
-                <a:latin typeface="+mn-lt"/>
-                <a:ea typeface="+mn-ea"/>
-                <a:cs typeface="+mn-cs"/>
-              </a:defRPr>
-            </a:lvl6pPr>
-            <a:lvl7pPr>
-              <a:defRPr>
-                <a:solidFill>
-                  <a:schemeClr val="lt1"/>
-                </a:solidFill>
-                <a:latin typeface="+mn-lt"/>
-                <a:ea typeface="+mn-ea"/>
-                <a:cs typeface="+mn-cs"/>
-              </a:defRPr>
-            </a:lvl7pPr>
-            <a:lvl8pPr>
-              <a:defRPr>
-                <a:solidFill>
-                  <a:schemeClr val="lt1"/>
-                </a:solidFill>
-                <a:latin typeface="+mn-lt"/>
-                <a:ea typeface="+mn-ea"/>
-                <a:cs typeface="+mn-cs"/>
-              </a:defRPr>
-            </a:lvl8pPr>
-            <a:lvl9pPr>
-              <a:defRPr>
-                <a:solidFill>
-                  <a:schemeClr val="lt1"/>
-                </a:solidFill>
-                <a:latin typeface="+mn-lt"/>
-                <a:ea typeface="+mn-ea"/>
-                <a:cs typeface="+mn-cs"/>
-              </a:defRPr>
-            </a:lvl9pPr>
-          </a:lstStyle>
-          <a:p>
-            <a:r>
-              <a:rPr lang="en-US" dirty="0"/>
-              <a:t> </a:t>
-            </a:r>
-            <a:r>
-              <a:rPr lang="en-US" b="1" dirty="0">
-                <a:effectLst>
-                  <a:outerShdw blurRad="38100" dist="38100" dir="2700000" algn="tl">
-                    <a:srgbClr val="000000">
-                      <a:alpha val="43137"/>
-                    </a:srgbClr>
-                  </a:outerShdw>
-                </a:effectLst>
-              </a:rPr>
-              <a:t>Variables</a:t>
-            </a:r>
-            <a:r>
-              <a:rPr lang="en-US" dirty="0"/>
-              <a:t> </a:t>
-            </a:r>
-            <a:endParaRPr lang="en-US" b="1" i="1" dirty="0">
-              <a:solidFill>
-                <a:srgbClr val="0070C0"/>
-              </a:solidFill>
-              <a:latin typeface="Consolas" panose="020B0609020204030204" pitchFamily="49" charset="0"/>
-              <a:cs typeface="Consolas" panose="020B0609020204030204" pitchFamily="49" charset="0"/>
-            </a:endParaRPr>
-          </a:p>
-        </p:txBody>
-      </p:sp>
-      <p:sp>
-        <p:nvSpPr>
-          <p:cNvPr id="2" name="TextBox 1"/>
-          <p:cNvSpPr txBox="1"/>
-          <p:nvPr/>
-        </p:nvSpPr>
-        <p:spPr>
-          <a:xfrm>
-            <a:off x="417443" y="857743"/>
-            <a:ext cx="11357113" cy="5786199"/>
-          </a:xfrm>
-          <a:prstGeom prst="rect">
-            <a:avLst/>
-          </a:prstGeom>
-          <a:noFill/>
-        </p:spPr>
-        <p:txBody>
-          <a:bodyPr wrap="square" rtlCol="0">
-            <a:spAutoFit/>
-          </a:bodyPr>
-          <a:lstStyle/>
-          <a:p>
-            <a:pPr marL="342900" indent="-342900">
-              <a:buFont typeface="Arial" panose="020B0604020202020204" pitchFamily="34" charset="0"/>
-              <a:buChar char="•"/>
-            </a:pPr>
-            <a:r>
-              <a:rPr lang="en-US" sz="2000" dirty="0"/>
-              <a:t>Assign a value to a name using =. </a:t>
-            </a:r>
-          </a:p>
-          <a:p>
-            <a:pPr marL="342900" indent="-342900">
-              <a:buFont typeface="Arial" panose="020B0604020202020204" pitchFamily="34" charset="0"/>
-              <a:buChar char="•"/>
-            </a:pPr>
-            <a:endParaRPr lang="en-US" sz="2000" b="1" i="1" dirty="0">
-              <a:solidFill>
-                <a:srgbClr val="0070C0"/>
-              </a:solidFill>
-              <a:latin typeface="Consolas" panose="020B0609020204030204" pitchFamily="49" charset="0"/>
-              <a:cs typeface="Consolas" panose="020B0609020204030204" pitchFamily="49" charset="0"/>
-            </a:endParaRPr>
-          </a:p>
-          <a:p>
-            <a:pPr marL="342900" indent="-342900">
-              <a:buFont typeface="Arial" panose="020B0604020202020204" pitchFamily="34" charset="0"/>
-              <a:buChar char="•"/>
-            </a:pPr>
-            <a:r>
-              <a:rPr lang="en-US" sz="2000" dirty="0"/>
-              <a:t>In Python, you don’t have to declare the type of a variable, you can just assign it a value as shown in the following examples:</a:t>
-            </a:r>
-          </a:p>
-          <a:p>
-            <a:pPr marL="342900" indent="-342900">
-              <a:buFont typeface="Arial" panose="020B0604020202020204" pitchFamily="34" charset="0"/>
-              <a:buChar char="•"/>
-            </a:pPr>
-            <a:endParaRPr lang="en-US" sz="2000" b="1" i="1" dirty="0">
-              <a:solidFill>
-                <a:srgbClr val="0070C0"/>
-              </a:solidFill>
-              <a:latin typeface="Consolas" panose="020B0609020204030204" pitchFamily="49" charset="0"/>
-              <a:cs typeface="Consolas" panose="020B0609020204030204" pitchFamily="49" charset="0"/>
-            </a:endParaRPr>
-          </a:p>
-          <a:p>
-            <a:pPr marL="342900" indent="-342900">
-              <a:buFont typeface="Arial" panose="020B0604020202020204" pitchFamily="34" charset="0"/>
-              <a:buChar char="•"/>
-            </a:pPr>
-            <a:r>
-              <a:rPr lang="en-US" sz="2000" b="1" dirty="0">
-                <a:solidFill>
-                  <a:srgbClr val="FF0000"/>
-                </a:solidFill>
-              </a:rPr>
-              <a:t>Example:</a:t>
-            </a:r>
-          </a:p>
-          <a:p>
-            <a:pPr marL="342900" indent="-342900">
-              <a:buFont typeface="Arial" panose="020B0604020202020204" pitchFamily="34" charset="0"/>
-              <a:buChar char="•"/>
-            </a:pPr>
-            <a:endParaRPr lang="en-US" sz="2000" b="1" i="1" dirty="0">
-              <a:solidFill>
-                <a:srgbClr val="0070C0"/>
-              </a:solidFill>
-              <a:latin typeface="Consolas" panose="020B0609020204030204" pitchFamily="49" charset="0"/>
-              <a:cs typeface="Consolas" panose="020B0609020204030204" pitchFamily="49" charset="0"/>
-            </a:endParaRPr>
-          </a:p>
-          <a:p>
-            <a:pPr marL="342900" indent="-342900">
-              <a:lnSpc>
-                <a:spcPct val="150000"/>
-              </a:lnSpc>
-              <a:buFont typeface="Arial" panose="020B0604020202020204" pitchFamily="34" charset="0"/>
-              <a:buChar char="•"/>
-            </a:pPr>
-            <a:r>
-              <a:rPr lang="en-US" sz="2000" b="1" i="1" dirty="0">
-                <a:solidFill>
-                  <a:srgbClr val="0070C0"/>
-                </a:solidFill>
-                <a:latin typeface="Consolas" panose="020B0609020204030204" pitchFamily="49" charset="0"/>
-                <a:cs typeface="Consolas" panose="020B0609020204030204" pitchFamily="49" charset="0"/>
-              </a:rPr>
-              <a:t>a = 123 </a:t>
-            </a:r>
-          </a:p>
-          <a:p>
-            <a:pPr marL="342900" indent="-342900">
-              <a:lnSpc>
-                <a:spcPct val="150000"/>
-              </a:lnSpc>
-              <a:buFont typeface="Arial" panose="020B0604020202020204" pitchFamily="34" charset="0"/>
-              <a:buChar char="•"/>
-            </a:pPr>
-            <a:r>
-              <a:rPr lang="en-US" sz="2000" b="1" i="1" dirty="0">
-                <a:solidFill>
-                  <a:srgbClr val="0070C0"/>
-                </a:solidFill>
-                <a:latin typeface="Consolas" panose="020B0609020204030204" pitchFamily="49" charset="0"/>
-                <a:cs typeface="Consolas" panose="020B0609020204030204" pitchFamily="49" charset="0"/>
-              </a:rPr>
-              <a:t>b = 12.34 </a:t>
-            </a:r>
-          </a:p>
-          <a:p>
-            <a:pPr marL="342900" indent="-342900">
-              <a:lnSpc>
-                <a:spcPct val="150000"/>
-              </a:lnSpc>
-              <a:buFont typeface="Arial" panose="020B0604020202020204" pitchFamily="34" charset="0"/>
-              <a:buChar char="•"/>
-            </a:pPr>
-            <a:r>
-              <a:rPr lang="en-US" sz="2000" b="1" i="1" dirty="0">
-                <a:solidFill>
-                  <a:srgbClr val="0070C0"/>
-                </a:solidFill>
-                <a:latin typeface="Consolas" panose="020B0609020204030204" pitchFamily="49" charset="0"/>
-                <a:cs typeface="Consolas" panose="020B0609020204030204" pitchFamily="49" charset="0"/>
-              </a:rPr>
-              <a:t>c = "Hello" </a:t>
-            </a:r>
-          </a:p>
-          <a:p>
-            <a:pPr marL="342900" indent="-342900">
-              <a:lnSpc>
-                <a:spcPct val="150000"/>
-              </a:lnSpc>
-              <a:buFont typeface="Arial" panose="020B0604020202020204" pitchFamily="34" charset="0"/>
-              <a:buChar char="•"/>
-            </a:pPr>
-            <a:r>
-              <a:rPr lang="en-US" sz="2000" b="1" i="1" dirty="0">
-                <a:solidFill>
-                  <a:srgbClr val="0070C0"/>
-                </a:solidFill>
-                <a:latin typeface="Consolas" panose="020B0609020204030204" pitchFamily="49" charset="0"/>
-                <a:cs typeface="Consolas" panose="020B0609020204030204" pitchFamily="49" charset="0"/>
-              </a:rPr>
-              <a:t>d = 'Hello' </a:t>
-            </a:r>
-          </a:p>
-          <a:p>
-            <a:pPr marL="342900" indent="-342900">
-              <a:lnSpc>
-                <a:spcPct val="150000"/>
-              </a:lnSpc>
-              <a:buFont typeface="Arial" panose="020B0604020202020204" pitchFamily="34" charset="0"/>
-              <a:buChar char="•"/>
-            </a:pPr>
-            <a:r>
-              <a:rPr lang="en-US" sz="2000" b="1" i="1" dirty="0">
-                <a:solidFill>
-                  <a:srgbClr val="0070C0"/>
-                </a:solidFill>
-                <a:latin typeface="Consolas" panose="020B0609020204030204" pitchFamily="49" charset="0"/>
-                <a:cs typeface="Consolas" panose="020B0609020204030204" pitchFamily="49" charset="0"/>
-              </a:rPr>
-              <a:t>e = True</a:t>
-            </a:r>
-          </a:p>
-          <a:p>
-            <a:pPr marL="342900" indent="-342900">
-              <a:buFont typeface="Arial" panose="020B0604020202020204" pitchFamily="34" charset="0"/>
-              <a:buChar char="•"/>
-            </a:pPr>
-            <a:endParaRPr lang="en-US" sz="2000" b="1" i="1" dirty="0">
-              <a:solidFill>
-                <a:srgbClr val="0070C0"/>
-              </a:solidFill>
-              <a:latin typeface="Consolas" panose="020B0609020204030204" pitchFamily="49" charset="0"/>
-              <a:cs typeface="Consolas" panose="020B0609020204030204" pitchFamily="49" charset="0"/>
-            </a:endParaRPr>
-          </a:p>
-          <a:p>
-            <a:pPr marL="342900" indent="-342900">
-              <a:buFont typeface="Arial" panose="020B0604020202020204" pitchFamily="34" charset="0"/>
-              <a:buChar char="•"/>
-            </a:pPr>
-            <a:r>
-              <a:rPr lang="en-US" sz="2000" b="1" dirty="0">
-                <a:solidFill>
-                  <a:srgbClr val="FF0000"/>
-                </a:solidFill>
-              </a:rPr>
-              <a:t>You can define character string constants using either single or double quotes</a:t>
-            </a:r>
-            <a:r>
-              <a:rPr lang="en-US" sz="2000" dirty="0"/>
-              <a:t>. The logical constants in Python are </a:t>
-            </a:r>
-            <a:r>
-              <a:rPr lang="en-US" sz="2000" b="1" dirty="0"/>
-              <a:t>True</a:t>
-            </a:r>
-            <a:r>
-              <a:rPr lang="en-US" sz="2000" dirty="0"/>
-              <a:t> and </a:t>
-            </a:r>
-            <a:r>
-              <a:rPr lang="en-US" sz="2000" b="1" dirty="0"/>
-              <a:t>False</a:t>
-            </a:r>
-            <a:r>
-              <a:rPr lang="en-US" sz="2000" dirty="0"/>
-              <a:t> and are </a:t>
-            </a:r>
-            <a:r>
-              <a:rPr lang="en-US" sz="2000" b="1" dirty="0">
-                <a:solidFill>
-                  <a:srgbClr val="FF0000"/>
-                </a:solidFill>
-              </a:rPr>
-              <a:t>case-sensitive</a:t>
-            </a:r>
-            <a:r>
-              <a:rPr lang="en-US" sz="2000" dirty="0"/>
-              <a:t>. </a:t>
-            </a:r>
-          </a:p>
-          <a:p>
-            <a:pPr marL="342900" indent="-342900">
-              <a:buFont typeface="Arial" panose="020B0604020202020204" pitchFamily="34" charset="0"/>
-              <a:buChar char="•"/>
-            </a:pPr>
-            <a:endParaRPr lang="en-US" sz="2000" dirty="0"/>
-          </a:p>
-        </p:txBody>
-      </p:sp>
-      <p:sp>
-        <p:nvSpPr>
-          <p:cNvPr id="5" name="AutoShape 2" descr="http://raspberry.piaustralia.com.au/product-images/piwithbox.jpg"/>
-          <p:cNvSpPr>
-            <a:spLocks noChangeAspect="1" noChangeArrowheads="1"/>
-          </p:cNvSpPr>
-          <p:nvPr/>
-        </p:nvSpPr>
-        <p:spPr bwMode="auto">
-          <a:xfrm>
-            <a:off x="63500" y="-136525"/>
-            <a:ext cx="9772650" cy="6343650"/>
-          </a:xfrm>
-          <a:prstGeom prst="rect">
-            <a:avLst/>
-          </a:prstGeom>
-          <a:noFill/>
-          <a:extLst>
-            <a:ext uri="{909E8E84-426E-40DD-AFC4-6F175D3DCCD1}">
-              <a14:hiddenFill xmlns:a14="http://schemas.microsoft.com/office/drawing/2010/main">
-                <a:solidFill>
-                  <a:srgbClr val="FFFFFF"/>
-                </a:solidFill>
-              </a14:hiddenFill>
-            </a:ext>
-          </a:extLst>
-        </p:spPr>
-        <p:txBody>
-          <a:bodyPr vert="horz" wrap="square" lIns="91440" tIns="45720" rIns="91440" bIns="45720" numCol="1" anchor="t" anchorCtr="0" compatLnSpc="1">
-            <a:prstTxWarp prst="textNoShape">
-              <a:avLst/>
-            </a:prstTxWarp>
-          </a:bodyPr>
-          <a:lstStyle/>
-          <a:p>
-            <a:endParaRPr lang="en-US"/>
-          </a:p>
-        </p:txBody>
-      </p:sp>
-    </p:spTree>
-    <p:extLst>
-      <p:ext uri="{BB962C8B-B14F-4D97-AF65-F5344CB8AC3E}">
-        <p14:creationId xmlns:p14="http://schemas.microsoft.com/office/powerpoint/2010/main" val="3462871136"/>
-      </p:ext>
-    </p:extLst>
-  </p:cSld>
-  <p:clrMapOvr>
-    <a:masterClrMapping/>
-  </p:clrMapOvr>
-</p:sld>
-</file>
-
-<file path=ppt/slides/slide8.xml><?xml version="1.0" encoding="utf-8"?>
-<p:sld xmlns:a="http://schemas.openxmlformats.org/drawingml/2006/main" xmlns:r="http://schemas.openxmlformats.org/officeDocument/2006/relationships" xmlns:p="http://schemas.openxmlformats.org/presentationml/2006/main">
-  <p:cSld>
-    <p:spTree>
-      <p:nvGrpSpPr>
-        <p:cNvPr id="1" name=""/>
-        <p:cNvGrpSpPr/>
-        <p:nvPr/>
-      </p:nvGrpSpPr>
-      <p:grpSpPr>
-        <a:xfrm>
-          <a:off x="0" y="0"/>
-          <a:ext cx="0" cy="0"/>
-          <a:chOff x="0" y="0"/>
-          <a:chExt cx="0" cy="0"/>
-        </a:xfrm>
-      </p:grpSpPr>
-      <p:sp>
-        <p:nvSpPr>
-          <p:cNvPr id="4" name="Title 1"/>
-          <p:cNvSpPr txBox="1">
-            <a:spLocks/>
-          </p:cNvSpPr>
-          <p:nvPr/>
-        </p:nvSpPr>
-        <p:spPr>
-          <a:xfrm>
-            <a:off x="0" y="1"/>
-            <a:ext cx="12192000" cy="721216"/>
-          </a:xfrm>
-          <a:prstGeom prst="rect">
-            <a:avLst/>
-          </a:prstGeom>
-        </p:spPr>
-        <p:style>
-          <a:lnRef idx="0">
-            <a:schemeClr val="accent1"/>
-          </a:lnRef>
-          <a:fillRef idx="3">
-            <a:schemeClr val="accent1"/>
-          </a:fillRef>
-          <a:effectRef idx="3">
-            <a:schemeClr val="accent1"/>
-          </a:effectRef>
-          <a:fontRef idx="minor">
-            <a:schemeClr val="lt1"/>
-          </a:fontRef>
-        </p:style>
-        <p:txBody>
-          <a:bodyPr vert="horz" lIns="91440" tIns="45720" rIns="91440" bIns="45720" rtlCol="0" anchor="ctr">
-            <a:normAutofit/>
-          </a:bodyPr>
-          <a:lstStyle>
-            <a:lvl1pPr algn="l" defTabSz="914400" rtl="0" eaLnBrk="1" latinLnBrk="0" hangingPunct="1">
-              <a:lnSpc>
-                <a:spcPct val="90000"/>
-              </a:lnSpc>
-              <a:spcBef>
-                <a:spcPct val="0"/>
-              </a:spcBef>
-              <a:buNone/>
-              <a:defRPr sz="4400" kern="1200">
-                <a:solidFill>
-                  <a:schemeClr val="lt1"/>
-                </a:solidFill>
-                <a:latin typeface="+mn-lt"/>
-                <a:ea typeface="+mn-ea"/>
-                <a:cs typeface="+mn-cs"/>
-              </a:defRPr>
-            </a:lvl1pPr>
-            <a:lvl2pPr>
-              <a:defRPr>
-                <a:solidFill>
-                  <a:schemeClr val="lt1"/>
-                </a:solidFill>
-                <a:latin typeface="+mn-lt"/>
-                <a:ea typeface="+mn-ea"/>
-                <a:cs typeface="+mn-cs"/>
-              </a:defRPr>
-            </a:lvl2pPr>
-            <a:lvl3pPr>
-              <a:defRPr>
-                <a:solidFill>
-                  <a:schemeClr val="lt1"/>
-                </a:solidFill>
-                <a:latin typeface="+mn-lt"/>
-                <a:ea typeface="+mn-ea"/>
-                <a:cs typeface="+mn-cs"/>
-              </a:defRPr>
-            </a:lvl3pPr>
-            <a:lvl4pPr>
-              <a:defRPr>
-                <a:solidFill>
-                  <a:schemeClr val="lt1"/>
-                </a:solidFill>
-                <a:latin typeface="+mn-lt"/>
-                <a:ea typeface="+mn-ea"/>
-                <a:cs typeface="+mn-cs"/>
-              </a:defRPr>
-            </a:lvl4pPr>
-            <a:lvl5pPr>
-              <a:defRPr>
-                <a:solidFill>
-                  <a:schemeClr val="lt1"/>
-                </a:solidFill>
-                <a:latin typeface="+mn-lt"/>
-                <a:ea typeface="+mn-ea"/>
-                <a:cs typeface="+mn-cs"/>
-              </a:defRPr>
-            </a:lvl5pPr>
-            <a:lvl6pPr>
-              <a:defRPr>
-                <a:solidFill>
-                  <a:schemeClr val="lt1"/>
-                </a:solidFill>
-                <a:latin typeface="+mn-lt"/>
-                <a:ea typeface="+mn-ea"/>
-                <a:cs typeface="+mn-cs"/>
-              </a:defRPr>
-            </a:lvl6pPr>
-            <a:lvl7pPr>
-              <a:defRPr>
-                <a:solidFill>
-                  <a:schemeClr val="lt1"/>
-                </a:solidFill>
-                <a:latin typeface="+mn-lt"/>
-                <a:ea typeface="+mn-ea"/>
-                <a:cs typeface="+mn-cs"/>
-              </a:defRPr>
-            </a:lvl7pPr>
-            <a:lvl8pPr>
-              <a:defRPr>
-                <a:solidFill>
-                  <a:schemeClr val="lt1"/>
-                </a:solidFill>
-                <a:latin typeface="+mn-lt"/>
-                <a:ea typeface="+mn-ea"/>
-                <a:cs typeface="+mn-cs"/>
-              </a:defRPr>
-            </a:lvl8pPr>
-            <a:lvl9pPr>
-              <a:defRPr>
-                <a:solidFill>
-                  <a:schemeClr val="lt1"/>
-                </a:solidFill>
-                <a:latin typeface="+mn-lt"/>
-                <a:ea typeface="+mn-ea"/>
-                <a:cs typeface="+mn-cs"/>
-              </a:defRPr>
-            </a:lvl9pPr>
-          </a:lstStyle>
-          <a:p>
-            <a:r>
-              <a:rPr lang="en-US" smtClean="0"/>
-              <a:t> </a:t>
-            </a:r>
-            <a:r>
-              <a:rPr lang="en-US" b="1" smtClean="0">
-                <a:effectLst>
-                  <a:outerShdw blurRad="38100" dist="38100" dir="2700000" algn="tl">
-                    <a:srgbClr val="000000">
-                      <a:alpha val="43137"/>
-                    </a:srgbClr>
-                  </a:outerShdw>
-                </a:effectLst>
-              </a:rPr>
-              <a:t>Variables</a:t>
-            </a:r>
-            <a:r>
-              <a:rPr lang="en-US" smtClean="0"/>
-              <a:t> </a:t>
-            </a:r>
-            <a:endParaRPr lang="en-US" b="1" i="1" dirty="0">
-              <a:solidFill>
-                <a:srgbClr val="0070C0"/>
-              </a:solidFill>
-              <a:latin typeface="Consolas" panose="020B0609020204030204" pitchFamily="49" charset="0"/>
-              <a:cs typeface="Consolas" panose="020B0609020204030204" pitchFamily="49" charset="0"/>
-            </a:endParaRPr>
-          </a:p>
-        </p:txBody>
-      </p:sp>
-      <p:sp>
-        <p:nvSpPr>
-          <p:cNvPr id="2" name="TextBox 1"/>
-          <p:cNvSpPr txBox="1"/>
-          <p:nvPr/>
-        </p:nvSpPr>
-        <p:spPr>
-          <a:xfrm>
-            <a:off x="417443" y="857743"/>
-            <a:ext cx="11357113" cy="3170099"/>
-          </a:xfrm>
-          <a:prstGeom prst="rect">
-            <a:avLst/>
-          </a:prstGeom>
-          <a:noFill/>
-        </p:spPr>
-        <p:txBody>
-          <a:bodyPr wrap="square" rtlCol="0">
-            <a:spAutoFit/>
-          </a:bodyPr>
-          <a:lstStyle/>
-          <a:p>
-            <a:pPr marL="342900" indent="-342900">
-              <a:buFont typeface="Arial" panose="020B0604020202020204" pitchFamily="34" charset="0"/>
-              <a:buChar char="•"/>
-            </a:pPr>
-            <a:r>
-              <a:rPr lang="en-US" sz="2000" b="1" dirty="0"/>
-              <a:t>In Python, variables are never explicitly typed.</a:t>
-            </a:r>
-            <a:r>
-              <a:rPr lang="en-US" sz="2000" dirty="0"/>
-              <a:t> Python figures out what type a variable is and </a:t>
-            </a:r>
-            <a:r>
-              <a:rPr lang="en-US" sz="2000" b="1" dirty="0"/>
-              <a:t>keeps track of it internally</a:t>
-            </a:r>
-            <a:r>
-              <a:rPr lang="en-US" sz="2000" dirty="0"/>
-              <a:t>.</a:t>
-            </a:r>
-          </a:p>
-          <a:p>
-            <a:pPr marL="342900" indent="-342900">
-              <a:buFont typeface="Arial" panose="020B0604020202020204" pitchFamily="34" charset="0"/>
-              <a:buChar char="•"/>
-            </a:pPr>
-            <a:endParaRPr lang="en-US" sz="2000" dirty="0"/>
-          </a:p>
-          <a:p>
-            <a:pPr marL="342900" indent="-342900">
-              <a:buFont typeface="Arial" panose="020B0604020202020204" pitchFamily="34" charset="0"/>
-              <a:buChar char="•"/>
-            </a:pPr>
-            <a:endParaRPr lang="en-US" sz="2000" dirty="0" smtClean="0"/>
-          </a:p>
-          <a:p>
-            <a:pPr marL="342900" indent="-342900">
-              <a:buFont typeface="Arial" panose="020B0604020202020204" pitchFamily="34" charset="0"/>
-              <a:buChar char="•"/>
-            </a:pPr>
-            <a:r>
-              <a:rPr lang="en-US" sz="2000" b="1" dirty="0" smtClean="0"/>
-              <a:t>In </a:t>
-            </a:r>
-            <a:r>
-              <a:rPr lang="en-US" sz="2000" b="1" dirty="0"/>
-              <a:t>Java and other statically-typed languages</a:t>
-            </a:r>
-            <a:r>
-              <a:rPr lang="en-US" sz="2000" dirty="0"/>
-              <a:t>, you must specify the datatype of the function return value and each function argument. </a:t>
-            </a:r>
-            <a:r>
-              <a:rPr lang="en-US" sz="2000" b="1" dirty="0"/>
-              <a:t>In Python, you never explicitly specify the datatype of anything. Based on what value you assign, Python keeps track of the datatype internally</a:t>
-            </a:r>
-            <a:r>
-              <a:rPr lang="en-US" sz="2000" dirty="0"/>
-              <a:t>. </a:t>
-            </a:r>
-            <a:endParaRPr lang="en-US" sz="2000" dirty="0" smtClean="0"/>
-          </a:p>
-          <a:p>
-            <a:pPr marL="342900" indent="-342900">
-              <a:buFont typeface="Arial" panose="020B0604020202020204" pitchFamily="34" charset="0"/>
-              <a:buChar char="•"/>
-            </a:pPr>
-            <a:endParaRPr lang="en-US" sz="2000" dirty="0"/>
-          </a:p>
-          <a:p>
-            <a:pPr marL="342900" indent="-342900">
-              <a:buFont typeface="Arial" panose="020B0604020202020204" pitchFamily="34" charset="0"/>
-              <a:buChar char="•"/>
-            </a:pPr>
-            <a:r>
-              <a:rPr lang="en-US" sz="2000" b="1" dirty="0">
-                <a:solidFill>
-                  <a:srgbClr val="FF0000"/>
-                </a:solidFill>
-              </a:rPr>
-              <a:t>What Python will not let you do is reference a variable that has never been assigned a value</a:t>
-            </a:r>
-            <a:r>
-              <a:rPr lang="en-US" sz="2000" dirty="0"/>
-              <a:t>. Trying to do so will raise a </a:t>
-            </a:r>
-            <a:r>
-              <a:rPr lang="en-US" sz="2000" b="1" i="1" dirty="0">
-                <a:solidFill>
-                  <a:srgbClr val="0070C0"/>
-                </a:solidFill>
-                <a:latin typeface="Consolas" panose="020B0609020204030204" pitchFamily="49" charset="0"/>
-                <a:cs typeface="Consolas" panose="020B0609020204030204" pitchFamily="49" charset="0"/>
-              </a:rPr>
-              <a:t>NameError</a:t>
-            </a:r>
-            <a:r>
-              <a:rPr lang="en-US" sz="2000" dirty="0"/>
-              <a:t> exception.</a:t>
-            </a:r>
-            <a:endParaRPr lang="en-US" sz="2000" dirty="0" smtClean="0"/>
-          </a:p>
-        </p:txBody>
-      </p:sp>
-      <p:sp>
-        <p:nvSpPr>
-          <p:cNvPr id="5" name="AutoShape 2" descr="http://raspberry.piaustralia.com.au/product-images/piwithbox.jpg"/>
-          <p:cNvSpPr>
-            <a:spLocks noChangeAspect="1" noChangeArrowheads="1"/>
-          </p:cNvSpPr>
-          <p:nvPr/>
-        </p:nvSpPr>
-        <p:spPr bwMode="auto">
-          <a:xfrm>
-            <a:off x="63500" y="-136525"/>
-            <a:ext cx="9772650" cy="6343650"/>
-          </a:xfrm>
-          <a:prstGeom prst="rect">
-            <a:avLst/>
-          </a:prstGeom>
-          <a:noFill/>
-          <a:extLst>
-            <a:ext uri="{909E8E84-426E-40DD-AFC4-6F175D3DCCD1}">
-              <a14:hiddenFill xmlns:a14="http://schemas.microsoft.com/office/drawing/2010/main">
-                <a:solidFill>
-                  <a:srgbClr val="FFFFFF"/>
-                </a:solidFill>
-              </a14:hiddenFill>
-            </a:ext>
-          </a:extLst>
-        </p:spPr>
-        <p:txBody>
-          <a:bodyPr vert="horz" wrap="square" lIns="91440" tIns="45720" rIns="91440" bIns="45720" numCol="1" anchor="t" anchorCtr="0" compatLnSpc="1">
-            <a:prstTxWarp prst="textNoShape">
-              <a:avLst/>
-            </a:prstTxWarp>
-          </a:bodyPr>
-          <a:lstStyle/>
-          <a:p>
-            <a:endParaRPr lang="en-US"/>
-          </a:p>
-        </p:txBody>
-      </p:sp>
-      <p:pic>
-        <p:nvPicPr>
-          <p:cNvPr id="3" name="Picture 2"/>
-          <p:cNvPicPr>
-            <a:picLocks noChangeAspect="1"/>
-          </p:cNvPicPr>
-          <p:nvPr/>
-        </p:nvPicPr>
-        <p:blipFill>
-          <a:blip r:embed="rId2"/>
-          <a:stretch>
-            <a:fillRect/>
-          </a:stretch>
-        </p:blipFill>
-        <p:spPr>
-          <a:xfrm>
-            <a:off x="859971" y="4027842"/>
-            <a:ext cx="5318760" cy="2809506"/>
-          </a:xfrm>
-          <a:prstGeom prst="rect">
-            <a:avLst/>
-          </a:prstGeom>
-        </p:spPr>
-      </p:pic>
-    </p:spTree>
-    <p:extLst>
-      <p:ext uri="{BB962C8B-B14F-4D97-AF65-F5344CB8AC3E}">
-        <p14:creationId xmlns:p14="http://schemas.microsoft.com/office/powerpoint/2010/main" val="1990472455"/>
       </p:ext>
     </p:extLst>
   </p:cSld>

--- a/session2/presentation/Python Basics.pptx
+++ b/session2/presentation/Python Basics.pptx
@@ -329,7 +329,7 @@
           <a:p>
             <a:fld id="{1139FA4A-C808-4981-8BA9-64217A6CCEA7}" type="datetimeFigureOut">
               <a:rPr lang="en-US" smtClean="0"/>
-              <a:t>2/7/2018</a:t>
+              <a:t>3/26/2018</a:t>
             </a:fld>
             <a:endParaRPr lang="en-US"/>
           </a:p>
@@ -497,7 +497,7 @@
           <a:p>
             <a:fld id="{1139FA4A-C808-4981-8BA9-64217A6CCEA7}" type="datetimeFigureOut">
               <a:rPr lang="en-US" smtClean="0"/>
-              <a:t>2/7/2018</a:t>
+              <a:t>3/26/2018</a:t>
             </a:fld>
             <a:endParaRPr lang="en-US"/>
           </a:p>
@@ -675,7 +675,7 @@
           <a:p>
             <a:fld id="{1139FA4A-C808-4981-8BA9-64217A6CCEA7}" type="datetimeFigureOut">
               <a:rPr lang="en-US" smtClean="0"/>
-              <a:t>2/7/2018</a:t>
+              <a:t>3/26/2018</a:t>
             </a:fld>
             <a:endParaRPr lang="en-US"/>
           </a:p>
@@ -843,7 +843,7 @@
           <a:p>
             <a:fld id="{1139FA4A-C808-4981-8BA9-64217A6CCEA7}" type="datetimeFigureOut">
               <a:rPr lang="en-US" smtClean="0"/>
-              <a:t>2/7/2018</a:t>
+              <a:t>3/26/2018</a:t>
             </a:fld>
             <a:endParaRPr lang="en-US"/>
           </a:p>
@@ -1088,7 +1088,7 @@
           <a:p>
             <a:fld id="{1139FA4A-C808-4981-8BA9-64217A6CCEA7}" type="datetimeFigureOut">
               <a:rPr lang="en-US" smtClean="0"/>
-              <a:t>2/7/2018</a:t>
+              <a:t>3/26/2018</a:t>
             </a:fld>
             <a:endParaRPr lang="en-US"/>
           </a:p>
@@ -1317,7 +1317,7 @@
           <a:p>
             <a:fld id="{1139FA4A-C808-4981-8BA9-64217A6CCEA7}" type="datetimeFigureOut">
               <a:rPr lang="en-US" smtClean="0"/>
-              <a:t>2/7/2018</a:t>
+              <a:t>3/26/2018</a:t>
             </a:fld>
             <a:endParaRPr lang="en-US"/>
           </a:p>
@@ -1681,7 +1681,7 @@
           <a:p>
             <a:fld id="{1139FA4A-C808-4981-8BA9-64217A6CCEA7}" type="datetimeFigureOut">
               <a:rPr lang="en-US" smtClean="0"/>
-              <a:t>2/7/2018</a:t>
+              <a:t>3/26/2018</a:t>
             </a:fld>
             <a:endParaRPr lang="en-US"/>
           </a:p>
@@ -1798,7 +1798,7 @@
           <a:p>
             <a:fld id="{1139FA4A-C808-4981-8BA9-64217A6CCEA7}" type="datetimeFigureOut">
               <a:rPr lang="en-US" smtClean="0"/>
-              <a:t>2/7/2018</a:t>
+              <a:t>3/26/2018</a:t>
             </a:fld>
             <a:endParaRPr lang="en-US"/>
           </a:p>
@@ -1893,7 +1893,7 @@
           <a:p>
             <a:fld id="{1139FA4A-C808-4981-8BA9-64217A6CCEA7}" type="datetimeFigureOut">
               <a:rPr lang="en-US" smtClean="0"/>
-              <a:t>2/7/2018</a:t>
+              <a:t>3/26/2018</a:t>
             </a:fld>
             <a:endParaRPr lang="en-US"/>
           </a:p>
@@ -2168,7 +2168,7 @@
           <a:p>
             <a:fld id="{1139FA4A-C808-4981-8BA9-64217A6CCEA7}" type="datetimeFigureOut">
               <a:rPr lang="en-US" smtClean="0"/>
-              <a:t>2/7/2018</a:t>
+              <a:t>3/26/2018</a:t>
             </a:fld>
             <a:endParaRPr lang="en-US"/>
           </a:p>
@@ -2420,7 +2420,7 @@
           <a:p>
             <a:fld id="{1139FA4A-C808-4981-8BA9-64217A6CCEA7}" type="datetimeFigureOut">
               <a:rPr lang="en-US" smtClean="0"/>
-              <a:t>2/7/2018</a:t>
+              <a:t>3/26/2018</a:t>
             </a:fld>
             <a:endParaRPr lang="en-US"/>
           </a:p>
@@ -2631,7 +2631,7 @@
           <a:p>
             <a:fld id="{1139FA4A-C808-4981-8BA9-64217A6CCEA7}" type="datetimeFigureOut">
               <a:rPr lang="en-US" smtClean="0"/>
-              <a:t>2/7/2018</a:t>
+              <a:t>3/26/2018</a:t>
             </a:fld>
             <a:endParaRPr lang="en-US"/>
           </a:p>
@@ -33285,7 +33285,6 @@
               <a:rPr lang="en-US" sz="2000" b="1" dirty="0"/>
               <a:t> are unordered bags of key-value pairs. </a:t>
             </a:r>
-            <a:endParaRPr lang="en-US" sz="2000" b="1" dirty="0"/>
           </a:p>
         </p:txBody>
       </p:sp>
@@ -33695,7 +33694,6 @@
               <a:rPr lang="en-US" sz="2000" dirty="0"/>
               <a:t>,</a:t>
             </a:r>
-            <a:endParaRPr lang="en-US" sz="2000" dirty="0"/>
           </a:p>
         </p:txBody>
       </p:sp>
@@ -33904,11 +33902,7 @@
           </a:lstStyle>
           <a:p>
             <a:r>
-              <a:rPr lang="en-US" dirty="0"/>
-              <a:t> </a:t>
-            </a:r>
-            <a:r>
-              <a:rPr lang="en-US" b="1" dirty="0">
+              <a:rPr lang="en-US" b="1" smtClean="0">
                 <a:effectLst>
                   <a:outerShdw blurRad="38100" dist="38100" dir="2700000" algn="tl">
                     <a:srgbClr val="000000">
@@ -33920,7 +33914,7 @@
               <a:t>Variables</a:t>
             </a:r>
             <a:r>
-              <a:rPr lang="en-US" dirty="0"/>
+              <a:rPr lang="en-US" smtClean="0"/>
               <a:t> </a:t>
             </a:r>
             <a:endParaRPr lang="en-US" b="1" i="1" dirty="0">
